--- a/1st_proposal_smij.pptx
+++ b/1st_proposal_smij.pptx
@@ -124,7 +124,7 @@
   </p:defaultTextStyle>
   <p:extLst>
     <p:ext uri="{EFAFB233-063F-42B5-8137-9DF3F51BA10A}">
-      <p15:sldGuideLst xmlns:p15="http://schemas.microsoft.com/office/powerpoint/2012/main" xmlns=""/>
+      <p15:sldGuideLst xmlns="" xmlns:p15="http://schemas.microsoft.com/office/powerpoint/2012/main"/>
     </p:ext>
   </p:extLst>
 </p:presentation>
@@ -135,7 +135,7 @@
   <p:cmAuthor id="1" name="최익현" initials="최" lastIdx="4" clrIdx="0">
     <p:extLst>
       <p:ext uri="{19B8F6BF-5375-455C-9EA6-DF929625EA0E}">
-        <p15:presenceInfo xmlns:p15="http://schemas.microsoft.com/office/powerpoint/2012/main" xmlns="" userId="e61717013aee1b8d" providerId="Windows Live"/>
+        <p15:presenceInfo xmlns="" xmlns:p15="http://schemas.microsoft.com/office/powerpoint/2012/main" userId="e61717013aee1b8d" providerId="Windows Live"/>
       </p:ext>
     </p:extLst>
   </p:cmAuthor>
@@ -168,7 +168,7 @@
           <p:cNvPr id="2" name="제목 1">
             <a:extLst>
               <a:ext uri="{FF2B5EF4-FFF2-40B4-BE49-F238E27FC236}">
-                <a16:creationId xmlns:a16="http://schemas.microsoft.com/office/drawing/2014/main" xmlns="" id="{6BDA4CED-EDC6-4532-97CF-9CEF2ABBEB36}"/>
+                <a16:creationId xmlns="" xmlns:a16="http://schemas.microsoft.com/office/drawing/2014/main" id="{6BDA4CED-EDC6-4532-97CF-9CEF2ABBEB36}"/>
               </a:ext>
             </a:extLst>
           </p:cNvPr>
@@ -205,7 +205,7 @@
           <p:cNvPr id="3" name="부제목 2">
             <a:extLst>
               <a:ext uri="{FF2B5EF4-FFF2-40B4-BE49-F238E27FC236}">
-                <a16:creationId xmlns:a16="http://schemas.microsoft.com/office/drawing/2014/main" xmlns="" id="{64A2E170-6C28-40D5-B985-41F8F6E82DA0}"/>
+                <a16:creationId xmlns="" xmlns:a16="http://schemas.microsoft.com/office/drawing/2014/main" id="{64A2E170-6C28-40D5-B985-41F8F6E82DA0}"/>
               </a:ext>
             </a:extLst>
           </p:cNvPr>
@@ -275,7 +275,7 @@
           <p:cNvPr id="4" name="날짜 개체 틀 3">
             <a:extLst>
               <a:ext uri="{FF2B5EF4-FFF2-40B4-BE49-F238E27FC236}">
-                <a16:creationId xmlns:a16="http://schemas.microsoft.com/office/drawing/2014/main" xmlns="" id="{B7311CB8-10A2-4F7F-9E82-D8BFC2DDAFC4}"/>
+                <a16:creationId xmlns="" xmlns:a16="http://schemas.microsoft.com/office/drawing/2014/main" id="{B7311CB8-10A2-4F7F-9E82-D8BFC2DDAFC4}"/>
               </a:ext>
             </a:extLst>
           </p:cNvPr>
@@ -293,7 +293,7 @@
           <a:p>
             <a:fld id="{A5CAA3AC-F6EC-404B-A029-02EC0EFB8A32}" type="datetimeFigureOut">
               <a:rPr lang="ko-KR" altLang="en-US" smtClean="0"/>
-              <a:t>2018-01-02</a:t>
+              <a:t>2018-01-23</a:t>
             </a:fld>
             <a:endParaRPr lang="ko-KR" altLang="en-US"/>
           </a:p>
@@ -304,7 +304,7 @@
           <p:cNvPr id="5" name="바닥글 개체 틀 4">
             <a:extLst>
               <a:ext uri="{FF2B5EF4-FFF2-40B4-BE49-F238E27FC236}">
-                <a16:creationId xmlns:a16="http://schemas.microsoft.com/office/drawing/2014/main" xmlns="" id="{29CE2C7E-8508-4D3F-A2CC-DF6AB2741B9F}"/>
+                <a16:creationId xmlns="" xmlns:a16="http://schemas.microsoft.com/office/drawing/2014/main" id="{29CE2C7E-8508-4D3F-A2CC-DF6AB2741B9F}"/>
               </a:ext>
             </a:extLst>
           </p:cNvPr>
@@ -329,7 +329,7 @@
           <p:cNvPr id="6" name="슬라이드 번호 개체 틀 5">
             <a:extLst>
               <a:ext uri="{FF2B5EF4-FFF2-40B4-BE49-F238E27FC236}">
-                <a16:creationId xmlns:a16="http://schemas.microsoft.com/office/drawing/2014/main" xmlns="" id="{365BF96B-5221-44B9-A59A-1B354E9E7552}"/>
+                <a16:creationId xmlns="" xmlns:a16="http://schemas.microsoft.com/office/drawing/2014/main" id="{365BF96B-5221-44B9-A59A-1B354E9E7552}"/>
               </a:ext>
             </a:extLst>
           </p:cNvPr>
@@ -388,7 +388,7 @@
           <p:cNvPr id="2" name="제목 1">
             <a:extLst>
               <a:ext uri="{FF2B5EF4-FFF2-40B4-BE49-F238E27FC236}">
-                <a16:creationId xmlns:a16="http://schemas.microsoft.com/office/drawing/2014/main" xmlns="" id="{D71B8508-9790-4031-8E56-EEE552E49349}"/>
+                <a16:creationId xmlns="" xmlns:a16="http://schemas.microsoft.com/office/drawing/2014/main" id="{D71B8508-9790-4031-8E56-EEE552E49349}"/>
               </a:ext>
             </a:extLst>
           </p:cNvPr>
@@ -416,7 +416,7 @@
           <p:cNvPr id="3" name="세로 텍스트 개체 틀 2">
             <a:extLst>
               <a:ext uri="{FF2B5EF4-FFF2-40B4-BE49-F238E27FC236}">
-                <a16:creationId xmlns:a16="http://schemas.microsoft.com/office/drawing/2014/main" xmlns="" id="{21CF706C-89DB-42D4-B819-C5AFFA8AEB12}"/>
+                <a16:creationId xmlns="" xmlns:a16="http://schemas.microsoft.com/office/drawing/2014/main" id="{21CF706C-89DB-42D4-B819-C5AFFA8AEB12}"/>
               </a:ext>
             </a:extLst>
           </p:cNvPr>
@@ -473,7 +473,7 @@
           <p:cNvPr id="4" name="날짜 개체 틀 3">
             <a:extLst>
               <a:ext uri="{FF2B5EF4-FFF2-40B4-BE49-F238E27FC236}">
-                <a16:creationId xmlns:a16="http://schemas.microsoft.com/office/drawing/2014/main" xmlns="" id="{DEE09185-61F5-4B8C-B54E-42A70F0DDBBE}"/>
+                <a16:creationId xmlns="" xmlns:a16="http://schemas.microsoft.com/office/drawing/2014/main" id="{DEE09185-61F5-4B8C-B54E-42A70F0DDBBE}"/>
               </a:ext>
             </a:extLst>
           </p:cNvPr>
@@ -491,7 +491,7 @@
           <a:p>
             <a:fld id="{A5CAA3AC-F6EC-404B-A029-02EC0EFB8A32}" type="datetimeFigureOut">
               <a:rPr lang="ko-KR" altLang="en-US" smtClean="0"/>
-              <a:t>2018-01-02</a:t>
+              <a:t>2018-01-23</a:t>
             </a:fld>
             <a:endParaRPr lang="ko-KR" altLang="en-US"/>
           </a:p>
@@ -502,7 +502,7 @@
           <p:cNvPr id="5" name="바닥글 개체 틀 4">
             <a:extLst>
               <a:ext uri="{FF2B5EF4-FFF2-40B4-BE49-F238E27FC236}">
-                <a16:creationId xmlns:a16="http://schemas.microsoft.com/office/drawing/2014/main" xmlns="" id="{2540E442-3B16-40C3-9745-00374F1028CA}"/>
+                <a16:creationId xmlns="" xmlns:a16="http://schemas.microsoft.com/office/drawing/2014/main" id="{2540E442-3B16-40C3-9745-00374F1028CA}"/>
               </a:ext>
             </a:extLst>
           </p:cNvPr>
@@ -527,7 +527,7 @@
           <p:cNvPr id="6" name="슬라이드 번호 개체 틀 5">
             <a:extLst>
               <a:ext uri="{FF2B5EF4-FFF2-40B4-BE49-F238E27FC236}">
-                <a16:creationId xmlns:a16="http://schemas.microsoft.com/office/drawing/2014/main" xmlns="" id="{4CAEC010-77AF-482E-94D2-1254F64A5B0A}"/>
+                <a16:creationId xmlns="" xmlns:a16="http://schemas.microsoft.com/office/drawing/2014/main" id="{4CAEC010-77AF-482E-94D2-1254F64A5B0A}"/>
               </a:ext>
             </a:extLst>
           </p:cNvPr>
@@ -586,7 +586,7 @@
           <p:cNvPr id="2" name="세로 제목 1">
             <a:extLst>
               <a:ext uri="{FF2B5EF4-FFF2-40B4-BE49-F238E27FC236}">
-                <a16:creationId xmlns:a16="http://schemas.microsoft.com/office/drawing/2014/main" xmlns="" id="{B2F7B030-098A-4001-80D9-CBD2E86A3AFA}"/>
+                <a16:creationId xmlns="" xmlns:a16="http://schemas.microsoft.com/office/drawing/2014/main" id="{B2F7B030-098A-4001-80D9-CBD2E86A3AFA}"/>
               </a:ext>
             </a:extLst>
           </p:cNvPr>
@@ -619,7 +619,7 @@
           <p:cNvPr id="3" name="세로 텍스트 개체 틀 2">
             <a:extLst>
               <a:ext uri="{FF2B5EF4-FFF2-40B4-BE49-F238E27FC236}">
-                <a16:creationId xmlns:a16="http://schemas.microsoft.com/office/drawing/2014/main" xmlns="" id="{56034075-FFF1-476F-BBC3-71692593D54F}"/>
+                <a16:creationId xmlns="" xmlns:a16="http://schemas.microsoft.com/office/drawing/2014/main" id="{56034075-FFF1-476F-BBC3-71692593D54F}"/>
               </a:ext>
             </a:extLst>
           </p:cNvPr>
@@ -681,7 +681,7 @@
           <p:cNvPr id="4" name="날짜 개체 틀 3">
             <a:extLst>
               <a:ext uri="{FF2B5EF4-FFF2-40B4-BE49-F238E27FC236}">
-                <a16:creationId xmlns:a16="http://schemas.microsoft.com/office/drawing/2014/main" xmlns="" id="{75C92EE7-E8DA-43AE-9A45-7ADB11DBE058}"/>
+                <a16:creationId xmlns="" xmlns:a16="http://schemas.microsoft.com/office/drawing/2014/main" id="{75C92EE7-E8DA-43AE-9A45-7ADB11DBE058}"/>
               </a:ext>
             </a:extLst>
           </p:cNvPr>
@@ -699,7 +699,7 @@
           <a:p>
             <a:fld id="{A5CAA3AC-F6EC-404B-A029-02EC0EFB8A32}" type="datetimeFigureOut">
               <a:rPr lang="ko-KR" altLang="en-US" smtClean="0"/>
-              <a:t>2018-01-02</a:t>
+              <a:t>2018-01-23</a:t>
             </a:fld>
             <a:endParaRPr lang="ko-KR" altLang="en-US"/>
           </a:p>
@@ -710,7 +710,7 @@
           <p:cNvPr id="5" name="바닥글 개체 틀 4">
             <a:extLst>
               <a:ext uri="{FF2B5EF4-FFF2-40B4-BE49-F238E27FC236}">
-                <a16:creationId xmlns:a16="http://schemas.microsoft.com/office/drawing/2014/main" xmlns="" id="{97126601-70AA-449C-BEC6-597B219959F5}"/>
+                <a16:creationId xmlns="" xmlns:a16="http://schemas.microsoft.com/office/drawing/2014/main" id="{97126601-70AA-449C-BEC6-597B219959F5}"/>
               </a:ext>
             </a:extLst>
           </p:cNvPr>
@@ -735,7 +735,7 @@
           <p:cNvPr id="6" name="슬라이드 번호 개체 틀 5">
             <a:extLst>
               <a:ext uri="{FF2B5EF4-FFF2-40B4-BE49-F238E27FC236}">
-                <a16:creationId xmlns:a16="http://schemas.microsoft.com/office/drawing/2014/main" xmlns="" id="{63CBBAB7-D367-42A9-823E-23ED0BDF7447}"/>
+                <a16:creationId xmlns="" xmlns:a16="http://schemas.microsoft.com/office/drawing/2014/main" id="{63CBBAB7-D367-42A9-823E-23ED0BDF7447}"/>
               </a:ext>
             </a:extLst>
           </p:cNvPr>
@@ -794,7 +794,7 @@
           <p:cNvPr id="2" name="제목 1">
             <a:extLst>
               <a:ext uri="{FF2B5EF4-FFF2-40B4-BE49-F238E27FC236}">
-                <a16:creationId xmlns:a16="http://schemas.microsoft.com/office/drawing/2014/main" xmlns="" id="{935436CE-7B0B-4D07-9323-10992F2D209D}"/>
+                <a16:creationId xmlns="" xmlns:a16="http://schemas.microsoft.com/office/drawing/2014/main" id="{935436CE-7B0B-4D07-9323-10992F2D209D}"/>
               </a:ext>
             </a:extLst>
           </p:cNvPr>
@@ -822,7 +822,7 @@
           <p:cNvPr id="3" name="내용 개체 틀 2">
             <a:extLst>
               <a:ext uri="{FF2B5EF4-FFF2-40B4-BE49-F238E27FC236}">
-                <a16:creationId xmlns:a16="http://schemas.microsoft.com/office/drawing/2014/main" xmlns="" id="{6480155B-DB70-4BBD-9080-9B18D254EF0D}"/>
+                <a16:creationId xmlns="" xmlns:a16="http://schemas.microsoft.com/office/drawing/2014/main" id="{6480155B-DB70-4BBD-9080-9B18D254EF0D}"/>
               </a:ext>
             </a:extLst>
           </p:cNvPr>
@@ -879,7 +879,7 @@
           <p:cNvPr id="4" name="날짜 개체 틀 3">
             <a:extLst>
               <a:ext uri="{FF2B5EF4-FFF2-40B4-BE49-F238E27FC236}">
-                <a16:creationId xmlns:a16="http://schemas.microsoft.com/office/drawing/2014/main" xmlns="" id="{847615DE-7ADB-46CE-B084-802FD0662720}"/>
+                <a16:creationId xmlns="" xmlns:a16="http://schemas.microsoft.com/office/drawing/2014/main" id="{847615DE-7ADB-46CE-B084-802FD0662720}"/>
               </a:ext>
             </a:extLst>
           </p:cNvPr>
@@ -897,7 +897,7 @@
           <a:p>
             <a:fld id="{A5CAA3AC-F6EC-404B-A029-02EC0EFB8A32}" type="datetimeFigureOut">
               <a:rPr lang="ko-KR" altLang="en-US" smtClean="0"/>
-              <a:t>2018-01-02</a:t>
+              <a:t>2018-01-23</a:t>
             </a:fld>
             <a:endParaRPr lang="ko-KR" altLang="en-US"/>
           </a:p>
@@ -908,7 +908,7 @@
           <p:cNvPr id="5" name="바닥글 개체 틀 4">
             <a:extLst>
               <a:ext uri="{FF2B5EF4-FFF2-40B4-BE49-F238E27FC236}">
-                <a16:creationId xmlns:a16="http://schemas.microsoft.com/office/drawing/2014/main" xmlns="" id="{785D7E94-169E-44A3-B16E-6579A19D4FBF}"/>
+                <a16:creationId xmlns="" xmlns:a16="http://schemas.microsoft.com/office/drawing/2014/main" id="{785D7E94-169E-44A3-B16E-6579A19D4FBF}"/>
               </a:ext>
             </a:extLst>
           </p:cNvPr>
@@ -933,7 +933,7 @@
           <p:cNvPr id="6" name="슬라이드 번호 개체 틀 5">
             <a:extLst>
               <a:ext uri="{FF2B5EF4-FFF2-40B4-BE49-F238E27FC236}">
-                <a16:creationId xmlns:a16="http://schemas.microsoft.com/office/drawing/2014/main" xmlns="" id="{0BB7A55E-A22F-438C-B0F1-68549B2A0E81}"/>
+                <a16:creationId xmlns="" xmlns:a16="http://schemas.microsoft.com/office/drawing/2014/main" id="{0BB7A55E-A22F-438C-B0F1-68549B2A0E81}"/>
               </a:ext>
             </a:extLst>
           </p:cNvPr>
@@ -992,7 +992,7 @@
           <p:cNvPr id="2" name="제목 1">
             <a:extLst>
               <a:ext uri="{FF2B5EF4-FFF2-40B4-BE49-F238E27FC236}">
-                <a16:creationId xmlns:a16="http://schemas.microsoft.com/office/drawing/2014/main" xmlns="" id="{935E8A5E-A95E-4E5F-BCED-9A3C59D6A502}"/>
+                <a16:creationId xmlns="" xmlns:a16="http://schemas.microsoft.com/office/drawing/2014/main" id="{935E8A5E-A95E-4E5F-BCED-9A3C59D6A502}"/>
               </a:ext>
             </a:extLst>
           </p:cNvPr>
@@ -1029,7 +1029,7 @@
           <p:cNvPr id="3" name="텍스트 개체 틀 2">
             <a:extLst>
               <a:ext uri="{FF2B5EF4-FFF2-40B4-BE49-F238E27FC236}">
-                <a16:creationId xmlns:a16="http://schemas.microsoft.com/office/drawing/2014/main" xmlns="" id="{F58E975C-17D0-4FC5-BC8C-0A29782DAF12}"/>
+                <a16:creationId xmlns="" xmlns:a16="http://schemas.microsoft.com/office/drawing/2014/main" id="{F58E975C-17D0-4FC5-BC8C-0A29782DAF12}"/>
               </a:ext>
             </a:extLst>
           </p:cNvPr>
@@ -1154,7 +1154,7 @@
           <p:cNvPr id="4" name="날짜 개체 틀 3">
             <a:extLst>
               <a:ext uri="{FF2B5EF4-FFF2-40B4-BE49-F238E27FC236}">
-                <a16:creationId xmlns:a16="http://schemas.microsoft.com/office/drawing/2014/main" xmlns="" id="{4E1CC7D8-4EA5-418C-B285-370831BC51FC}"/>
+                <a16:creationId xmlns="" xmlns:a16="http://schemas.microsoft.com/office/drawing/2014/main" id="{4E1CC7D8-4EA5-418C-B285-370831BC51FC}"/>
               </a:ext>
             </a:extLst>
           </p:cNvPr>
@@ -1172,7 +1172,7 @@
           <a:p>
             <a:fld id="{A5CAA3AC-F6EC-404B-A029-02EC0EFB8A32}" type="datetimeFigureOut">
               <a:rPr lang="ko-KR" altLang="en-US" smtClean="0"/>
-              <a:t>2018-01-02</a:t>
+              <a:t>2018-01-23</a:t>
             </a:fld>
             <a:endParaRPr lang="ko-KR" altLang="en-US"/>
           </a:p>
@@ -1183,7 +1183,7 @@
           <p:cNvPr id="5" name="바닥글 개체 틀 4">
             <a:extLst>
               <a:ext uri="{FF2B5EF4-FFF2-40B4-BE49-F238E27FC236}">
-                <a16:creationId xmlns:a16="http://schemas.microsoft.com/office/drawing/2014/main" xmlns="" id="{C269A8D5-E122-415A-9DC3-970EBC3AB2A0}"/>
+                <a16:creationId xmlns="" xmlns:a16="http://schemas.microsoft.com/office/drawing/2014/main" id="{C269A8D5-E122-415A-9DC3-970EBC3AB2A0}"/>
               </a:ext>
             </a:extLst>
           </p:cNvPr>
@@ -1208,7 +1208,7 @@
           <p:cNvPr id="6" name="슬라이드 번호 개체 틀 5">
             <a:extLst>
               <a:ext uri="{FF2B5EF4-FFF2-40B4-BE49-F238E27FC236}">
-                <a16:creationId xmlns:a16="http://schemas.microsoft.com/office/drawing/2014/main" xmlns="" id="{2C663A17-42A0-4A76-A603-451778908B22}"/>
+                <a16:creationId xmlns="" xmlns:a16="http://schemas.microsoft.com/office/drawing/2014/main" id="{2C663A17-42A0-4A76-A603-451778908B22}"/>
               </a:ext>
             </a:extLst>
           </p:cNvPr>
@@ -1267,7 +1267,7 @@
           <p:cNvPr id="2" name="제목 1">
             <a:extLst>
               <a:ext uri="{FF2B5EF4-FFF2-40B4-BE49-F238E27FC236}">
-                <a16:creationId xmlns:a16="http://schemas.microsoft.com/office/drawing/2014/main" xmlns="" id="{2857EA2B-7318-4C93-AFA2-2A0DED22AA5E}"/>
+                <a16:creationId xmlns="" xmlns:a16="http://schemas.microsoft.com/office/drawing/2014/main" id="{2857EA2B-7318-4C93-AFA2-2A0DED22AA5E}"/>
               </a:ext>
             </a:extLst>
           </p:cNvPr>
@@ -1295,7 +1295,7 @@
           <p:cNvPr id="3" name="내용 개체 틀 2">
             <a:extLst>
               <a:ext uri="{FF2B5EF4-FFF2-40B4-BE49-F238E27FC236}">
-                <a16:creationId xmlns:a16="http://schemas.microsoft.com/office/drawing/2014/main" xmlns="" id="{AC59B744-0D30-4DB2-B211-D1ED253F7737}"/>
+                <a16:creationId xmlns="" xmlns:a16="http://schemas.microsoft.com/office/drawing/2014/main" id="{AC59B744-0D30-4DB2-B211-D1ED253F7737}"/>
               </a:ext>
             </a:extLst>
           </p:cNvPr>
@@ -1357,7 +1357,7 @@
           <p:cNvPr id="4" name="내용 개체 틀 3">
             <a:extLst>
               <a:ext uri="{FF2B5EF4-FFF2-40B4-BE49-F238E27FC236}">
-                <a16:creationId xmlns:a16="http://schemas.microsoft.com/office/drawing/2014/main" xmlns="" id="{6A048D28-0894-487A-A5BC-382DFABAC177}"/>
+                <a16:creationId xmlns="" xmlns:a16="http://schemas.microsoft.com/office/drawing/2014/main" id="{6A048D28-0894-487A-A5BC-382DFABAC177}"/>
               </a:ext>
             </a:extLst>
           </p:cNvPr>
@@ -1419,7 +1419,7 @@
           <p:cNvPr id="5" name="날짜 개체 틀 4">
             <a:extLst>
               <a:ext uri="{FF2B5EF4-FFF2-40B4-BE49-F238E27FC236}">
-                <a16:creationId xmlns:a16="http://schemas.microsoft.com/office/drawing/2014/main" xmlns="" id="{2B83841B-7010-4141-8FD6-3D3EC19E2C23}"/>
+                <a16:creationId xmlns="" xmlns:a16="http://schemas.microsoft.com/office/drawing/2014/main" id="{2B83841B-7010-4141-8FD6-3D3EC19E2C23}"/>
               </a:ext>
             </a:extLst>
           </p:cNvPr>
@@ -1437,7 +1437,7 @@
           <a:p>
             <a:fld id="{A5CAA3AC-F6EC-404B-A029-02EC0EFB8A32}" type="datetimeFigureOut">
               <a:rPr lang="ko-KR" altLang="en-US" smtClean="0"/>
-              <a:t>2018-01-02</a:t>
+              <a:t>2018-01-23</a:t>
             </a:fld>
             <a:endParaRPr lang="ko-KR" altLang="en-US"/>
           </a:p>
@@ -1448,7 +1448,7 @@
           <p:cNvPr id="6" name="바닥글 개체 틀 5">
             <a:extLst>
               <a:ext uri="{FF2B5EF4-FFF2-40B4-BE49-F238E27FC236}">
-                <a16:creationId xmlns:a16="http://schemas.microsoft.com/office/drawing/2014/main" xmlns="" id="{FABD9312-D44E-438D-B12F-0B06313F3D5E}"/>
+                <a16:creationId xmlns="" xmlns:a16="http://schemas.microsoft.com/office/drawing/2014/main" id="{FABD9312-D44E-438D-B12F-0B06313F3D5E}"/>
               </a:ext>
             </a:extLst>
           </p:cNvPr>
@@ -1473,7 +1473,7 @@
           <p:cNvPr id="7" name="슬라이드 번호 개체 틀 6">
             <a:extLst>
               <a:ext uri="{FF2B5EF4-FFF2-40B4-BE49-F238E27FC236}">
-                <a16:creationId xmlns:a16="http://schemas.microsoft.com/office/drawing/2014/main" xmlns="" id="{A9338740-A507-4774-93D9-5FC3D86B1EE8}"/>
+                <a16:creationId xmlns="" xmlns:a16="http://schemas.microsoft.com/office/drawing/2014/main" id="{A9338740-A507-4774-93D9-5FC3D86B1EE8}"/>
               </a:ext>
             </a:extLst>
           </p:cNvPr>
@@ -1532,7 +1532,7 @@
           <p:cNvPr id="2" name="제목 1">
             <a:extLst>
               <a:ext uri="{FF2B5EF4-FFF2-40B4-BE49-F238E27FC236}">
-                <a16:creationId xmlns:a16="http://schemas.microsoft.com/office/drawing/2014/main" xmlns="" id="{4BA1688C-9BFD-4024-95FE-0118AD824DC4}"/>
+                <a16:creationId xmlns="" xmlns:a16="http://schemas.microsoft.com/office/drawing/2014/main" id="{4BA1688C-9BFD-4024-95FE-0118AD824DC4}"/>
               </a:ext>
             </a:extLst>
           </p:cNvPr>
@@ -1565,7 +1565,7 @@
           <p:cNvPr id="3" name="텍스트 개체 틀 2">
             <a:extLst>
               <a:ext uri="{FF2B5EF4-FFF2-40B4-BE49-F238E27FC236}">
-                <a16:creationId xmlns:a16="http://schemas.microsoft.com/office/drawing/2014/main" xmlns="" id="{FD7845F3-697F-49A5-8D23-EA5B0BE6587D}"/>
+                <a16:creationId xmlns="" xmlns:a16="http://schemas.microsoft.com/office/drawing/2014/main" id="{FD7845F3-697F-49A5-8D23-EA5B0BE6587D}"/>
               </a:ext>
             </a:extLst>
           </p:cNvPr>
@@ -1636,7 +1636,7 @@
           <p:cNvPr id="4" name="내용 개체 틀 3">
             <a:extLst>
               <a:ext uri="{FF2B5EF4-FFF2-40B4-BE49-F238E27FC236}">
-                <a16:creationId xmlns:a16="http://schemas.microsoft.com/office/drawing/2014/main" xmlns="" id="{D13ABDAA-5D6E-4E38-A7C6-03CFA1499642}"/>
+                <a16:creationId xmlns="" xmlns:a16="http://schemas.microsoft.com/office/drawing/2014/main" id="{D13ABDAA-5D6E-4E38-A7C6-03CFA1499642}"/>
               </a:ext>
             </a:extLst>
           </p:cNvPr>
@@ -1698,7 +1698,7 @@
           <p:cNvPr id="5" name="텍스트 개체 틀 4">
             <a:extLst>
               <a:ext uri="{FF2B5EF4-FFF2-40B4-BE49-F238E27FC236}">
-                <a16:creationId xmlns:a16="http://schemas.microsoft.com/office/drawing/2014/main" xmlns="" id="{F6F1C5F0-4C43-4C92-BA1A-B9E41AF44040}"/>
+                <a16:creationId xmlns="" xmlns:a16="http://schemas.microsoft.com/office/drawing/2014/main" id="{F6F1C5F0-4C43-4C92-BA1A-B9E41AF44040}"/>
               </a:ext>
             </a:extLst>
           </p:cNvPr>
@@ -1769,7 +1769,7 @@
           <p:cNvPr id="6" name="내용 개체 틀 5">
             <a:extLst>
               <a:ext uri="{FF2B5EF4-FFF2-40B4-BE49-F238E27FC236}">
-                <a16:creationId xmlns:a16="http://schemas.microsoft.com/office/drawing/2014/main" xmlns="" id="{616FBE50-FF8A-4080-91BD-72D39BBC7FAF}"/>
+                <a16:creationId xmlns="" xmlns:a16="http://schemas.microsoft.com/office/drawing/2014/main" id="{616FBE50-FF8A-4080-91BD-72D39BBC7FAF}"/>
               </a:ext>
             </a:extLst>
           </p:cNvPr>
@@ -1831,7 +1831,7 @@
           <p:cNvPr id="7" name="날짜 개체 틀 6">
             <a:extLst>
               <a:ext uri="{FF2B5EF4-FFF2-40B4-BE49-F238E27FC236}">
-                <a16:creationId xmlns:a16="http://schemas.microsoft.com/office/drawing/2014/main" xmlns="" id="{84AFE983-11F7-4A58-B72B-064F4DF98110}"/>
+                <a16:creationId xmlns="" xmlns:a16="http://schemas.microsoft.com/office/drawing/2014/main" id="{84AFE983-11F7-4A58-B72B-064F4DF98110}"/>
               </a:ext>
             </a:extLst>
           </p:cNvPr>
@@ -1849,7 +1849,7 @@
           <a:p>
             <a:fld id="{A5CAA3AC-F6EC-404B-A029-02EC0EFB8A32}" type="datetimeFigureOut">
               <a:rPr lang="ko-KR" altLang="en-US" smtClean="0"/>
-              <a:t>2018-01-02</a:t>
+              <a:t>2018-01-23</a:t>
             </a:fld>
             <a:endParaRPr lang="ko-KR" altLang="en-US"/>
           </a:p>
@@ -1860,7 +1860,7 @@
           <p:cNvPr id="8" name="바닥글 개체 틀 7">
             <a:extLst>
               <a:ext uri="{FF2B5EF4-FFF2-40B4-BE49-F238E27FC236}">
-                <a16:creationId xmlns:a16="http://schemas.microsoft.com/office/drawing/2014/main" xmlns="" id="{C8A921E4-3E59-4A25-A780-17049BAF1789}"/>
+                <a16:creationId xmlns="" xmlns:a16="http://schemas.microsoft.com/office/drawing/2014/main" id="{C8A921E4-3E59-4A25-A780-17049BAF1789}"/>
               </a:ext>
             </a:extLst>
           </p:cNvPr>
@@ -1885,7 +1885,7 @@
           <p:cNvPr id="9" name="슬라이드 번호 개체 틀 8">
             <a:extLst>
               <a:ext uri="{FF2B5EF4-FFF2-40B4-BE49-F238E27FC236}">
-                <a16:creationId xmlns:a16="http://schemas.microsoft.com/office/drawing/2014/main" xmlns="" id="{8F9CE867-1F93-4854-BB22-01A6C05B7EDD}"/>
+                <a16:creationId xmlns="" xmlns:a16="http://schemas.microsoft.com/office/drawing/2014/main" id="{8F9CE867-1F93-4854-BB22-01A6C05B7EDD}"/>
               </a:ext>
             </a:extLst>
           </p:cNvPr>
@@ -1944,7 +1944,7 @@
           <p:cNvPr id="2" name="제목 1">
             <a:extLst>
               <a:ext uri="{FF2B5EF4-FFF2-40B4-BE49-F238E27FC236}">
-                <a16:creationId xmlns:a16="http://schemas.microsoft.com/office/drawing/2014/main" xmlns="" id="{73D7B308-6D33-438B-B2E1-33D10752DF75}"/>
+                <a16:creationId xmlns="" xmlns:a16="http://schemas.microsoft.com/office/drawing/2014/main" id="{73D7B308-6D33-438B-B2E1-33D10752DF75}"/>
               </a:ext>
             </a:extLst>
           </p:cNvPr>
@@ -1972,7 +1972,7 @@
           <p:cNvPr id="3" name="날짜 개체 틀 2">
             <a:extLst>
               <a:ext uri="{FF2B5EF4-FFF2-40B4-BE49-F238E27FC236}">
-                <a16:creationId xmlns:a16="http://schemas.microsoft.com/office/drawing/2014/main" xmlns="" id="{16EED8E8-86BF-44CB-A398-C88EA2F266C5}"/>
+                <a16:creationId xmlns="" xmlns:a16="http://schemas.microsoft.com/office/drawing/2014/main" id="{16EED8E8-86BF-44CB-A398-C88EA2F266C5}"/>
               </a:ext>
             </a:extLst>
           </p:cNvPr>
@@ -1990,7 +1990,7 @@
           <a:p>
             <a:fld id="{A5CAA3AC-F6EC-404B-A029-02EC0EFB8A32}" type="datetimeFigureOut">
               <a:rPr lang="ko-KR" altLang="en-US" smtClean="0"/>
-              <a:t>2018-01-02</a:t>
+              <a:t>2018-01-23</a:t>
             </a:fld>
             <a:endParaRPr lang="ko-KR" altLang="en-US"/>
           </a:p>
@@ -2001,7 +2001,7 @@
           <p:cNvPr id="4" name="바닥글 개체 틀 3">
             <a:extLst>
               <a:ext uri="{FF2B5EF4-FFF2-40B4-BE49-F238E27FC236}">
-                <a16:creationId xmlns:a16="http://schemas.microsoft.com/office/drawing/2014/main" xmlns="" id="{A4823D7B-4133-41C5-8DD8-C5FFE81934FD}"/>
+                <a16:creationId xmlns="" xmlns:a16="http://schemas.microsoft.com/office/drawing/2014/main" id="{A4823D7B-4133-41C5-8DD8-C5FFE81934FD}"/>
               </a:ext>
             </a:extLst>
           </p:cNvPr>
@@ -2026,7 +2026,7 @@
           <p:cNvPr id="5" name="슬라이드 번호 개체 틀 4">
             <a:extLst>
               <a:ext uri="{FF2B5EF4-FFF2-40B4-BE49-F238E27FC236}">
-                <a16:creationId xmlns:a16="http://schemas.microsoft.com/office/drawing/2014/main" xmlns="" id="{D1F7AD3F-413C-4A18-91F7-08A6F7E8F522}"/>
+                <a16:creationId xmlns="" xmlns:a16="http://schemas.microsoft.com/office/drawing/2014/main" id="{D1F7AD3F-413C-4A18-91F7-08A6F7E8F522}"/>
               </a:ext>
             </a:extLst>
           </p:cNvPr>
@@ -2085,7 +2085,7 @@
           <p:cNvPr id="2" name="날짜 개체 틀 1">
             <a:extLst>
               <a:ext uri="{FF2B5EF4-FFF2-40B4-BE49-F238E27FC236}">
-                <a16:creationId xmlns:a16="http://schemas.microsoft.com/office/drawing/2014/main" xmlns="" id="{9B86610C-6841-455F-A897-825CB12B8E61}"/>
+                <a16:creationId xmlns="" xmlns:a16="http://schemas.microsoft.com/office/drawing/2014/main" id="{9B86610C-6841-455F-A897-825CB12B8E61}"/>
               </a:ext>
             </a:extLst>
           </p:cNvPr>
@@ -2103,7 +2103,7 @@
           <a:p>
             <a:fld id="{A5CAA3AC-F6EC-404B-A029-02EC0EFB8A32}" type="datetimeFigureOut">
               <a:rPr lang="ko-KR" altLang="en-US" smtClean="0"/>
-              <a:t>2018-01-02</a:t>
+              <a:t>2018-01-23</a:t>
             </a:fld>
             <a:endParaRPr lang="ko-KR" altLang="en-US"/>
           </a:p>
@@ -2114,7 +2114,7 @@
           <p:cNvPr id="3" name="바닥글 개체 틀 2">
             <a:extLst>
               <a:ext uri="{FF2B5EF4-FFF2-40B4-BE49-F238E27FC236}">
-                <a16:creationId xmlns:a16="http://schemas.microsoft.com/office/drawing/2014/main" xmlns="" id="{0132AFB7-AA35-4FE7-B29C-4EEE2AAAC26E}"/>
+                <a16:creationId xmlns="" xmlns:a16="http://schemas.microsoft.com/office/drawing/2014/main" id="{0132AFB7-AA35-4FE7-B29C-4EEE2AAAC26E}"/>
               </a:ext>
             </a:extLst>
           </p:cNvPr>
@@ -2139,7 +2139,7 @@
           <p:cNvPr id="4" name="슬라이드 번호 개체 틀 3">
             <a:extLst>
               <a:ext uri="{FF2B5EF4-FFF2-40B4-BE49-F238E27FC236}">
-                <a16:creationId xmlns:a16="http://schemas.microsoft.com/office/drawing/2014/main" xmlns="" id="{46FA498D-1B1C-49CE-B420-04A97F95BFD1}"/>
+                <a16:creationId xmlns="" xmlns:a16="http://schemas.microsoft.com/office/drawing/2014/main" id="{46FA498D-1B1C-49CE-B420-04A97F95BFD1}"/>
               </a:ext>
             </a:extLst>
           </p:cNvPr>
@@ -2198,7 +2198,7 @@
           <p:cNvPr id="2" name="제목 1">
             <a:extLst>
               <a:ext uri="{FF2B5EF4-FFF2-40B4-BE49-F238E27FC236}">
-                <a16:creationId xmlns:a16="http://schemas.microsoft.com/office/drawing/2014/main" xmlns="" id="{1D483324-CDEB-42CA-80B0-2FCA3FDDEC0A}"/>
+                <a16:creationId xmlns="" xmlns:a16="http://schemas.microsoft.com/office/drawing/2014/main" id="{1D483324-CDEB-42CA-80B0-2FCA3FDDEC0A}"/>
               </a:ext>
             </a:extLst>
           </p:cNvPr>
@@ -2235,7 +2235,7 @@
           <p:cNvPr id="3" name="내용 개체 틀 2">
             <a:extLst>
               <a:ext uri="{FF2B5EF4-FFF2-40B4-BE49-F238E27FC236}">
-                <a16:creationId xmlns:a16="http://schemas.microsoft.com/office/drawing/2014/main" xmlns="" id="{81362131-BCCF-422A-9033-5A5F403B945D}"/>
+                <a16:creationId xmlns="" xmlns:a16="http://schemas.microsoft.com/office/drawing/2014/main" id="{81362131-BCCF-422A-9033-5A5F403B945D}"/>
               </a:ext>
             </a:extLst>
           </p:cNvPr>
@@ -2325,7 +2325,7 @@
           <p:cNvPr id="4" name="텍스트 개체 틀 3">
             <a:extLst>
               <a:ext uri="{FF2B5EF4-FFF2-40B4-BE49-F238E27FC236}">
-                <a16:creationId xmlns:a16="http://schemas.microsoft.com/office/drawing/2014/main" xmlns="" id="{8E8E1B0A-8986-49E6-8E38-E73BBABE24C0}"/>
+                <a16:creationId xmlns="" xmlns:a16="http://schemas.microsoft.com/office/drawing/2014/main" id="{8E8E1B0A-8986-49E6-8E38-E73BBABE24C0}"/>
               </a:ext>
             </a:extLst>
           </p:cNvPr>
@@ -2396,7 +2396,7 @@
           <p:cNvPr id="5" name="날짜 개체 틀 4">
             <a:extLst>
               <a:ext uri="{FF2B5EF4-FFF2-40B4-BE49-F238E27FC236}">
-                <a16:creationId xmlns:a16="http://schemas.microsoft.com/office/drawing/2014/main" xmlns="" id="{0712F978-62D9-4E57-8E9A-9034A9018FFA}"/>
+                <a16:creationId xmlns="" xmlns:a16="http://schemas.microsoft.com/office/drawing/2014/main" id="{0712F978-62D9-4E57-8E9A-9034A9018FFA}"/>
               </a:ext>
             </a:extLst>
           </p:cNvPr>
@@ -2414,7 +2414,7 @@
           <a:p>
             <a:fld id="{A5CAA3AC-F6EC-404B-A029-02EC0EFB8A32}" type="datetimeFigureOut">
               <a:rPr lang="ko-KR" altLang="en-US" smtClean="0"/>
-              <a:t>2018-01-02</a:t>
+              <a:t>2018-01-23</a:t>
             </a:fld>
             <a:endParaRPr lang="ko-KR" altLang="en-US"/>
           </a:p>
@@ -2425,7 +2425,7 @@
           <p:cNvPr id="6" name="바닥글 개체 틀 5">
             <a:extLst>
               <a:ext uri="{FF2B5EF4-FFF2-40B4-BE49-F238E27FC236}">
-                <a16:creationId xmlns:a16="http://schemas.microsoft.com/office/drawing/2014/main" xmlns="" id="{8992F15D-1472-4B2F-88A6-2477DAAD37F1}"/>
+                <a16:creationId xmlns="" xmlns:a16="http://schemas.microsoft.com/office/drawing/2014/main" id="{8992F15D-1472-4B2F-88A6-2477DAAD37F1}"/>
               </a:ext>
             </a:extLst>
           </p:cNvPr>
@@ -2450,7 +2450,7 @@
           <p:cNvPr id="7" name="슬라이드 번호 개체 틀 6">
             <a:extLst>
               <a:ext uri="{FF2B5EF4-FFF2-40B4-BE49-F238E27FC236}">
-                <a16:creationId xmlns:a16="http://schemas.microsoft.com/office/drawing/2014/main" xmlns="" id="{8BF39C6E-F619-4835-B357-0D90D32E7F1B}"/>
+                <a16:creationId xmlns="" xmlns:a16="http://schemas.microsoft.com/office/drawing/2014/main" id="{8BF39C6E-F619-4835-B357-0D90D32E7F1B}"/>
               </a:ext>
             </a:extLst>
           </p:cNvPr>
@@ -2509,7 +2509,7 @@
           <p:cNvPr id="2" name="제목 1">
             <a:extLst>
               <a:ext uri="{FF2B5EF4-FFF2-40B4-BE49-F238E27FC236}">
-                <a16:creationId xmlns:a16="http://schemas.microsoft.com/office/drawing/2014/main" xmlns="" id="{A01469E8-8F1A-4A06-9813-808F71AF487C}"/>
+                <a16:creationId xmlns="" xmlns:a16="http://schemas.microsoft.com/office/drawing/2014/main" id="{A01469E8-8F1A-4A06-9813-808F71AF487C}"/>
               </a:ext>
             </a:extLst>
           </p:cNvPr>
@@ -2546,7 +2546,7 @@
           <p:cNvPr id="3" name="그림 개체 틀 2">
             <a:extLst>
               <a:ext uri="{FF2B5EF4-FFF2-40B4-BE49-F238E27FC236}">
-                <a16:creationId xmlns:a16="http://schemas.microsoft.com/office/drawing/2014/main" xmlns="" id="{B3AF9B46-2FE7-465A-A509-42FD551E328C}"/>
+                <a16:creationId xmlns="" xmlns:a16="http://schemas.microsoft.com/office/drawing/2014/main" id="{B3AF9B46-2FE7-465A-A509-42FD551E328C}"/>
               </a:ext>
             </a:extLst>
           </p:cNvPr>
@@ -2613,7 +2613,7 @@
           <p:cNvPr id="4" name="텍스트 개체 틀 3">
             <a:extLst>
               <a:ext uri="{FF2B5EF4-FFF2-40B4-BE49-F238E27FC236}">
-                <a16:creationId xmlns:a16="http://schemas.microsoft.com/office/drawing/2014/main" xmlns="" id="{6791C8D9-E153-4091-B936-DA0CE1D5E8C5}"/>
+                <a16:creationId xmlns="" xmlns:a16="http://schemas.microsoft.com/office/drawing/2014/main" id="{6791C8D9-E153-4091-B936-DA0CE1D5E8C5}"/>
               </a:ext>
             </a:extLst>
           </p:cNvPr>
@@ -2684,7 +2684,7 @@
           <p:cNvPr id="5" name="날짜 개체 틀 4">
             <a:extLst>
               <a:ext uri="{FF2B5EF4-FFF2-40B4-BE49-F238E27FC236}">
-                <a16:creationId xmlns:a16="http://schemas.microsoft.com/office/drawing/2014/main" xmlns="" id="{98BE3BDB-6EE9-450C-AA48-2CAE5AD75BBE}"/>
+                <a16:creationId xmlns="" xmlns:a16="http://schemas.microsoft.com/office/drawing/2014/main" id="{98BE3BDB-6EE9-450C-AA48-2CAE5AD75BBE}"/>
               </a:ext>
             </a:extLst>
           </p:cNvPr>
@@ -2702,7 +2702,7 @@
           <a:p>
             <a:fld id="{A5CAA3AC-F6EC-404B-A029-02EC0EFB8A32}" type="datetimeFigureOut">
               <a:rPr lang="ko-KR" altLang="en-US" smtClean="0"/>
-              <a:t>2018-01-02</a:t>
+              <a:t>2018-01-23</a:t>
             </a:fld>
             <a:endParaRPr lang="ko-KR" altLang="en-US"/>
           </a:p>
@@ -2713,7 +2713,7 @@
           <p:cNvPr id="6" name="바닥글 개체 틀 5">
             <a:extLst>
               <a:ext uri="{FF2B5EF4-FFF2-40B4-BE49-F238E27FC236}">
-                <a16:creationId xmlns:a16="http://schemas.microsoft.com/office/drawing/2014/main" xmlns="" id="{A63B37A9-20E5-4ADD-89CB-BE192BAB983C}"/>
+                <a16:creationId xmlns="" xmlns:a16="http://schemas.microsoft.com/office/drawing/2014/main" id="{A63B37A9-20E5-4ADD-89CB-BE192BAB983C}"/>
               </a:ext>
             </a:extLst>
           </p:cNvPr>
@@ -2738,7 +2738,7 @@
           <p:cNvPr id="7" name="슬라이드 번호 개체 틀 6">
             <a:extLst>
               <a:ext uri="{FF2B5EF4-FFF2-40B4-BE49-F238E27FC236}">
-                <a16:creationId xmlns:a16="http://schemas.microsoft.com/office/drawing/2014/main" xmlns="" id="{418EBD59-96C5-4397-B4EE-0F1847D0760A}"/>
+                <a16:creationId xmlns="" xmlns:a16="http://schemas.microsoft.com/office/drawing/2014/main" id="{418EBD59-96C5-4397-B4EE-0F1847D0760A}"/>
               </a:ext>
             </a:extLst>
           </p:cNvPr>
@@ -2802,7 +2802,7 @@
           <p:cNvPr id="2" name="제목 개체 틀 1">
             <a:extLst>
               <a:ext uri="{FF2B5EF4-FFF2-40B4-BE49-F238E27FC236}">
-                <a16:creationId xmlns:a16="http://schemas.microsoft.com/office/drawing/2014/main" xmlns="" id="{8AFBC107-7FAC-4D92-A1C5-8C4E14DF30AF}"/>
+                <a16:creationId xmlns="" xmlns:a16="http://schemas.microsoft.com/office/drawing/2014/main" id="{8AFBC107-7FAC-4D92-A1C5-8C4E14DF30AF}"/>
               </a:ext>
             </a:extLst>
           </p:cNvPr>
@@ -2840,7 +2840,7 @@
           <p:cNvPr id="3" name="텍스트 개체 틀 2">
             <a:extLst>
               <a:ext uri="{FF2B5EF4-FFF2-40B4-BE49-F238E27FC236}">
-                <a16:creationId xmlns:a16="http://schemas.microsoft.com/office/drawing/2014/main" xmlns="" id="{3CA81CA0-FA1F-4DB2-A313-3F967A459E18}"/>
+                <a16:creationId xmlns="" xmlns:a16="http://schemas.microsoft.com/office/drawing/2014/main" id="{3CA81CA0-FA1F-4DB2-A313-3F967A459E18}"/>
               </a:ext>
             </a:extLst>
           </p:cNvPr>
@@ -2907,7 +2907,7 @@
           <p:cNvPr id="4" name="날짜 개체 틀 3">
             <a:extLst>
               <a:ext uri="{FF2B5EF4-FFF2-40B4-BE49-F238E27FC236}">
-                <a16:creationId xmlns:a16="http://schemas.microsoft.com/office/drawing/2014/main" xmlns="" id="{7339489F-FE11-4B14-BBDC-3D61EBAE78CA}"/>
+                <a16:creationId xmlns="" xmlns:a16="http://schemas.microsoft.com/office/drawing/2014/main" id="{7339489F-FE11-4B14-BBDC-3D61EBAE78CA}"/>
               </a:ext>
             </a:extLst>
           </p:cNvPr>
@@ -2943,7 +2943,7 @@
           <a:p>
             <a:fld id="{A5CAA3AC-F6EC-404B-A029-02EC0EFB8A32}" type="datetimeFigureOut">
               <a:rPr lang="ko-KR" altLang="en-US" smtClean="0"/>
-              <a:t>2018-01-02</a:t>
+              <a:t>2018-01-23</a:t>
             </a:fld>
             <a:endParaRPr lang="ko-KR" altLang="en-US"/>
           </a:p>
@@ -2954,7 +2954,7 @@
           <p:cNvPr id="5" name="바닥글 개체 틀 4">
             <a:extLst>
               <a:ext uri="{FF2B5EF4-FFF2-40B4-BE49-F238E27FC236}">
-                <a16:creationId xmlns:a16="http://schemas.microsoft.com/office/drawing/2014/main" xmlns="" id="{D30E158E-6C21-4404-8942-8AD1271F8248}"/>
+                <a16:creationId xmlns="" xmlns:a16="http://schemas.microsoft.com/office/drawing/2014/main" id="{D30E158E-6C21-4404-8942-8AD1271F8248}"/>
               </a:ext>
             </a:extLst>
           </p:cNvPr>
@@ -2997,7 +2997,7 @@
           <p:cNvPr id="6" name="슬라이드 번호 개체 틀 5">
             <a:extLst>
               <a:ext uri="{FF2B5EF4-FFF2-40B4-BE49-F238E27FC236}">
-                <a16:creationId xmlns:a16="http://schemas.microsoft.com/office/drawing/2014/main" xmlns="" id="{F0B27975-33B4-40A4-9CDE-DBA220EDB948}"/>
+                <a16:creationId xmlns="" xmlns:a16="http://schemas.microsoft.com/office/drawing/2014/main" id="{F0B27975-33B4-40A4-9CDE-DBA220EDB948}"/>
               </a:ext>
             </a:extLst>
           </p:cNvPr>
@@ -3365,7 +3365,7 @@
           <p:cNvPr id="24" name="직사각형 23">
             <a:extLst>
               <a:ext uri="{FF2B5EF4-FFF2-40B4-BE49-F238E27FC236}">
-                <a16:creationId xmlns:a16="http://schemas.microsoft.com/office/drawing/2014/main" xmlns="" id="{5026F193-F4B0-4B5C-82B0-221F8EF71887}"/>
+                <a16:creationId xmlns="" xmlns:a16="http://schemas.microsoft.com/office/drawing/2014/main" id="{5026F193-F4B0-4B5C-82B0-221F8EF71887}"/>
               </a:ext>
             </a:extLst>
           </p:cNvPr>
@@ -3424,7 +3424,7 @@
           <p:cNvPr id="23" name="그룹 22">
             <a:extLst>
               <a:ext uri="{FF2B5EF4-FFF2-40B4-BE49-F238E27FC236}">
-                <a16:creationId xmlns:a16="http://schemas.microsoft.com/office/drawing/2014/main" xmlns="" id="{773E2108-E4F4-43AE-B34E-6FA893387B63}"/>
+                <a16:creationId xmlns="" xmlns:a16="http://schemas.microsoft.com/office/drawing/2014/main" id="{773E2108-E4F4-43AE-B34E-6FA893387B63}"/>
               </a:ext>
             </a:extLst>
           </p:cNvPr>
@@ -3444,7 +3444,7 @@
             <p:cNvPr id="16" name="TextBox 15">
               <a:extLst>
                 <a:ext uri="{FF2B5EF4-FFF2-40B4-BE49-F238E27FC236}">
-                  <a16:creationId xmlns:a16="http://schemas.microsoft.com/office/drawing/2014/main" xmlns="" id="{B090FBC1-BEEB-4338-ADC1-1A375271EC14}"/>
+                  <a16:creationId xmlns="" xmlns:a16="http://schemas.microsoft.com/office/drawing/2014/main" id="{B090FBC1-BEEB-4338-ADC1-1A375271EC14}"/>
                 </a:ext>
               </a:extLst>
             </p:cNvPr>
@@ -3489,7 +3489,7 @@
             <p:cNvPr id="17" name="TextBox 16">
               <a:extLst>
                 <a:ext uri="{FF2B5EF4-FFF2-40B4-BE49-F238E27FC236}">
-                  <a16:creationId xmlns:a16="http://schemas.microsoft.com/office/drawing/2014/main" xmlns="" id="{CAA8074E-FDAA-4271-9D48-D5457F66A4C9}"/>
+                  <a16:creationId xmlns="" xmlns:a16="http://schemas.microsoft.com/office/drawing/2014/main" id="{CAA8074E-FDAA-4271-9D48-D5457F66A4C9}"/>
                 </a:ext>
               </a:extLst>
             </p:cNvPr>
@@ -3534,7 +3534,7 @@
             <p:cNvPr id="18" name="TextBox 17">
               <a:extLst>
                 <a:ext uri="{FF2B5EF4-FFF2-40B4-BE49-F238E27FC236}">
-                  <a16:creationId xmlns:a16="http://schemas.microsoft.com/office/drawing/2014/main" xmlns="" id="{C31731F4-3268-4D8E-B2BF-9BE2EC66F791}"/>
+                  <a16:creationId xmlns="" xmlns:a16="http://schemas.microsoft.com/office/drawing/2014/main" id="{C31731F4-3268-4D8E-B2BF-9BE2EC66F791}"/>
                 </a:ext>
               </a:extLst>
             </p:cNvPr>
@@ -3579,7 +3579,7 @@
             <p:cNvPr id="19" name="TextBox 18">
               <a:extLst>
                 <a:ext uri="{FF2B5EF4-FFF2-40B4-BE49-F238E27FC236}">
-                  <a16:creationId xmlns:a16="http://schemas.microsoft.com/office/drawing/2014/main" xmlns="" id="{415B21FC-1660-4DEE-A40A-1C39D8F29E6F}"/>
+                  <a16:creationId xmlns="" xmlns:a16="http://schemas.microsoft.com/office/drawing/2014/main" id="{415B21FC-1660-4DEE-A40A-1C39D8F29E6F}"/>
                 </a:ext>
               </a:extLst>
             </p:cNvPr>
@@ -3629,7 +3629,7 @@
           <p:cNvPr id="22" name="그룹 21">
             <a:extLst>
               <a:ext uri="{FF2B5EF4-FFF2-40B4-BE49-F238E27FC236}">
-                <a16:creationId xmlns:a16="http://schemas.microsoft.com/office/drawing/2014/main" xmlns="" id="{4B0500E4-A4F6-44CE-865E-24AA0B2DC085}"/>
+                <a16:creationId xmlns="" xmlns:a16="http://schemas.microsoft.com/office/drawing/2014/main" id="{4B0500E4-A4F6-44CE-865E-24AA0B2DC085}"/>
               </a:ext>
             </a:extLst>
           </p:cNvPr>
@@ -3649,7 +3649,7 @@
             <p:cNvPr id="2" name="TextBox 1">
               <a:extLst>
                 <a:ext uri="{FF2B5EF4-FFF2-40B4-BE49-F238E27FC236}">
-                  <a16:creationId xmlns:a16="http://schemas.microsoft.com/office/drawing/2014/main" xmlns="" id="{3B9E02F4-7813-4AB6-BDC1-244FD9ED3BBE}"/>
+                  <a16:creationId xmlns="" xmlns:a16="http://schemas.microsoft.com/office/drawing/2014/main" id="{3B9E02F4-7813-4AB6-BDC1-244FD9ED3BBE}"/>
                 </a:ext>
               </a:extLst>
             </p:cNvPr>
@@ -3704,7 +3704,7 @@
             <p:cNvPr id="4" name="직선 연결선 3">
               <a:extLst>
                 <a:ext uri="{FF2B5EF4-FFF2-40B4-BE49-F238E27FC236}">
-                  <a16:creationId xmlns:a16="http://schemas.microsoft.com/office/drawing/2014/main" xmlns="" id="{BC43EEAF-F7C9-445A-BC4A-22B3DAD89999}"/>
+                  <a16:creationId xmlns="" xmlns:a16="http://schemas.microsoft.com/office/drawing/2014/main" id="{BC43EEAF-F7C9-445A-BC4A-22B3DAD89999}"/>
                 </a:ext>
               </a:extLst>
             </p:cNvPr>
@@ -3747,7 +3747,7 @@
             <p:cNvPr id="8" name="직선 연결선 7">
               <a:extLst>
                 <a:ext uri="{FF2B5EF4-FFF2-40B4-BE49-F238E27FC236}">
-                  <a16:creationId xmlns:a16="http://schemas.microsoft.com/office/drawing/2014/main" xmlns="" id="{6DF242D8-14D8-4044-B86C-CA5E528A3F01}"/>
+                  <a16:creationId xmlns="" xmlns:a16="http://schemas.microsoft.com/office/drawing/2014/main" id="{6DF242D8-14D8-4044-B86C-CA5E528A3F01}"/>
                 </a:ext>
               </a:extLst>
             </p:cNvPr>
@@ -3788,7 +3788,7 @@
             <p:cNvPr id="10" name="직선 연결선 9">
               <a:extLst>
                 <a:ext uri="{FF2B5EF4-FFF2-40B4-BE49-F238E27FC236}">
-                  <a16:creationId xmlns:a16="http://schemas.microsoft.com/office/drawing/2014/main" xmlns="" id="{275757C5-D877-4981-8C5F-83CE2E2B032C}"/>
+                  <a16:creationId xmlns="" xmlns:a16="http://schemas.microsoft.com/office/drawing/2014/main" id="{275757C5-D877-4981-8C5F-83CE2E2B032C}"/>
                 </a:ext>
               </a:extLst>
             </p:cNvPr>
@@ -3831,7 +3831,7 @@
             <p:cNvPr id="12" name="직선 연결선 11">
               <a:extLst>
                 <a:ext uri="{FF2B5EF4-FFF2-40B4-BE49-F238E27FC236}">
-                  <a16:creationId xmlns:a16="http://schemas.microsoft.com/office/drawing/2014/main" xmlns="" id="{D947B706-FBD8-4E67-8B23-6117FABA6105}"/>
+                  <a16:creationId xmlns="" xmlns:a16="http://schemas.microsoft.com/office/drawing/2014/main" id="{D947B706-FBD8-4E67-8B23-6117FABA6105}"/>
                 </a:ext>
               </a:extLst>
             </p:cNvPr>
@@ -3874,7 +3874,7 @@
             <p:cNvPr id="13" name="직선 연결선 12">
               <a:extLst>
                 <a:ext uri="{FF2B5EF4-FFF2-40B4-BE49-F238E27FC236}">
-                  <a16:creationId xmlns:a16="http://schemas.microsoft.com/office/drawing/2014/main" xmlns="" id="{F2C07B37-40F4-4E14-83B7-30F93B43D1BF}"/>
+                  <a16:creationId xmlns="" xmlns:a16="http://schemas.microsoft.com/office/drawing/2014/main" id="{F2C07B37-40F4-4E14-83B7-30F93B43D1BF}"/>
                 </a:ext>
               </a:extLst>
             </p:cNvPr>
@@ -3917,7 +3917,7 @@
             <p:cNvPr id="14" name="직선 연결선 13">
               <a:extLst>
                 <a:ext uri="{FF2B5EF4-FFF2-40B4-BE49-F238E27FC236}">
-                  <a16:creationId xmlns:a16="http://schemas.microsoft.com/office/drawing/2014/main" xmlns="" id="{5D87D569-9D61-4021-A4CC-E9CE8EA3BE67}"/>
+                  <a16:creationId xmlns="" xmlns:a16="http://schemas.microsoft.com/office/drawing/2014/main" id="{5D87D569-9D61-4021-A4CC-E9CE8EA3BE67}"/>
                 </a:ext>
               </a:extLst>
             </p:cNvPr>
@@ -3960,7 +3960,7 @@
             <p:cNvPr id="20" name="TextBox 19">
               <a:extLst>
                 <a:ext uri="{FF2B5EF4-FFF2-40B4-BE49-F238E27FC236}">
-                  <a16:creationId xmlns:a16="http://schemas.microsoft.com/office/drawing/2014/main" xmlns="" id="{21A02AB9-C6B5-45D5-B091-9BAE82D95FEE}"/>
+                  <a16:creationId xmlns="" xmlns:a16="http://schemas.microsoft.com/office/drawing/2014/main" id="{21A02AB9-C6B5-45D5-B091-9BAE82D95FEE}"/>
                 </a:ext>
               </a:extLst>
             </p:cNvPr>
@@ -3998,7 +3998,7 @@
             <p:cNvPr id="21" name="TextBox 20">
               <a:extLst>
                 <a:ext uri="{FF2B5EF4-FFF2-40B4-BE49-F238E27FC236}">
-                  <a16:creationId xmlns:a16="http://schemas.microsoft.com/office/drawing/2014/main" xmlns="" id="{00115AD0-D2AD-4DDD-8916-7A62782782F4}"/>
+                  <a16:creationId xmlns="" xmlns:a16="http://schemas.microsoft.com/office/drawing/2014/main" id="{00115AD0-D2AD-4DDD-8916-7A62782782F4}"/>
                 </a:ext>
               </a:extLst>
             </p:cNvPr>
@@ -4041,7 +4041,7 @@
           <p:cNvPr id="25" name="그림 24">
             <a:extLst>
               <a:ext uri="{FF2B5EF4-FFF2-40B4-BE49-F238E27FC236}">
-                <a16:creationId xmlns:a16="http://schemas.microsoft.com/office/drawing/2014/main" xmlns="" id="{EFCA340C-0AE6-4F09-B1A0-C5B307D6B3D4}"/>
+                <a16:creationId xmlns="" xmlns:a16="http://schemas.microsoft.com/office/drawing/2014/main" id="{EFCA340C-0AE6-4F09-B1A0-C5B307D6B3D4}"/>
               </a:ext>
             </a:extLst>
           </p:cNvPr>
@@ -4101,7 +4101,7 @@
           <p:cNvPr id="54" name="Picture 4">
             <a:extLst>
               <a:ext uri="{FF2B5EF4-FFF2-40B4-BE49-F238E27FC236}">
-                <a16:creationId xmlns:a16="http://schemas.microsoft.com/office/drawing/2014/main" xmlns="" id="{D1221089-C529-4430-83E8-B6FAA4C89D01}"/>
+                <a16:creationId xmlns="" xmlns:a16="http://schemas.microsoft.com/office/drawing/2014/main" id="{D1221089-C529-4430-83E8-B6FAA4C89D01}"/>
               </a:ext>
             </a:extLst>
           </p:cNvPr>
@@ -4161,7 +4161,7 @@
           <p:cNvPr id="33" name="직사각형 32">
             <a:extLst>
               <a:ext uri="{FF2B5EF4-FFF2-40B4-BE49-F238E27FC236}">
-                <a16:creationId xmlns:a16="http://schemas.microsoft.com/office/drawing/2014/main" xmlns="" id="{C205EAA7-6023-449E-A4EC-7BA4E7F5CB15}"/>
+                <a16:creationId xmlns="" xmlns:a16="http://schemas.microsoft.com/office/drawing/2014/main" id="{C205EAA7-6023-449E-A4EC-7BA4E7F5CB15}"/>
               </a:ext>
             </a:extLst>
           </p:cNvPr>
@@ -4220,7 +4220,7 @@
           <p:cNvPr id="10" name="그룹 9">
             <a:extLst>
               <a:ext uri="{FF2B5EF4-FFF2-40B4-BE49-F238E27FC236}">
-                <a16:creationId xmlns:a16="http://schemas.microsoft.com/office/drawing/2014/main" xmlns="" id="{8D674A83-BCB9-4E61-B483-99AA1C9EADCD}"/>
+                <a16:creationId xmlns="" xmlns:a16="http://schemas.microsoft.com/office/drawing/2014/main" id="{8D674A83-BCB9-4E61-B483-99AA1C9EADCD}"/>
               </a:ext>
             </a:extLst>
           </p:cNvPr>
@@ -4240,7 +4240,7 @@
             <p:cNvPr id="7" name="직선 연결선 6">
               <a:extLst>
                 <a:ext uri="{FF2B5EF4-FFF2-40B4-BE49-F238E27FC236}">
-                  <a16:creationId xmlns:a16="http://schemas.microsoft.com/office/drawing/2014/main" xmlns="" id="{00E67A09-8F5F-41D1-808B-763DF1C3C3AA}"/>
+                  <a16:creationId xmlns="" xmlns:a16="http://schemas.microsoft.com/office/drawing/2014/main" id="{00E67A09-8F5F-41D1-808B-763DF1C3C3AA}"/>
                 </a:ext>
               </a:extLst>
             </p:cNvPr>
@@ -4281,7 +4281,7 @@
             <p:cNvPr id="8" name="직선 연결선 7">
               <a:extLst>
                 <a:ext uri="{FF2B5EF4-FFF2-40B4-BE49-F238E27FC236}">
-                  <a16:creationId xmlns:a16="http://schemas.microsoft.com/office/drawing/2014/main" xmlns="" id="{30C79DEC-86D4-4107-BE74-1A2A863C74BA}"/>
+                  <a16:creationId xmlns="" xmlns:a16="http://schemas.microsoft.com/office/drawing/2014/main" id="{30C79DEC-86D4-4107-BE74-1A2A863C74BA}"/>
                 </a:ext>
               </a:extLst>
             </p:cNvPr>
@@ -4324,7 +4324,7 @@
             <p:cNvPr id="9" name="직선 연결선 8">
               <a:extLst>
                 <a:ext uri="{FF2B5EF4-FFF2-40B4-BE49-F238E27FC236}">
-                  <a16:creationId xmlns:a16="http://schemas.microsoft.com/office/drawing/2014/main" xmlns="" id="{34B64C44-8612-4CDC-A475-0BF6E4F3CC84}"/>
+                  <a16:creationId xmlns="" xmlns:a16="http://schemas.microsoft.com/office/drawing/2014/main" id="{34B64C44-8612-4CDC-A475-0BF6E4F3CC84}"/>
                 </a:ext>
               </a:extLst>
             </p:cNvPr>
@@ -4368,7 +4368,7 @@
           <p:cNvPr id="11" name="그룹 10">
             <a:extLst>
               <a:ext uri="{FF2B5EF4-FFF2-40B4-BE49-F238E27FC236}">
-                <a16:creationId xmlns:a16="http://schemas.microsoft.com/office/drawing/2014/main" xmlns="" id="{5D9E95C4-9DC2-47C1-A898-9331DB6C5F48}"/>
+                <a16:creationId xmlns="" xmlns:a16="http://schemas.microsoft.com/office/drawing/2014/main" id="{5D9E95C4-9DC2-47C1-A898-9331DB6C5F48}"/>
               </a:ext>
             </a:extLst>
           </p:cNvPr>
@@ -4388,7 +4388,7 @@
             <p:cNvPr id="12" name="직선 연결선 11">
               <a:extLst>
                 <a:ext uri="{FF2B5EF4-FFF2-40B4-BE49-F238E27FC236}">
-                  <a16:creationId xmlns:a16="http://schemas.microsoft.com/office/drawing/2014/main" xmlns="" id="{CD696218-C6BA-41DE-B6E2-8416F856E018}"/>
+                  <a16:creationId xmlns="" xmlns:a16="http://schemas.microsoft.com/office/drawing/2014/main" id="{CD696218-C6BA-41DE-B6E2-8416F856E018}"/>
                 </a:ext>
               </a:extLst>
             </p:cNvPr>
@@ -4429,7 +4429,7 @@
             <p:cNvPr id="13" name="직선 연결선 12">
               <a:extLst>
                 <a:ext uri="{FF2B5EF4-FFF2-40B4-BE49-F238E27FC236}">
-                  <a16:creationId xmlns:a16="http://schemas.microsoft.com/office/drawing/2014/main" xmlns="" id="{15F30200-2129-40AA-8B9C-8ADC62F88473}"/>
+                  <a16:creationId xmlns="" xmlns:a16="http://schemas.microsoft.com/office/drawing/2014/main" id="{15F30200-2129-40AA-8B9C-8ADC62F88473}"/>
                 </a:ext>
               </a:extLst>
             </p:cNvPr>
@@ -4472,7 +4472,7 @@
             <p:cNvPr id="14" name="직선 연결선 13">
               <a:extLst>
                 <a:ext uri="{FF2B5EF4-FFF2-40B4-BE49-F238E27FC236}">
-                  <a16:creationId xmlns:a16="http://schemas.microsoft.com/office/drawing/2014/main" xmlns="" id="{19C29F19-1F66-40B5-98FB-E12B45B2D33A}"/>
+                  <a16:creationId xmlns="" xmlns:a16="http://schemas.microsoft.com/office/drawing/2014/main" id="{19C29F19-1F66-40B5-98FB-E12B45B2D33A}"/>
                 </a:ext>
               </a:extLst>
             </p:cNvPr>
@@ -4516,7 +4516,7 @@
           <p:cNvPr id="15" name="TextBox 14">
             <a:extLst>
               <a:ext uri="{FF2B5EF4-FFF2-40B4-BE49-F238E27FC236}">
-                <a16:creationId xmlns:a16="http://schemas.microsoft.com/office/drawing/2014/main" xmlns="" id="{14D14242-45C1-4883-AD5E-B74D7A88FC8C}"/>
+                <a16:creationId xmlns="" xmlns:a16="http://schemas.microsoft.com/office/drawing/2014/main" id="{14D14242-45C1-4883-AD5E-B74D7A88FC8C}"/>
               </a:ext>
             </a:extLst>
           </p:cNvPr>
@@ -4600,7 +4600,7 @@
           <p:cNvPr id="16" name="TextBox 15">
             <a:extLst>
               <a:ext uri="{FF2B5EF4-FFF2-40B4-BE49-F238E27FC236}">
-                <a16:creationId xmlns:a16="http://schemas.microsoft.com/office/drawing/2014/main" xmlns="" id="{39FD63E6-65F9-44A1-BB3E-2BDE20ED59B2}"/>
+                <a16:creationId xmlns="" xmlns:a16="http://schemas.microsoft.com/office/drawing/2014/main" id="{39FD63E6-65F9-44A1-BB3E-2BDE20ED59B2}"/>
               </a:ext>
             </a:extLst>
           </p:cNvPr>
@@ -4757,7 +4757,7 @@
             <p:cNvPr id="34" name="Picture 3" descr="C:\Users\Owner\Desktop\dog.png">
               <a:extLst>
                 <a:ext uri="{FF2B5EF4-FFF2-40B4-BE49-F238E27FC236}">
-                  <a16:creationId xmlns:a16="http://schemas.microsoft.com/office/drawing/2014/main" xmlns="" id="{07618D04-532C-44F5-A09C-F25CDACBE255}"/>
+                  <a16:creationId xmlns="" xmlns:a16="http://schemas.microsoft.com/office/drawing/2014/main" id="{07618D04-532C-44F5-A09C-F25CDACBE255}"/>
                 </a:ext>
               </a:extLst>
             </p:cNvPr>
@@ -5220,7 +5220,7 @@
           <p:cNvPr id="43" name="TextBox 42">
             <a:extLst>
               <a:ext uri="{FF2B5EF4-FFF2-40B4-BE49-F238E27FC236}">
-                <a16:creationId xmlns:a16="http://schemas.microsoft.com/office/drawing/2014/main" xmlns="" id="{39FD63E6-65F9-44A1-BB3E-2BDE20ED59B2}"/>
+                <a16:creationId xmlns="" xmlns:a16="http://schemas.microsoft.com/office/drawing/2014/main" id="{39FD63E6-65F9-44A1-BB3E-2BDE20ED59B2}"/>
               </a:ext>
             </a:extLst>
           </p:cNvPr>
@@ -5258,7 +5258,7 @@
           <p:cNvPr id="41" name="Picture 2" descr="animal, animals, dog, farm, rural, sitting icon">
             <a:extLst>
               <a:ext uri="{FF2B5EF4-FFF2-40B4-BE49-F238E27FC236}">
-                <a16:creationId xmlns:a16="http://schemas.microsoft.com/office/drawing/2014/main" xmlns="" id="{5478A31E-A5CD-46CD-8C60-254ADE3152A5}"/>
+                <a16:creationId xmlns="" xmlns:a16="http://schemas.microsoft.com/office/drawing/2014/main" id="{5478A31E-A5CD-46CD-8C60-254ADE3152A5}"/>
               </a:ext>
             </a:extLst>
           </p:cNvPr>
@@ -5305,7 +5305,7 @@
           <p:cNvPr id="44" name="TextBox 43">
             <a:extLst>
               <a:ext uri="{FF2B5EF4-FFF2-40B4-BE49-F238E27FC236}">
-                <a16:creationId xmlns:a16="http://schemas.microsoft.com/office/drawing/2014/main" xmlns="" id="{536FAF59-0B7E-49B0-B11F-5E06C897E671}"/>
+                <a16:creationId xmlns="" xmlns:a16="http://schemas.microsoft.com/office/drawing/2014/main" id="{536FAF59-0B7E-49B0-B11F-5E06C897E671}"/>
               </a:ext>
             </a:extLst>
           </p:cNvPr>
@@ -5343,7 +5343,7 @@
           <p:cNvPr id="45" name="그룹 44">
             <a:extLst>
               <a:ext uri="{FF2B5EF4-FFF2-40B4-BE49-F238E27FC236}">
-                <a16:creationId xmlns:a16="http://schemas.microsoft.com/office/drawing/2014/main" xmlns="" id="{82FB7537-EB67-43D8-BBAE-F93776217465}"/>
+                <a16:creationId xmlns="" xmlns:a16="http://schemas.microsoft.com/office/drawing/2014/main" id="{82FB7537-EB67-43D8-BBAE-F93776217465}"/>
               </a:ext>
             </a:extLst>
           </p:cNvPr>
@@ -5363,7 +5363,7 @@
             <p:cNvPr id="46" name="Picture 2" descr="animal, animals, dog, farm, rural icon">
               <a:extLst>
                 <a:ext uri="{FF2B5EF4-FFF2-40B4-BE49-F238E27FC236}">
-                  <a16:creationId xmlns:a16="http://schemas.microsoft.com/office/drawing/2014/main" xmlns="" id="{07DB6E13-8FAD-4F7E-81F5-E89509A7A0E4}"/>
+                  <a16:creationId xmlns="" xmlns:a16="http://schemas.microsoft.com/office/drawing/2014/main" id="{07DB6E13-8FAD-4F7E-81F5-E89509A7A0E4}"/>
                 </a:ext>
               </a:extLst>
             </p:cNvPr>
@@ -5410,7 +5410,7 @@
             <p:cNvPr id="47" name="Picture 3" descr="C:\Users\yoo\AppData\Local\Microsoft\Windows\Temporary Internet Files\Content.IE5\78NW31K2\Stereo-Audio-Sound-Signal-Sharp[1].png">
               <a:extLst>
                 <a:ext uri="{FF2B5EF4-FFF2-40B4-BE49-F238E27FC236}">
-                  <a16:creationId xmlns:a16="http://schemas.microsoft.com/office/drawing/2014/main" xmlns="" id="{5033EDAC-62B5-434B-B572-D54CB2E35C7A}"/>
+                  <a16:creationId xmlns="" xmlns:a16="http://schemas.microsoft.com/office/drawing/2014/main" id="{5033EDAC-62B5-434B-B572-D54CB2E35C7A}"/>
                 </a:ext>
               </a:extLst>
             </p:cNvPr>
@@ -5458,7 +5458,7 @@
           <p:cNvPr id="48" name="그룹 47">
             <a:extLst>
               <a:ext uri="{FF2B5EF4-FFF2-40B4-BE49-F238E27FC236}">
-                <a16:creationId xmlns:a16="http://schemas.microsoft.com/office/drawing/2014/main" xmlns="" id="{0CBC592F-FE6F-4CF6-BF2E-852C69BE7C20}"/>
+                <a16:creationId xmlns="" xmlns:a16="http://schemas.microsoft.com/office/drawing/2014/main" id="{0CBC592F-FE6F-4CF6-BF2E-852C69BE7C20}"/>
               </a:ext>
             </a:extLst>
           </p:cNvPr>
@@ -5478,7 +5478,7 @@
             <p:cNvPr id="49" name="Picture 6" descr="C:\Users\Owner\Desktop\hand-graving-smartphone.png">
               <a:extLst>
                 <a:ext uri="{FF2B5EF4-FFF2-40B4-BE49-F238E27FC236}">
-                  <a16:creationId xmlns:a16="http://schemas.microsoft.com/office/drawing/2014/main" xmlns="" id="{CCBA7559-9F2D-462C-8792-2E15C9D72D62}"/>
+                  <a16:creationId xmlns="" xmlns:a16="http://schemas.microsoft.com/office/drawing/2014/main" id="{CCBA7559-9F2D-462C-8792-2E15C9D72D62}"/>
                 </a:ext>
               </a:extLst>
             </p:cNvPr>
@@ -5525,7 +5525,7 @@
             <p:cNvPr id="51" name="Picture 5" descr="C:\Users\yoo\AppData\Local\Microsoft\Windows\Temporary Internet Files\Content.IE5\ELTBIZ8P\audio[1].png">
               <a:extLst>
                 <a:ext uri="{FF2B5EF4-FFF2-40B4-BE49-F238E27FC236}">
-                  <a16:creationId xmlns:a16="http://schemas.microsoft.com/office/drawing/2014/main" xmlns="" id="{4560353E-FDE1-4A92-B329-CB5D50F8E5B2}"/>
+                  <a16:creationId xmlns="" xmlns:a16="http://schemas.microsoft.com/office/drawing/2014/main" id="{4560353E-FDE1-4A92-B329-CB5D50F8E5B2}"/>
                 </a:ext>
               </a:extLst>
             </p:cNvPr>
@@ -5573,7 +5573,7 @@
           <p:cNvPr id="52" name="TextBox 51">
             <a:extLst>
               <a:ext uri="{FF2B5EF4-FFF2-40B4-BE49-F238E27FC236}">
-                <a16:creationId xmlns:a16="http://schemas.microsoft.com/office/drawing/2014/main" xmlns="" id="{9A8EB59F-7A01-4E98-B923-57DD120EE42E}"/>
+                <a16:creationId xmlns="" xmlns:a16="http://schemas.microsoft.com/office/drawing/2014/main" id="{9A8EB59F-7A01-4E98-B923-57DD120EE42E}"/>
               </a:ext>
             </a:extLst>
           </p:cNvPr>
@@ -5622,7 +5622,7 @@
           <p:cNvPr id="53" name="직선 화살표 연결선 52">
             <a:extLst>
               <a:ext uri="{FF2B5EF4-FFF2-40B4-BE49-F238E27FC236}">
-                <a16:creationId xmlns:a16="http://schemas.microsoft.com/office/drawing/2014/main" xmlns="" id="{A39FD8C1-BB42-48C0-8B86-26B693DDCA89}"/>
+                <a16:creationId xmlns="" xmlns:a16="http://schemas.microsoft.com/office/drawing/2014/main" id="{A39FD8C1-BB42-48C0-8B86-26B693DDCA89}"/>
               </a:ext>
             </a:extLst>
           </p:cNvPr>
@@ -5666,7 +5666,7 @@
           <p:cNvPr id="55" name="Picture 8" descr="C:\Users\yoo\AppData\Local\Microsoft\Windows\Temporary Internet Files\Content.IE5\20QQG6GZ\mens-locker-room-155828_960_720[1].png">
             <a:extLst>
               <a:ext uri="{FF2B5EF4-FFF2-40B4-BE49-F238E27FC236}">
-                <a16:creationId xmlns:a16="http://schemas.microsoft.com/office/drawing/2014/main" xmlns="" id="{4261E8B7-8D25-48EE-BE62-7FDE9460B064}"/>
+                <a16:creationId xmlns="" xmlns:a16="http://schemas.microsoft.com/office/drawing/2014/main" id="{4261E8B7-8D25-48EE-BE62-7FDE9460B064}"/>
               </a:ext>
             </a:extLst>
           </p:cNvPr>
@@ -5713,7 +5713,7 @@
           <p:cNvPr id="56" name="TextBox 55">
             <a:extLst>
               <a:ext uri="{FF2B5EF4-FFF2-40B4-BE49-F238E27FC236}">
-                <a16:creationId xmlns:a16="http://schemas.microsoft.com/office/drawing/2014/main" xmlns="" id="{F0DACF64-FEAD-4F05-985E-797B56419A21}"/>
+                <a16:creationId xmlns="" xmlns:a16="http://schemas.microsoft.com/office/drawing/2014/main" id="{F0DACF64-FEAD-4F05-985E-797B56419A21}"/>
               </a:ext>
             </a:extLst>
           </p:cNvPr>
@@ -5751,7 +5751,7 @@
           <p:cNvPr id="57" name="직선 화살표 연결선 56">
             <a:extLst>
               <a:ext uri="{FF2B5EF4-FFF2-40B4-BE49-F238E27FC236}">
-                <a16:creationId xmlns:a16="http://schemas.microsoft.com/office/drawing/2014/main" xmlns="" id="{B07D31DC-2A05-4270-B922-D33918B4031E}"/>
+                <a16:creationId xmlns="" xmlns:a16="http://schemas.microsoft.com/office/drawing/2014/main" id="{B07D31DC-2A05-4270-B922-D33918B4031E}"/>
               </a:ext>
             </a:extLst>
           </p:cNvPr>
@@ -5795,7 +5795,7 @@
           <p:cNvPr id="58" name="그림 57">
             <a:extLst>
               <a:ext uri="{FF2B5EF4-FFF2-40B4-BE49-F238E27FC236}">
-                <a16:creationId xmlns:a16="http://schemas.microsoft.com/office/drawing/2014/main" xmlns="" id="{EFCA340C-0AE6-4F09-B1A0-C5B307D6B3D4}"/>
+                <a16:creationId xmlns="" xmlns:a16="http://schemas.microsoft.com/office/drawing/2014/main" id="{EFCA340C-0AE6-4F09-B1A0-C5B307D6B3D4}"/>
               </a:ext>
             </a:extLst>
           </p:cNvPr>
@@ -5825,7 +5825,7 @@
           <p:cNvPr id="59" name="직선 화살표 연결선 58">
             <a:extLst>
               <a:ext uri="{FF2B5EF4-FFF2-40B4-BE49-F238E27FC236}">
-                <a16:creationId xmlns:a16="http://schemas.microsoft.com/office/drawing/2014/main" xmlns="" id="{A39FD8C1-BB42-48C0-8B86-26B693DDCA89}"/>
+                <a16:creationId xmlns="" xmlns:a16="http://schemas.microsoft.com/office/drawing/2014/main" id="{A39FD8C1-BB42-48C0-8B86-26B693DDCA89}"/>
               </a:ext>
             </a:extLst>
           </p:cNvPr>
@@ -5899,7 +5899,7 @@
           <p:cNvPr id="53" name="직사각형 52">
             <a:extLst>
               <a:ext uri="{FF2B5EF4-FFF2-40B4-BE49-F238E27FC236}">
-                <a16:creationId xmlns:a16="http://schemas.microsoft.com/office/drawing/2014/main" xmlns="" id="{B8519467-F457-4BD7-B029-A497623D702C}"/>
+                <a16:creationId xmlns="" xmlns:a16="http://schemas.microsoft.com/office/drawing/2014/main" id="{B8519467-F457-4BD7-B029-A497623D702C}"/>
               </a:ext>
             </a:extLst>
           </p:cNvPr>
@@ -5958,7 +5958,7 @@
           <p:cNvPr id="10" name="그룹 9">
             <a:extLst>
               <a:ext uri="{FF2B5EF4-FFF2-40B4-BE49-F238E27FC236}">
-                <a16:creationId xmlns:a16="http://schemas.microsoft.com/office/drawing/2014/main" xmlns="" id="{8D674A83-BCB9-4E61-B483-99AA1C9EADCD}"/>
+                <a16:creationId xmlns="" xmlns:a16="http://schemas.microsoft.com/office/drawing/2014/main" id="{8D674A83-BCB9-4E61-B483-99AA1C9EADCD}"/>
               </a:ext>
             </a:extLst>
           </p:cNvPr>
@@ -5978,7 +5978,7 @@
             <p:cNvPr id="7" name="직선 연결선 6">
               <a:extLst>
                 <a:ext uri="{FF2B5EF4-FFF2-40B4-BE49-F238E27FC236}">
-                  <a16:creationId xmlns:a16="http://schemas.microsoft.com/office/drawing/2014/main" xmlns="" id="{00E67A09-8F5F-41D1-808B-763DF1C3C3AA}"/>
+                  <a16:creationId xmlns="" xmlns:a16="http://schemas.microsoft.com/office/drawing/2014/main" id="{00E67A09-8F5F-41D1-808B-763DF1C3C3AA}"/>
                 </a:ext>
               </a:extLst>
             </p:cNvPr>
@@ -6019,7 +6019,7 @@
             <p:cNvPr id="8" name="직선 연결선 7">
               <a:extLst>
                 <a:ext uri="{FF2B5EF4-FFF2-40B4-BE49-F238E27FC236}">
-                  <a16:creationId xmlns:a16="http://schemas.microsoft.com/office/drawing/2014/main" xmlns="" id="{30C79DEC-86D4-4107-BE74-1A2A863C74BA}"/>
+                  <a16:creationId xmlns="" xmlns:a16="http://schemas.microsoft.com/office/drawing/2014/main" id="{30C79DEC-86D4-4107-BE74-1A2A863C74BA}"/>
                 </a:ext>
               </a:extLst>
             </p:cNvPr>
@@ -6062,7 +6062,7 @@
             <p:cNvPr id="9" name="직선 연결선 8">
               <a:extLst>
                 <a:ext uri="{FF2B5EF4-FFF2-40B4-BE49-F238E27FC236}">
-                  <a16:creationId xmlns:a16="http://schemas.microsoft.com/office/drawing/2014/main" xmlns="" id="{34B64C44-8612-4CDC-A475-0BF6E4F3CC84}"/>
+                  <a16:creationId xmlns="" xmlns:a16="http://schemas.microsoft.com/office/drawing/2014/main" id="{34B64C44-8612-4CDC-A475-0BF6E4F3CC84}"/>
                 </a:ext>
               </a:extLst>
             </p:cNvPr>
@@ -6106,7 +6106,7 @@
           <p:cNvPr id="11" name="그룹 10">
             <a:extLst>
               <a:ext uri="{FF2B5EF4-FFF2-40B4-BE49-F238E27FC236}">
-                <a16:creationId xmlns:a16="http://schemas.microsoft.com/office/drawing/2014/main" xmlns="" id="{5D9E95C4-9DC2-47C1-A898-9331DB6C5F48}"/>
+                <a16:creationId xmlns="" xmlns:a16="http://schemas.microsoft.com/office/drawing/2014/main" id="{5D9E95C4-9DC2-47C1-A898-9331DB6C5F48}"/>
               </a:ext>
             </a:extLst>
           </p:cNvPr>
@@ -6126,7 +6126,7 @@
             <p:cNvPr id="12" name="직선 연결선 11">
               <a:extLst>
                 <a:ext uri="{FF2B5EF4-FFF2-40B4-BE49-F238E27FC236}">
-                  <a16:creationId xmlns:a16="http://schemas.microsoft.com/office/drawing/2014/main" xmlns="" id="{CD696218-C6BA-41DE-B6E2-8416F856E018}"/>
+                  <a16:creationId xmlns="" xmlns:a16="http://schemas.microsoft.com/office/drawing/2014/main" id="{CD696218-C6BA-41DE-B6E2-8416F856E018}"/>
                 </a:ext>
               </a:extLst>
             </p:cNvPr>
@@ -6167,7 +6167,7 @@
             <p:cNvPr id="13" name="직선 연결선 12">
               <a:extLst>
                 <a:ext uri="{FF2B5EF4-FFF2-40B4-BE49-F238E27FC236}">
-                  <a16:creationId xmlns:a16="http://schemas.microsoft.com/office/drawing/2014/main" xmlns="" id="{15F30200-2129-40AA-8B9C-8ADC62F88473}"/>
+                  <a16:creationId xmlns="" xmlns:a16="http://schemas.microsoft.com/office/drawing/2014/main" id="{15F30200-2129-40AA-8B9C-8ADC62F88473}"/>
                 </a:ext>
               </a:extLst>
             </p:cNvPr>
@@ -6210,7 +6210,7 @@
             <p:cNvPr id="14" name="직선 연결선 13">
               <a:extLst>
                 <a:ext uri="{FF2B5EF4-FFF2-40B4-BE49-F238E27FC236}">
-                  <a16:creationId xmlns:a16="http://schemas.microsoft.com/office/drawing/2014/main" xmlns="" id="{19C29F19-1F66-40B5-98FB-E12B45B2D33A}"/>
+                  <a16:creationId xmlns="" xmlns:a16="http://schemas.microsoft.com/office/drawing/2014/main" id="{19C29F19-1F66-40B5-98FB-E12B45B2D33A}"/>
                 </a:ext>
               </a:extLst>
             </p:cNvPr>
@@ -6254,7 +6254,7 @@
           <p:cNvPr id="15" name="TextBox 14">
             <a:extLst>
               <a:ext uri="{FF2B5EF4-FFF2-40B4-BE49-F238E27FC236}">
-                <a16:creationId xmlns:a16="http://schemas.microsoft.com/office/drawing/2014/main" xmlns="" id="{14D14242-45C1-4883-AD5E-B74D7A88FC8C}"/>
+                <a16:creationId xmlns="" xmlns:a16="http://schemas.microsoft.com/office/drawing/2014/main" id="{14D14242-45C1-4883-AD5E-B74D7A88FC8C}"/>
               </a:ext>
             </a:extLst>
           </p:cNvPr>
@@ -6299,7 +6299,7 @@
           <p:cNvPr id="40" name="Picture 2" descr="C:\Users\Owner\Desktop\제나노ㅇㅇ음.jpg">
             <a:extLst>
               <a:ext uri="{FF2B5EF4-FFF2-40B4-BE49-F238E27FC236}">
-                <a16:creationId xmlns:a16="http://schemas.microsoft.com/office/drawing/2014/main" xmlns="" id="{2F353DCB-5B06-4257-9636-0B720361FD3D}"/>
+                <a16:creationId xmlns="" xmlns:a16="http://schemas.microsoft.com/office/drawing/2014/main" id="{2F353DCB-5B06-4257-9636-0B720361FD3D}"/>
               </a:ext>
             </a:extLst>
           </p:cNvPr>
@@ -6346,7 +6346,7 @@
           <p:cNvPr id="41" name="Picture 3" descr="C:\Users\Owner\Desktop\블루투스.jpg">
             <a:extLst>
               <a:ext uri="{FF2B5EF4-FFF2-40B4-BE49-F238E27FC236}">
-                <a16:creationId xmlns:a16="http://schemas.microsoft.com/office/drawing/2014/main" xmlns="" id="{4C24267C-5B95-4224-85C0-ACC457ADADA1}"/>
+                <a16:creationId xmlns="" xmlns:a16="http://schemas.microsoft.com/office/drawing/2014/main" id="{4C24267C-5B95-4224-85C0-ACC457ADADA1}"/>
               </a:ext>
             </a:extLst>
           </p:cNvPr>
@@ -6393,7 +6393,7 @@
           <p:cNvPr id="42" name="그림 41">
             <a:extLst>
               <a:ext uri="{FF2B5EF4-FFF2-40B4-BE49-F238E27FC236}">
-                <a16:creationId xmlns:a16="http://schemas.microsoft.com/office/drawing/2014/main" xmlns="" id="{249BF145-375B-4B46-B975-6CC19F2E984F}"/>
+                <a16:creationId xmlns="" xmlns:a16="http://schemas.microsoft.com/office/drawing/2014/main" id="{249BF145-375B-4B46-B975-6CC19F2E984F}"/>
               </a:ext>
             </a:extLst>
           </p:cNvPr>
@@ -6464,7 +6464,7 @@
           <p:cNvPr id="61" name="TextBox 60">
             <a:extLst>
               <a:ext uri="{FF2B5EF4-FFF2-40B4-BE49-F238E27FC236}">
-                <a16:creationId xmlns:a16="http://schemas.microsoft.com/office/drawing/2014/main" xmlns="" id="{892DF150-3077-43DF-8355-A431522764EB}"/>
+                <a16:creationId xmlns="" xmlns:a16="http://schemas.microsoft.com/office/drawing/2014/main" id="{892DF150-3077-43DF-8355-A431522764EB}"/>
               </a:ext>
             </a:extLst>
           </p:cNvPr>
@@ -6502,7 +6502,7 @@
           <p:cNvPr id="63" name="TextBox 62">
             <a:extLst>
               <a:ext uri="{FF2B5EF4-FFF2-40B4-BE49-F238E27FC236}">
-                <a16:creationId xmlns:a16="http://schemas.microsoft.com/office/drawing/2014/main" xmlns="" id="{892DF150-3077-43DF-8355-A431522764EB}"/>
+                <a16:creationId xmlns="" xmlns:a16="http://schemas.microsoft.com/office/drawing/2014/main" id="{892DF150-3077-43DF-8355-A431522764EB}"/>
               </a:ext>
             </a:extLst>
           </p:cNvPr>
@@ -6540,7 +6540,7 @@
           <p:cNvPr id="64" name="Picture 5" descr="C:\Users\yoo\AppData\Local\Microsoft\Windows\Temporary Internet Files\Content.IE5\ELTBIZ8P\smartphone-823707_960_720[1].png">
             <a:extLst>
               <a:ext uri="{FF2B5EF4-FFF2-40B4-BE49-F238E27FC236}">
-                <a16:creationId xmlns:a16="http://schemas.microsoft.com/office/drawing/2014/main" xmlns="" id="{DAC74D6B-69CE-49AA-968E-3649287F9010}"/>
+                <a16:creationId xmlns="" xmlns:a16="http://schemas.microsoft.com/office/drawing/2014/main" id="{DAC74D6B-69CE-49AA-968E-3649287F9010}"/>
               </a:ext>
             </a:extLst>
           </p:cNvPr>
@@ -6594,7 +6594,7 @@
           <p:cNvPr id="95" name="TextBox 94">
             <a:extLst>
               <a:ext uri="{FF2B5EF4-FFF2-40B4-BE49-F238E27FC236}">
-                <a16:creationId xmlns:a16="http://schemas.microsoft.com/office/drawing/2014/main" xmlns="" id="{892DF150-3077-43DF-8355-A431522764EB}"/>
+                <a16:creationId xmlns="" xmlns:a16="http://schemas.microsoft.com/office/drawing/2014/main" id="{892DF150-3077-43DF-8355-A431522764EB}"/>
               </a:ext>
             </a:extLst>
           </p:cNvPr>
@@ -6643,7 +6643,7 @@
           <p:cNvPr id="96" name="TextBox 95">
             <a:extLst>
               <a:ext uri="{FF2B5EF4-FFF2-40B4-BE49-F238E27FC236}">
-                <a16:creationId xmlns:a16="http://schemas.microsoft.com/office/drawing/2014/main" xmlns="" id="{892DF150-3077-43DF-8355-A431522764EB}"/>
+                <a16:creationId xmlns="" xmlns:a16="http://schemas.microsoft.com/office/drawing/2014/main" id="{892DF150-3077-43DF-8355-A431522764EB}"/>
               </a:ext>
             </a:extLst>
           </p:cNvPr>
@@ -6685,7 +6685,7 @@
           <p:cNvPr id="97" name="TextBox 96">
             <a:extLst>
               <a:ext uri="{FF2B5EF4-FFF2-40B4-BE49-F238E27FC236}">
-                <a16:creationId xmlns:a16="http://schemas.microsoft.com/office/drawing/2014/main" xmlns="" id="{892DF150-3077-43DF-8355-A431522764EB}"/>
+                <a16:creationId xmlns="" xmlns:a16="http://schemas.microsoft.com/office/drawing/2014/main" id="{892DF150-3077-43DF-8355-A431522764EB}"/>
               </a:ext>
             </a:extLst>
           </p:cNvPr>
@@ -6730,7 +6730,7 @@
           <p:cNvPr id="98" name="TextBox 97">
             <a:extLst>
               <a:ext uri="{FF2B5EF4-FFF2-40B4-BE49-F238E27FC236}">
-                <a16:creationId xmlns:a16="http://schemas.microsoft.com/office/drawing/2014/main" xmlns="" id="{892DF150-3077-43DF-8355-A431522764EB}"/>
+                <a16:creationId xmlns="" xmlns:a16="http://schemas.microsoft.com/office/drawing/2014/main" id="{892DF150-3077-43DF-8355-A431522764EB}"/>
               </a:ext>
             </a:extLst>
           </p:cNvPr>
@@ -6782,7 +6782,7 @@
           <p:cNvPr id="100" name="TextBox 99">
             <a:extLst>
               <a:ext uri="{FF2B5EF4-FFF2-40B4-BE49-F238E27FC236}">
-                <a16:creationId xmlns:a16="http://schemas.microsoft.com/office/drawing/2014/main" xmlns="" id="{892DF150-3077-43DF-8355-A431522764EB}"/>
+                <a16:creationId xmlns="" xmlns:a16="http://schemas.microsoft.com/office/drawing/2014/main" id="{892DF150-3077-43DF-8355-A431522764EB}"/>
               </a:ext>
             </a:extLst>
           </p:cNvPr>
@@ -6866,7 +6866,7 @@
           <p:cNvPr id="103" name="TextBox 102">
             <a:extLst>
               <a:ext uri="{FF2B5EF4-FFF2-40B4-BE49-F238E27FC236}">
-                <a16:creationId xmlns:a16="http://schemas.microsoft.com/office/drawing/2014/main" xmlns="" id="{892DF150-3077-43DF-8355-A431522764EB}"/>
+                <a16:creationId xmlns="" xmlns:a16="http://schemas.microsoft.com/office/drawing/2014/main" id="{892DF150-3077-43DF-8355-A431522764EB}"/>
               </a:ext>
             </a:extLst>
           </p:cNvPr>
@@ -6904,7 +6904,7 @@
           <p:cNvPr id="104" name="사각형: 둥근 모서리 32">
             <a:extLst>
               <a:ext uri="{FF2B5EF4-FFF2-40B4-BE49-F238E27FC236}">
-                <a16:creationId xmlns:a16="http://schemas.microsoft.com/office/drawing/2014/main" xmlns="" id="{5E17D231-FD38-4C12-915A-BB5E370A3D6A}"/>
+                <a16:creationId xmlns="" xmlns:a16="http://schemas.microsoft.com/office/drawing/2014/main" id="{5E17D231-FD38-4C12-915A-BB5E370A3D6A}"/>
               </a:ext>
             </a:extLst>
           </p:cNvPr>
@@ -7569,7 +7569,7 @@
           <p:cNvPr id="126" name="직선 화살표 연결선 125">
             <a:extLst>
               <a:ext uri="{FF2B5EF4-FFF2-40B4-BE49-F238E27FC236}">
-                <a16:creationId xmlns:a16="http://schemas.microsoft.com/office/drawing/2014/main" xmlns="" id="{C5E772CA-783C-4E5B-9D9A-EA967D656155}"/>
+                <a16:creationId xmlns="" xmlns:a16="http://schemas.microsoft.com/office/drawing/2014/main" id="{C5E772CA-783C-4E5B-9D9A-EA967D656155}"/>
               </a:ext>
             </a:extLst>
           </p:cNvPr>
@@ -7610,7 +7610,7 @@
           <p:cNvPr id="125" name="사각형: 둥근 모서리 44">
             <a:extLst>
               <a:ext uri="{FF2B5EF4-FFF2-40B4-BE49-F238E27FC236}">
-                <a16:creationId xmlns:a16="http://schemas.microsoft.com/office/drawing/2014/main" xmlns="" id="{1A99B853-90FC-4B43-981A-D967CC93AA48}"/>
+                <a16:creationId xmlns="" xmlns:a16="http://schemas.microsoft.com/office/drawing/2014/main" id="{1A99B853-90FC-4B43-981A-D967CC93AA48}"/>
               </a:ext>
             </a:extLst>
           </p:cNvPr>
@@ -7687,7 +7687,7 @@
           <p:cNvPr id="128" name="직선 화살표 연결선 127">
             <a:extLst>
               <a:ext uri="{FF2B5EF4-FFF2-40B4-BE49-F238E27FC236}">
-                <a16:creationId xmlns:a16="http://schemas.microsoft.com/office/drawing/2014/main" xmlns="" id="{3126A949-00A8-4500-B526-AC1A799CC93A}"/>
+                <a16:creationId xmlns="" xmlns:a16="http://schemas.microsoft.com/office/drawing/2014/main" id="{3126A949-00A8-4500-B526-AC1A799CC93A}"/>
               </a:ext>
             </a:extLst>
           </p:cNvPr>
@@ -7728,7 +7728,7 @@
           <p:cNvPr id="131" name="직선 화살표 연결선 130">
             <a:extLst>
               <a:ext uri="{FF2B5EF4-FFF2-40B4-BE49-F238E27FC236}">
-                <a16:creationId xmlns:a16="http://schemas.microsoft.com/office/drawing/2014/main" xmlns="" id="{C5E772CA-783C-4E5B-9D9A-EA967D656155}"/>
+                <a16:creationId xmlns="" xmlns:a16="http://schemas.microsoft.com/office/drawing/2014/main" id="{C5E772CA-783C-4E5B-9D9A-EA967D656155}"/>
               </a:ext>
             </a:extLst>
           </p:cNvPr>
@@ -7769,7 +7769,7 @@
           <p:cNvPr id="132" name="사각형: 둥근 모서리 44">
             <a:extLst>
               <a:ext uri="{FF2B5EF4-FFF2-40B4-BE49-F238E27FC236}">
-                <a16:creationId xmlns:a16="http://schemas.microsoft.com/office/drawing/2014/main" xmlns="" id="{1A99B853-90FC-4B43-981A-D967CC93AA48}"/>
+                <a16:creationId xmlns="" xmlns:a16="http://schemas.microsoft.com/office/drawing/2014/main" id="{1A99B853-90FC-4B43-981A-D967CC93AA48}"/>
               </a:ext>
             </a:extLst>
           </p:cNvPr>
@@ -7846,7 +7846,7 @@
           <p:cNvPr id="133" name="사각형: 둥근 모서리 42">
             <a:extLst>
               <a:ext uri="{FF2B5EF4-FFF2-40B4-BE49-F238E27FC236}">
-                <a16:creationId xmlns:a16="http://schemas.microsoft.com/office/drawing/2014/main" xmlns="" id="{0216F5B9-BE62-4187-8769-1A8119C7A374}"/>
+                <a16:creationId xmlns="" xmlns:a16="http://schemas.microsoft.com/office/drawing/2014/main" id="{0216F5B9-BE62-4187-8769-1A8119C7A374}"/>
               </a:ext>
             </a:extLst>
           </p:cNvPr>
@@ -7907,7 +7907,7 @@
           <p:cNvPr id="134" name="직선 화살표 연결선 133">
             <a:extLst>
               <a:ext uri="{FF2B5EF4-FFF2-40B4-BE49-F238E27FC236}">
-                <a16:creationId xmlns:a16="http://schemas.microsoft.com/office/drawing/2014/main" xmlns="" id="{3126A949-00A8-4500-B526-AC1A799CC93A}"/>
+                <a16:creationId xmlns="" xmlns:a16="http://schemas.microsoft.com/office/drawing/2014/main" id="{3126A949-00A8-4500-B526-AC1A799CC93A}"/>
               </a:ext>
             </a:extLst>
           </p:cNvPr>
@@ -7948,7 +7948,7 @@
           <p:cNvPr id="127" name="사각형: 둥근 모서리 42">
             <a:extLst>
               <a:ext uri="{FF2B5EF4-FFF2-40B4-BE49-F238E27FC236}">
-                <a16:creationId xmlns:a16="http://schemas.microsoft.com/office/drawing/2014/main" xmlns="" id="{0216F5B9-BE62-4187-8769-1A8119C7A374}"/>
+                <a16:creationId xmlns="" xmlns:a16="http://schemas.microsoft.com/office/drawing/2014/main" id="{0216F5B9-BE62-4187-8769-1A8119C7A374}"/>
               </a:ext>
             </a:extLst>
           </p:cNvPr>
@@ -8009,7 +8009,7 @@
           <p:cNvPr id="55" name="그림 54">
             <a:extLst>
               <a:ext uri="{FF2B5EF4-FFF2-40B4-BE49-F238E27FC236}">
-                <a16:creationId xmlns:a16="http://schemas.microsoft.com/office/drawing/2014/main" xmlns="" id="{EFCA340C-0AE6-4F09-B1A0-C5B307D6B3D4}"/>
+                <a16:creationId xmlns="" xmlns:a16="http://schemas.microsoft.com/office/drawing/2014/main" id="{EFCA340C-0AE6-4F09-B1A0-C5B307D6B3D4}"/>
               </a:ext>
             </a:extLst>
           </p:cNvPr>
@@ -8285,7 +8285,7 @@
           <p:cNvPr id="21" name="그림 1" descr="C:/Users/Ungkun/AppData/Roaming/PolarisOffice/ETemp/11200_7459632/fImage1600428731561.png">
             <a:extLst>
               <a:ext uri="{FF2B5EF4-FFF2-40B4-BE49-F238E27FC236}">
-                <a16:creationId xmlns:a16="http://schemas.microsoft.com/office/drawing/2014/main" xmlns="" id="{7029DDD9-470C-460D-BCBA-007FA6D0503B}"/>
+                <a16:creationId xmlns="" xmlns:a16="http://schemas.microsoft.com/office/drawing/2014/main" id="{7029DDD9-470C-460D-BCBA-007FA6D0503B}"/>
               </a:ext>
             </a:extLst>
           </p:cNvPr>
@@ -8322,7 +8322,7 @@
           <p:cNvPr id="3" name="그림 2" descr="클립아트이(가) 표시된 사진&#10;&#10;매우 높은 신뢰도로 생성된 설명">
             <a:extLst>
               <a:ext uri="{FF2B5EF4-FFF2-40B4-BE49-F238E27FC236}">
-                <a16:creationId xmlns:a16="http://schemas.microsoft.com/office/drawing/2014/main" xmlns="" id="{CDA253C7-B614-48CC-B7EB-8C02827751AC}"/>
+                <a16:creationId xmlns="" xmlns:a16="http://schemas.microsoft.com/office/drawing/2014/main" id="{CDA253C7-B614-48CC-B7EB-8C02827751AC}"/>
               </a:ext>
             </a:extLst>
           </p:cNvPr>
@@ -8358,7 +8358,7 @@
           <p:cNvPr id="36" name="직사각형 35">
             <a:extLst>
               <a:ext uri="{FF2B5EF4-FFF2-40B4-BE49-F238E27FC236}">
-                <a16:creationId xmlns:a16="http://schemas.microsoft.com/office/drawing/2014/main" xmlns="" id="{F3D0F8E4-CE1A-4FE5-B4D8-0E9A54D61F05}"/>
+                <a16:creationId xmlns="" xmlns:a16="http://schemas.microsoft.com/office/drawing/2014/main" id="{F3D0F8E4-CE1A-4FE5-B4D8-0E9A54D61F05}"/>
               </a:ext>
             </a:extLst>
           </p:cNvPr>
@@ -8417,7 +8417,7 @@
           <p:cNvPr id="10" name="그룹 9">
             <a:extLst>
               <a:ext uri="{FF2B5EF4-FFF2-40B4-BE49-F238E27FC236}">
-                <a16:creationId xmlns:a16="http://schemas.microsoft.com/office/drawing/2014/main" xmlns="" id="{8D674A83-BCB9-4E61-B483-99AA1C9EADCD}"/>
+                <a16:creationId xmlns="" xmlns:a16="http://schemas.microsoft.com/office/drawing/2014/main" id="{8D674A83-BCB9-4E61-B483-99AA1C9EADCD}"/>
               </a:ext>
             </a:extLst>
           </p:cNvPr>
@@ -8437,7 +8437,7 @@
             <p:cNvPr id="7" name="직선 연결선 6">
               <a:extLst>
                 <a:ext uri="{FF2B5EF4-FFF2-40B4-BE49-F238E27FC236}">
-                  <a16:creationId xmlns:a16="http://schemas.microsoft.com/office/drawing/2014/main" xmlns="" id="{00E67A09-8F5F-41D1-808B-763DF1C3C3AA}"/>
+                  <a16:creationId xmlns="" xmlns:a16="http://schemas.microsoft.com/office/drawing/2014/main" id="{00E67A09-8F5F-41D1-808B-763DF1C3C3AA}"/>
                 </a:ext>
               </a:extLst>
             </p:cNvPr>
@@ -8478,7 +8478,7 @@
             <p:cNvPr id="8" name="직선 연결선 7">
               <a:extLst>
                 <a:ext uri="{FF2B5EF4-FFF2-40B4-BE49-F238E27FC236}">
-                  <a16:creationId xmlns:a16="http://schemas.microsoft.com/office/drawing/2014/main" xmlns="" id="{30C79DEC-86D4-4107-BE74-1A2A863C74BA}"/>
+                  <a16:creationId xmlns="" xmlns:a16="http://schemas.microsoft.com/office/drawing/2014/main" id="{30C79DEC-86D4-4107-BE74-1A2A863C74BA}"/>
                 </a:ext>
               </a:extLst>
             </p:cNvPr>
@@ -8521,7 +8521,7 @@
             <p:cNvPr id="9" name="직선 연결선 8">
               <a:extLst>
                 <a:ext uri="{FF2B5EF4-FFF2-40B4-BE49-F238E27FC236}">
-                  <a16:creationId xmlns:a16="http://schemas.microsoft.com/office/drawing/2014/main" xmlns="" id="{34B64C44-8612-4CDC-A475-0BF6E4F3CC84}"/>
+                  <a16:creationId xmlns="" xmlns:a16="http://schemas.microsoft.com/office/drawing/2014/main" id="{34B64C44-8612-4CDC-A475-0BF6E4F3CC84}"/>
                 </a:ext>
               </a:extLst>
             </p:cNvPr>
@@ -8565,7 +8565,7 @@
           <p:cNvPr id="11" name="그룹 10">
             <a:extLst>
               <a:ext uri="{FF2B5EF4-FFF2-40B4-BE49-F238E27FC236}">
-                <a16:creationId xmlns:a16="http://schemas.microsoft.com/office/drawing/2014/main" xmlns="" id="{5D9E95C4-9DC2-47C1-A898-9331DB6C5F48}"/>
+                <a16:creationId xmlns="" xmlns:a16="http://schemas.microsoft.com/office/drawing/2014/main" id="{5D9E95C4-9DC2-47C1-A898-9331DB6C5F48}"/>
               </a:ext>
             </a:extLst>
           </p:cNvPr>
@@ -8585,7 +8585,7 @@
             <p:cNvPr id="12" name="직선 연결선 11">
               <a:extLst>
                 <a:ext uri="{FF2B5EF4-FFF2-40B4-BE49-F238E27FC236}">
-                  <a16:creationId xmlns:a16="http://schemas.microsoft.com/office/drawing/2014/main" xmlns="" id="{CD696218-C6BA-41DE-B6E2-8416F856E018}"/>
+                  <a16:creationId xmlns="" xmlns:a16="http://schemas.microsoft.com/office/drawing/2014/main" id="{CD696218-C6BA-41DE-B6E2-8416F856E018}"/>
                 </a:ext>
               </a:extLst>
             </p:cNvPr>
@@ -8626,7 +8626,7 @@
             <p:cNvPr id="13" name="직선 연결선 12">
               <a:extLst>
                 <a:ext uri="{FF2B5EF4-FFF2-40B4-BE49-F238E27FC236}">
-                  <a16:creationId xmlns:a16="http://schemas.microsoft.com/office/drawing/2014/main" xmlns="" id="{15F30200-2129-40AA-8B9C-8ADC62F88473}"/>
+                  <a16:creationId xmlns="" xmlns:a16="http://schemas.microsoft.com/office/drawing/2014/main" id="{15F30200-2129-40AA-8B9C-8ADC62F88473}"/>
                 </a:ext>
               </a:extLst>
             </p:cNvPr>
@@ -8669,7 +8669,7 @@
             <p:cNvPr id="14" name="직선 연결선 13">
               <a:extLst>
                 <a:ext uri="{FF2B5EF4-FFF2-40B4-BE49-F238E27FC236}">
-                  <a16:creationId xmlns:a16="http://schemas.microsoft.com/office/drawing/2014/main" xmlns="" id="{19C29F19-1F66-40B5-98FB-E12B45B2D33A}"/>
+                  <a16:creationId xmlns="" xmlns:a16="http://schemas.microsoft.com/office/drawing/2014/main" id="{19C29F19-1F66-40B5-98FB-E12B45B2D33A}"/>
                 </a:ext>
               </a:extLst>
             </p:cNvPr>
@@ -8713,7 +8713,7 @@
           <p:cNvPr id="15" name="TextBox 14">
             <a:extLst>
               <a:ext uri="{FF2B5EF4-FFF2-40B4-BE49-F238E27FC236}">
-                <a16:creationId xmlns:a16="http://schemas.microsoft.com/office/drawing/2014/main" xmlns="" id="{14D14242-45C1-4883-AD5E-B74D7A88FC8C}"/>
+                <a16:creationId xmlns="" xmlns:a16="http://schemas.microsoft.com/office/drawing/2014/main" id="{14D14242-45C1-4883-AD5E-B74D7A88FC8C}"/>
               </a:ext>
             </a:extLst>
           </p:cNvPr>
@@ -8758,7 +8758,7 @@
           <p:cNvPr id="16" name="Picture 3" descr="C:\Users\Owner\Desktop\제목 없s음.jpg">
             <a:extLst>
               <a:ext uri="{FF2B5EF4-FFF2-40B4-BE49-F238E27FC236}">
-                <a16:creationId xmlns:a16="http://schemas.microsoft.com/office/drawing/2014/main" xmlns="" id="{47FEF26C-3706-42E6-A683-4214FB945EE1}"/>
+                <a16:creationId xmlns="" xmlns:a16="http://schemas.microsoft.com/office/drawing/2014/main" id="{47FEF26C-3706-42E6-A683-4214FB945EE1}"/>
               </a:ext>
             </a:extLst>
           </p:cNvPr>
@@ -8805,7 +8805,7 @@
           <p:cNvPr id="18" name="TextBox 17">
             <a:extLst>
               <a:ext uri="{FF2B5EF4-FFF2-40B4-BE49-F238E27FC236}">
-                <a16:creationId xmlns:a16="http://schemas.microsoft.com/office/drawing/2014/main" xmlns="" id="{96DC2F1F-EA54-4075-8412-22A04BF0EE03}"/>
+                <a16:creationId xmlns="" xmlns:a16="http://schemas.microsoft.com/office/drawing/2014/main" id="{96DC2F1F-EA54-4075-8412-22A04BF0EE03}"/>
               </a:ext>
             </a:extLst>
           </p:cNvPr>
@@ -8878,7 +8878,7 @@
           <p:cNvPr id="19" name="TextBox 18">
             <a:extLst>
               <a:ext uri="{FF2B5EF4-FFF2-40B4-BE49-F238E27FC236}">
-                <a16:creationId xmlns:a16="http://schemas.microsoft.com/office/drawing/2014/main" xmlns="" id="{64554C7B-BDC2-4A3A-AD2D-EC54E45705F7}"/>
+                <a16:creationId xmlns="" xmlns:a16="http://schemas.microsoft.com/office/drawing/2014/main" id="{64554C7B-BDC2-4A3A-AD2D-EC54E45705F7}"/>
               </a:ext>
             </a:extLst>
           </p:cNvPr>
@@ -8941,7 +8941,7 @@
           <p:cNvPr id="23" name="TextBox 22">
             <a:extLst>
               <a:ext uri="{FF2B5EF4-FFF2-40B4-BE49-F238E27FC236}">
-                <a16:creationId xmlns:a16="http://schemas.microsoft.com/office/drawing/2014/main" xmlns="" id="{7BD8F61A-E14C-41D5-A8F2-F0E2C8561837}"/>
+                <a16:creationId xmlns="" xmlns:a16="http://schemas.microsoft.com/office/drawing/2014/main" id="{7BD8F61A-E14C-41D5-A8F2-F0E2C8561837}"/>
               </a:ext>
             </a:extLst>
           </p:cNvPr>
@@ -8997,7 +8997,7 @@
           <p:cNvPr id="22" name="그림 21">
             <a:extLst>
               <a:ext uri="{FF2B5EF4-FFF2-40B4-BE49-F238E27FC236}">
-                <a16:creationId xmlns:a16="http://schemas.microsoft.com/office/drawing/2014/main" xmlns="" id="{EFCA340C-0AE6-4F09-B1A0-C5B307D6B3D4}"/>
+                <a16:creationId xmlns="" xmlns:a16="http://schemas.microsoft.com/office/drawing/2014/main" id="{EFCA340C-0AE6-4F09-B1A0-C5B307D6B3D4}"/>
               </a:ext>
             </a:extLst>
           </p:cNvPr>
@@ -9057,7 +9057,7 @@
           <p:cNvPr id="16" name="Picture 2" descr="C:\Users\Owner\Desktop\제목 ww우노없sw음.jpg">
             <a:extLst>
               <a:ext uri="{FF2B5EF4-FFF2-40B4-BE49-F238E27FC236}">
-                <a16:creationId xmlns:a16="http://schemas.microsoft.com/office/drawing/2014/main" xmlns="" id="{23A88ECC-8D29-4190-A925-1FDF02BFC967}"/>
+                <a16:creationId xmlns="" xmlns:a16="http://schemas.microsoft.com/office/drawing/2014/main" id="{23A88ECC-8D29-4190-A925-1FDF02BFC967}"/>
               </a:ext>
             </a:extLst>
           </p:cNvPr>
@@ -9104,7 +9104,7 @@
           <p:cNvPr id="36" name="직사각형 35">
             <a:extLst>
               <a:ext uri="{FF2B5EF4-FFF2-40B4-BE49-F238E27FC236}">
-                <a16:creationId xmlns:a16="http://schemas.microsoft.com/office/drawing/2014/main" xmlns="" id="{F3D0F8E4-CE1A-4FE5-B4D8-0E9A54D61F05}"/>
+                <a16:creationId xmlns="" xmlns:a16="http://schemas.microsoft.com/office/drawing/2014/main" id="{F3D0F8E4-CE1A-4FE5-B4D8-0E9A54D61F05}"/>
               </a:ext>
             </a:extLst>
           </p:cNvPr>
@@ -9163,7 +9163,7 @@
           <p:cNvPr id="10" name="그룹 9">
             <a:extLst>
               <a:ext uri="{FF2B5EF4-FFF2-40B4-BE49-F238E27FC236}">
-                <a16:creationId xmlns:a16="http://schemas.microsoft.com/office/drawing/2014/main" xmlns="" id="{8D674A83-BCB9-4E61-B483-99AA1C9EADCD}"/>
+                <a16:creationId xmlns="" xmlns:a16="http://schemas.microsoft.com/office/drawing/2014/main" id="{8D674A83-BCB9-4E61-B483-99AA1C9EADCD}"/>
               </a:ext>
             </a:extLst>
           </p:cNvPr>
@@ -9183,7 +9183,7 @@
             <p:cNvPr id="7" name="직선 연결선 6">
               <a:extLst>
                 <a:ext uri="{FF2B5EF4-FFF2-40B4-BE49-F238E27FC236}">
-                  <a16:creationId xmlns:a16="http://schemas.microsoft.com/office/drawing/2014/main" xmlns="" id="{00E67A09-8F5F-41D1-808B-763DF1C3C3AA}"/>
+                  <a16:creationId xmlns="" xmlns:a16="http://schemas.microsoft.com/office/drawing/2014/main" id="{00E67A09-8F5F-41D1-808B-763DF1C3C3AA}"/>
                 </a:ext>
               </a:extLst>
             </p:cNvPr>
@@ -9224,7 +9224,7 @@
             <p:cNvPr id="8" name="직선 연결선 7">
               <a:extLst>
                 <a:ext uri="{FF2B5EF4-FFF2-40B4-BE49-F238E27FC236}">
-                  <a16:creationId xmlns:a16="http://schemas.microsoft.com/office/drawing/2014/main" xmlns="" id="{30C79DEC-86D4-4107-BE74-1A2A863C74BA}"/>
+                  <a16:creationId xmlns="" xmlns:a16="http://schemas.microsoft.com/office/drawing/2014/main" id="{30C79DEC-86D4-4107-BE74-1A2A863C74BA}"/>
                 </a:ext>
               </a:extLst>
             </p:cNvPr>
@@ -9267,7 +9267,7 @@
             <p:cNvPr id="9" name="직선 연결선 8">
               <a:extLst>
                 <a:ext uri="{FF2B5EF4-FFF2-40B4-BE49-F238E27FC236}">
-                  <a16:creationId xmlns:a16="http://schemas.microsoft.com/office/drawing/2014/main" xmlns="" id="{34B64C44-8612-4CDC-A475-0BF6E4F3CC84}"/>
+                  <a16:creationId xmlns="" xmlns:a16="http://schemas.microsoft.com/office/drawing/2014/main" id="{34B64C44-8612-4CDC-A475-0BF6E4F3CC84}"/>
                 </a:ext>
               </a:extLst>
             </p:cNvPr>
@@ -9311,7 +9311,7 @@
           <p:cNvPr id="11" name="그룹 10">
             <a:extLst>
               <a:ext uri="{FF2B5EF4-FFF2-40B4-BE49-F238E27FC236}">
-                <a16:creationId xmlns:a16="http://schemas.microsoft.com/office/drawing/2014/main" xmlns="" id="{5D9E95C4-9DC2-47C1-A898-9331DB6C5F48}"/>
+                <a16:creationId xmlns="" xmlns:a16="http://schemas.microsoft.com/office/drawing/2014/main" id="{5D9E95C4-9DC2-47C1-A898-9331DB6C5F48}"/>
               </a:ext>
             </a:extLst>
           </p:cNvPr>
@@ -9331,7 +9331,7 @@
             <p:cNvPr id="12" name="직선 연결선 11">
               <a:extLst>
                 <a:ext uri="{FF2B5EF4-FFF2-40B4-BE49-F238E27FC236}">
-                  <a16:creationId xmlns:a16="http://schemas.microsoft.com/office/drawing/2014/main" xmlns="" id="{CD696218-C6BA-41DE-B6E2-8416F856E018}"/>
+                  <a16:creationId xmlns="" xmlns:a16="http://schemas.microsoft.com/office/drawing/2014/main" id="{CD696218-C6BA-41DE-B6E2-8416F856E018}"/>
                 </a:ext>
               </a:extLst>
             </p:cNvPr>
@@ -9372,7 +9372,7 @@
             <p:cNvPr id="13" name="직선 연결선 12">
               <a:extLst>
                 <a:ext uri="{FF2B5EF4-FFF2-40B4-BE49-F238E27FC236}">
-                  <a16:creationId xmlns:a16="http://schemas.microsoft.com/office/drawing/2014/main" xmlns="" id="{15F30200-2129-40AA-8B9C-8ADC62F88473}"/>
+                  <a16:creationId xmlns="" xmlns:a16="http://schemas.microsoft.com/office/drawing/2014/main" id="{15F30200-2129-40AA-8B9C-8ADC62F88473}"/>
                 </a:ext>
               </a:extLst>
             </p:cNvPr>
@@ -9415,7 +9415,7 @@
             <p:cNvPr id="14" name="직선 연결선 13">
               <a:extLst>
                 <a:ext uri="{FF2B5EF4-FFF2-40B4-BE49-F238E27FC236}">
-                  <a16:creationId xmlns:a16="http://schemas.microsoft.com/office/drawing/2014/main" xmlns="" id="{19C29F19-1F66-40B5-98FB-E12B45B2D33A}"/>
+                  <a16:creationId xmlns="" xmlns:a16="http://schemas.microsoft.com/office/drawing/2014/main" id="{19C29F19-1F66-40B5-98FB-E12B45B2D33A}"/>
                 </a:ext>
               </a:extLst>
             </p:cNvPr>
@@ -9459,7 +9459,7 @@
           <p:cNvPr id="15" name="TextBox 14">
             <a:extLst>
               <a:ext uri="{FF2B5EF4-FFF2-40B4-BE49-F238E27FC236}">
-                <a16:creationId xmlns:a16="http://schemas.microsoft.com/office/drawing/2014/main" xmlns="" id="{14D14242-45C1-4883-AD5E-B74D7A88FC8C}"/>
+                <a16:creationId xmlns="" xmlns:a16="http://schemas.microsoft.com/office/drawing/2014/main" id="{14D14242-45C1-4883-AD5E-B74D7A88FC8C}"/>
               </a:ext>
             </a:extLst>
           </p:cNvPr>
@@ -9504,7 +9504,7 @@
           <p:cNvPr id="19" name="TextBox 18">
             <a:extLst>
               <a:ext uri="{FF2B5EF4-FFF2-40B4-BE49-F238E27FC236}">
-                <a16:creationId xmlns:a16="http://schemas.microsoft.com/office/drawing/2014/main" xmlns="" id="{F234CFF0-64E2-43C1-9EA1-B63216984CFA}"/>
+                <a16:creationId xmlns="" xmlns:a16="http://schemas.microsoft.com/office/drawing/2014/main" id="{F234CFF0-64E2-43C1-9EA1-B63216984CFA}"/>
               </a:ext>
             </a:extLst>
           </p:cNvPr>
@@ -9563,7 +9563,7 @@
           <p:cNvPr id="22" name="그림 21">
             <a:extLst>
               <a:ext uri="{FF2B5EF4-FFF2-40B4-BE49-F238E27FC236}">
-                <a16:creationId xmlns:a16="http://schemas.microsoft.com/office/drawing/2014/main" xmlns="" id="{E71C4B5E-3AEC-475B-A090-ED2879158311}"/>
+                <a16:creationId xmlns="" xmlns:a16="http://schemas.microsoft.com/office/drawing/2014/main" id="{E71C4B5E-3AEC-475B-A090-ED2879158311}"/>
               </a:ext>
             </a:extLst>
           </p:cNvPr>
@@ -9593,7 +9593,7 @@
           <p:cNvPr id="24" name="그림 23">
             <a:extLst>
               <a:ext uri="{FF2B5EF4-FFF2-40B4-BE49-F238E27FC236}">
-                <a16:creationId xmlns:a16="http://schemas.microsoft.com/office/drawing/2014/main" xmlns="" id="{EFCA340C-0AE6-4F09-B1A0-C5B307D6B3D4}"/>
+                <a16:creationId xmlns="" xmlns:a16="http://schemas.microsoft.com/office/drawing/2014/main" id="{EFCA340C-0AE6-4F09-B1A0-C5B307D6B3D4}"/>
               </a:ext>
             </a:extLst>
           </p:cNvPr>
@@ -9653,7 +9653,7 @@
           <p:cNvPr id="22" name="Picture 2" descr="C:\Users\Owner\Desktop\제나노ㅇㅇ음.jpg">
             <a:extLst>
               <a:ext uri="{FF2B5EF4-FFF2-40B4-BE49-F238E27FC236}">
-                <a16:creationId xmlns:a16="http://schemas.microsoft.com/office/drawing/2014/main" xmlns="" id="{2F353DCB-5B06-4257-9636-0B720361FD3D}"/>
+                <a16:creationId xmlns="" xmlns:a16="http://schemas.microsoft.com/office/drawing/2014/main" id="{2F353DCB-5B06-4257-9636-0B720361FD3D}"/>
               </a:ext>
             </a:extLst>
           </p:cNvPr>
@@ -9700,7 +9700,7 @@
           <p:cNvPr id="23" name="Picture 3" descr="C:\Users\Owner\Desktop\블루투스.jpg">
             <a:extLst>
               <a:ext uri="{FF2B5EF4-FFF2-40B4-BE49-F238E27FC236}">
-                <a16:creationId xmlns:a16="http://schemas.microsoft.com/office/drawing/2014/main" xmlns="" id="{4C24267C-5B95-4224-85C0-ACC457ADADA1}"/>
+                <a16:creationId xmlns="" xmlns:a16="http://schemas.microsoft.com/office/drawing/2014/main" id="{4C24267C-5B95-4224-85C0-ACC457ADADA1}"/>
               </a:ext>
             </a:extLst>
           </p:cNvPr>
@@ -9747,7 +9747,7 @@
           <p:cNvPr id="3" name="그림 2">
             <a:extLst>
               <a:ext uri="{FF2B5EF4-FFF2-40B4-BE49-F238E27FC236}">
-                <a16:creationId xmlns:a16="http://schemas.microsoft.com/office/drawing/2014/main" xmlns="" id="{249BF145-375B-4B46-B975-6CC19F2E984F}"/>
+                <a16:creationId xmlns="" xmlns:a16="http://schemas.microsoft.com/office/drawing/2014/main" id="{249BF145-375B-4B46-B975-6CC19F2E984F}"/>
               </a:ext>
             </a:extLst>
           </p:cNvPr>
@@ -9777,7 +9777,7 @@
           <p:cNvPr id="5" name="그림 4">
             <a:extLst>
               <a:ext uri="{FF2B5EF4-FFF2-40B4-BE49-F238E27FC236}">
-                <a16:creationId xmlns:a16="http://schemas.microsoft.com/office/drawing/2014/main" xmlns="" id="{3DD7C9E5-2BC6-4D10-9952-AAE6B1277BF8}"/>
+                <a16:creationId xmlns="" xmlns:a16="http://schemas.microsoft.com/office/drawing/2014/main" id="{3DD7C9E5-2BC6-4D10-9952-AAE6B1277BF8}"/>
               </a:ext>
             </a:extLst>
           </p:cNvPr>
@@ -9807,7 +9807,7 @@
           <p:cNvPr id="2" name="그림 1">
             <a:extLst>
               <a:ext uri="{FF2B5EF4-FFF2-40B4-BE49-F238E27FC236}">
-                <a16:creationId xmlns:a16="http://schemas.microsoft.com/office/drawing/2014/main" xmlns="" id="{83076CD3-EEF6-4704-9DDD-1C372850A8C0}"/>
+                <a16:creationId xmlns="" xmlns:a16="http://schemas.microsoft.com/office/drawing/2014/main" id="{83076CD3-EEF6-4704-9DDD-1C372850A8C0}"/>
               </a:ext>
             </a:extLst>
           </p:cNvPr>
@@ -9837,7 +9837,7 @@
           <p:cNvPr id="36" name="직사각형 35">
             <a:extLst>
               <a:ext uri="{FF2B5EF4-FFF2-40B4-BE49-F238E27FC236}">
-                <a16:creationId xmlns:a16="http://schemas.microsoft.com/office/drawing/2014/main" xmlns="" id="{F3D0F8E4-CE1A-4FE5-B4D8-0E9A54D61F05}"/>
+                <a16:creationId xmlns="" xmlns:a16="http://schemas.microsoft.com/office/drawing/2014/main" id="{F3D0F8E4-CE1A-4FE5-B4D8-0E9A54D61F05}"/>
               </a:ext>
             </a:extLst>
           </p:cNvPr>
@@ -9896,7 +9896,7 @@
           <p:cNvPr id="10" name="그룹 9">
             <a:extLst>
               <a:ext uri="{FF2B5EF4-FFF2-40B4-BE49-F238E27FC236}">
-                <a16:creationId xmlns:a16="http://schemas.microsoft.com/office/drawing/2014/main" xmlns="" id="{8D674A83-BCB9-4E61-B483-99AA1C9EADCD}"/>
+                <a16:creationId xmlns="" xmlns:a16="http://schemas.microsoft.com/office/drawing/2014/main" id="{8D674A83-BCB9-4E61-B483-99AA1C9EADCD}"/>
               </a:ext>
             </a:extLst>
           </p:cNvPr>
@@ -9916,7 +9916,7 @@
             <p:cNvPr id="7" name="직선 연결선 6">
               <a:extLst>
                 <a:ext uri="{FF2B5EF4-FFF2-40B4-BE49-F238E27FC236}">
-                  <a16:creationId xmlns:a16="http://schemas.microsoft.com/office/drawing/2014/main" xmlns="" id="{00E67A09-8F5F-41D1-808B-763DF1C3C3AA}"/>
+                  <a16:creationId xmlns="" xmlns:a16="http://schemas.microsoft.com/office/drawing/2014/main" id="{00E67A09-8F5F-41D1-808B-763DF1C3C3AA}"/>
                 </a:ext>
               </a:extLst>
             </p:cNvPr>
@@ -9957,7 +9957,7 @@
             <p:cNvPr id="8" name="직선 연결선 7">
               <a:extLst>
                 <a:ext uri="{FF2B5EF4-FFF2-40B4-BE49-F238E27FC236}">
-                  <a16:creationId xmlns:a16="http://schemas.microsoft.com/office/drawing/2014/main" xmlns="" id="{30C79DEC-86D4-4107-BE74-1A2A863C74BA}"/>
+                  <a16:creationId xmlns="" xmlns:a16="http://schemas.microsoft.com/office/drawing/2014/main" id="{30C79DEC-86D4-4107-BE74-1A2A863C74BA}"/>
                 </a:ext>
               </a:extLst>
             </p:cNvPr>
@@ -10000,7 +10000,7 @@
             <p:cNvPr id="9" name="직선 연결선 8">
               <a:extLst>
                 <a:ext uri="{FF2B5EF4-FFF2-40B4-BE49-F238E27FC236}">
-                  <a16:creationId xmlns:a16="http://schemas.microsoft.com/office/drawing/2014/main" xmlns="" id="{34B64C44-8612-4CDC-A475-0BF6E4F3CC84}"/>
+                  <a16:creationId xmlns="" xmlns:a16="http://schemas.microsoft.com/office/drawing/2014/main" id="{34B64C44-8612-4CDC-A475-0BF6E4F3CC84}"/>
                 </a:ext>
               </a:extLst>
             </p:cNvPr>
@@ -10044,7 +10044,7 @@
           <p:cNvPr id="11" name="그룹 10">
             <a:extLst>
               <a:ext uri="{FF2B5EF4-FFF2-40B4-BE49-F238E27FC236}">
-                <a16:creationId xmlns:a16="http://schemas.microsoft.com/office/drawing/2014/main" xmlns="" id="{5D9E95C4-9DC2-47C1-A898-9331DB6C5F48}"/>
+                <a16:creationId xmlns="" xmlns:a16="http://schemas.microsoft.com/office/drawing/2014/main" id="{5D9E95C4-9DC2-47C1-A898-9331DB6C5F48}"/>
               </a:ext>
             </a:extLst>
           </p:cNvPr>
@@ -10064,7 +10064,7 @@
             <p:cNvPr id="12" name="직선 연결선 11">
               <a:extLst>
                 <a:ext uri="{FF2B5EF4-FFF2-40B4-BE49-F238E27FC236}">
-                  <a16:creationId xmlns:a16="http://schemas.microsoft.com/office/drawing/2014/main" xmlns="" id="{CD696218-C6BA-41DE-B6E2-8416F856E018}"/>
+                  <a16:creationId xmlns="" xmlns:a16="http://schemas.microsoft.com/office/drawing/2014/main" id="{CD696218-C6BA-41DE-B6E2-8416F856E018}"/>
                 </a:ext>
               </a:extLst>
             </p:cNvPr>
@@ -10105,7 +10105,7 @@
             <p:cNvPr id="13" name="직선 연결선 12">
               <a:extLst>
                 <a:ext uri="{FF2B5EF4-FFF2-40B4-BE49-F238E27FC236}">
-                  <a16:creationId xmlns:a16="http://schemas.microsoft.com/office/drawing/2014/main" xmlns="" id="{15F30200-2129-40AA-8B9C-8ADC62F88473}"/>
+                  <a16:creationId xmlns="" xmlns:a16="http://schemas.microsoft.com/office/drawing/2014/main" id="{15F30200-2129-40AA-8B9C-8ADC62F88473}"/>
                 </a:ext>
               </a:extLst>
             </p:cNvPr>
@@ -10148,7 +10148,7 @@
             <p:cNvPr id="14" name="직선 연결선 13">
               <a:extLst>
                 <a:ext uri="{FF2B5EF4-FFF2-40B4-BE49-F238E27FC236}">
-                  <a16:creationId xmlns:a16="http://schemas.microsoft.com/office/drawing/2014/main" xmlns="" id="{19C29F19-1F66-40B5-98FB-E12B45B2D33A}"/>
+                  <a16:creationId xmlns="" xmlns:a16="http://schemas.microsoft.com/office/drawing/2014/main" id="{19C29F19-1F66-40B5-98FB-E12B45B2D33A}"/>
                 </a:ext>
               </a:extLst>
             </p:cNvPr>
@@ -10192,7 +10192,7 @@
           <p:cNvPr id="15" name="TextBox 14">
             <a:extLst>
               <a:ext uri="{FF2B5EF4-FFF2-40B4-BE49-F238E27FC236}">
-                <a16:creationId xmlns:a16="http://schemas.microsoft.com/office/drawing/2014/main" xmlns="" id="{14D14242-45C1-4883-AD5E-B74D7A88FC8C}"/>
+                <a16:creationId xmlns="" xmlns:a16="http://schemas.microsoft.com/office/drawing/2014/main" id="{14D14242-45C1-4883-AD5E-B74D7A88FC8C}"/>
               </a:ext>
             </a:extLst>
           </p:cNvPr>
@@ -10237,7 +10237,7 @@
           <p:cNvPr id="25" name="TextBox 24">
             <a:extLst>
               <a:ext uri="{FF2B5EF4-FFF2-40B4-BE49-F238E27FC236}">
-                <a16:creationId xmlns:a16="http://schemas.microsoft.com/office/drawing/2014/main" xmlns="" id="{F5AFBFA1-8986-4FA0-B8E7-1246DEBB2457}"/>
+                <a16:creationId xmlns="" xmlns:a16="http://schemas.microsoft.com/office/drawing/2014/main" id="{F5AFBFA1-8986-4FA0-B8E7-1246DEBB2457}"/>
               </a:ext>
             </a:extLst>
           </p:cNvPr>
@@ -10304,7 +10304,7 @@
           <p:cNvPr id="26" name="TextBox 25">
             <a:extLst>
               <a:ext uri="{FF2B5EF4-FFF2-40B4-BE49-F238E27FC236}">
-                <a16:creationId xmlns:a16="http://schemas.microsoft.com/office/drawing/2014/main" xmlns="" id="{A4A2E8AF-B8AC-4128-B822-9AAACB3D15D8}"/>
+                <a16:creationId xmlns="" xmlns:a16="http://schemas.microsoft.com/office/drawing/2014/main" id="{A4A2E8AF-B8AC-4128-B822-9AAACB3D15D8}"/>
               </a:ext>
             </a:extLst>
           </p:cNvPr>
@@ -10378,7 +10378,7 @@
           <p:cNvPr id="27" name="TextBox 26">
             <a:extLst>
               <a:ext uri="{FF2B5EF4-FFF2-40B4-BE49-F238E27FC236}">
-                <a16:creationId xmlns:a16="http://schemas.microsoft.com/office/drawing/2014/main" xmlns="" id="{CE0D9718-CE6F-4D25-9477-E10B18E91E80}"/>
+                <a16:creationId xmlns="" xmlns:a16="http://schemas.microsoft.com/office/drawing/2014/main" id="{CE0D9718-CE6F-4D25-9477-E10B18E91E80}"/>
               </a:ext>
             </a:extLst>
           </p:cNvPr>
@@ -10445,7 +10445,7 @@
           <p:cNvPr id="32" name="TextBox 31">
             <a:extLst>
               <a:ext uri="{FF2B5EF4-FFF2-40B4-BE49-F238E27FC236}">
-                <a16:creationId xmlns:a16="http://schemas.microsoft.com/office/drawing/2014/main" xmlns="" id="{AB4C8452-7552-4E3A-A114-AF288268E1A0}"/>
+                <a16:creationId xmlns="" xmlns:a16="http://schemas.microsoft.com/office/drawing/2014/main" id="{AB4C8452-7552-4E3A-A114-AF288268E1A0}"/>
               </a:ext>
             </a:extLst>
           </p:cNvPr>
@@ -10545,7 +10545,7 @@
           <p:cNvPr id="33" name="TextBox 32">
             <a:extLst>
               <a:ext uri="{FF2B5EF4-FFF2-40B4-BE49-F238E27FC236}">
-                <a16:creationId xmlns:a16="http://schemas.microsoft.com/office/drawing/2014/main" xmlns="" id="{8D776FB6-DF8D-44ED-BDD0-67EB1883F2CE}"/>
+                <a16:creationId xmlns="" xmlns:a16="http://schemas.microsoft.com/office/drawing/2014/main" id="{8D776FB6-DF8D-44ED-BDD0-67EB1883F2CE}"/>
               </a:ext>
             </a:extLst>
           </p:cNvPr>
@@ -10633,7 +10633,7 @@
           <p:cNvPr id="34" name="TextBox 33">
             <a:extLst>
               <a:ext uri="{FF2B5EF4-FFF2-40B4-BE49-F238E27FC236}">
-                <a16:creationId xmlns:a16="http://schemas.microsoft.com/office/drawing/2014/main" xmlns="" id="{25B754E4-39D2-41B2-A58C-174E92B2F219}"/>
+                <a16:creationId xmlns="" xmlns:a16="http://schemas.microsoft.com/office/drawing/2014/main" id="{25B754E4-39D2-41B2-A58C-174E92B2F219}"/>
               </a:ext>
             </a:extLst>
           </p:cNvPr>
@@ -10720,7 +10720,7 @@
           <p:cNvPr id="28" name="TextBox 27">
             <a:extLst>
               <a:ext uri="{FF2B5EF4-FFF2-40B4-BE49-F238E27FC236}">
-                <a16:creationId xmlns:a16="http://schemas.microsoft.com/office/drawing/2014/main" xmlns="" id="{9B0181A7-F509-4D5A-B384-2D8B51D92F95}"/>
+                <a16:creationId xmlns="" xmlns:a16="http://schemas.microsoft.com/office/drawing/2014/main" id="{9B0181A7-F509-4D5A-B384-2D8B51D92F95}"/>
               </a:ext>
             </a:extLst>
           </p:cNvPr>
@@ -10797,7 +10797,7 @@
           <p:cNvPr id="29" name="TextBox 28">
             <a:extLst>
               <a:ext uri="{FF2B5EF4-FFF2-40B4-BE49-F238E27FC236}">
-                <a16:creationId xmlns:a16="http://schemas.microsoft.com/office/drawing/2014/main" xmlns="" id="{6A09D0D9-2F55-4084-96FA-6381A0E527BD}"/>
+                <a16:creationId xmlns="" xmlns:a16="http://schemas.microsoft.com/office/drawing/2014/main" id="{6A09D0D9-2F55-4084-96FA-6381A0E527BD}"/>
               </a:ext>
             </a:extLst>
           </p:cNvPr>
@@ -10849,7 +10849,7 @@
           <p:cNvPr id="30" name="TextBox 29">
             <a:extLst>
               <a:ext uri="{FF2B5EF4-FFF2-40B4-BE49-F238E27FC236}">
-                <a16:creationId xmlns:a16="http://schemas.microsoft.com/office/drawing/2014/main" xmlns="" id="{2F5AEDAB-E2FF-4FD5-AAAB-88C3EEBCB491}"/>
+                <a16:creationId xmlns="" xmlns:a16="http://schemas.microsoft.com/office/drawing/2014/main" id="{2F5AEDAB-E2FF-4FD5-AAAB-88C3EEBCB491}"/>
               </a:ext>
             </a:extLst>
           </p:cNvPr>
@@ -10909,7 +10909,7 @@
           <p:cNvPr id="31" name="TextBox 30">
             <a:extLst>
               <a:ext uri="{FF2B5EF4-FFF2-40B4-BE49-F238E27FC236}">
-                <a16:creationId xmlns:a16="http://schemas.microsoft.com/office/drawing/2014/main" xmlns="" id="{9F844240-839E-482E-A582-BCD06FB13E3D}"/>
+                <a16:creationId xmlns="" xmlns:a16="http://schemas.microsoft.com/office/drawing/2014/main" id="{9F844240-839E-482E-A582-BCD06FB13E3D}"/>
               </a:ext>
             </a:extLst>
           </p:cNvPr>
@@ -10984,7 +10984,7 @@
           <p:cNvPr id="37" name="그림 36">
             <a:extLst>
               <a:ext uri="{FF2B5EF4-FFF2-40B4-BE49-F238E27FC236}">
-                <a16:creationId xmlns:a16="http://schemas.microsoft.com/office/drawing/2014/main" xmlns="" id="{EFCA340C-0AE6-4F09-B1A0-C5B307D6B3D4}"/>
+                <a16:creationId xmlns="" xmlns:a16="http://schemas.microsoft.com/office/drawing/2014/main" id="{EFCA340C-0AE6-4F09-B1A0-C5B307D6B3D4}"/>
               </a:ext>
             </a:extLst>
           </p:cNvPr>
@@ -11044,7 +11044,7 @@
           <p:cNvPr id="36" name="직사각형 35">
             <a:extLst>
               <a:ext uri="{FF2B5EF4-FFF2-40B4-BE49-F238E27FC236}">
-                <a16:creationId xmlns:a16="http://schemas.microsoft.com/office/drawing/2014/main" xmlns="" id="{F3D0F8E4-CE1A-4FE5-B4D8-0E9A54D61F05}"/>
+                <a16:creationId xmlns="" xmlns:a16="http://schemas.microsoft.com/office/drawing/2014/main" id="{F3D0F8E4-CE1A-4FE5-B4D8-0E9A54D61F05}"/>
               </a:ext>
             </a:extLst>
           </p:cNvPr>
@@ -11103,7 +11103,7 @@
           <p:cNvPr id="10" name="그룹 9">
             <a:extLst>
               <a:ext uri="{FF2B5EF4-FFF2-40B4-BE49-F238E27FC236}">
-                <a16:creationId xmlns:a16="http://schemas.microsoft.com/office/drawing/2014/main" xmlns="" id="{8D674A83-BCB9-4E61-B483-99AA1C9EADCD}"/>
+                <a16:creationId xmlns="" xmlns:a16="http://schemas.microsoft.com/office/drawing/2014/main" id="{8D674A83-BCB9-4E61-B483-99AA1C9EADCD}"/>
               </a:ext>
             </a:extLst>
           </p:cNvPr>
@@ -11123,7 +11123,7 @@
             <p:cNvPr id="7" name="직선 연결선 6">
               <a:extLst>
                 <a:ext uri="{FF2B5EF4-FFF2-40B4-BE49-F238E27FC236}">
-                  <a16:creationId xmlns:a16="http://schemas.microsoft.com/office/drawing/2014/main" xmlns="" id="{00E67A09-8F5F-41D1-808B-763DF1C3C3AA}"/>
+                  <a16:creationId xmlns="" xmlns:a16="http://schemas.microsoft.com/office/drawing/2014/main" id="{00E67A09-8F5F-41D1-808B-763DF1C3C3AA}"/>
                 </a:ext>
               </a:extLst>
             </p:cNvPr>
@@ -11164,7 +11164,7 @@
             <p:cNvPr id="8" name="직선 연결선 7">
               <a:extLst>
                 <a:ext uri="{FF2B5EF4-FFF2-40B4-BE49-F238E27FC236}">
-                  <a16:creationId xmlns:a16="http://schemas.microsoft.com/office/drawing/2014/main" xmlns="" id="{30C79DEC-86D4-4107-BE74-1A2A863C74BA}"/>
+                  <a16:creationId xmlns="" xmlns:a16="http://schemas.microsoft.com/office/drawing/2014/main" id="{30C79DEC-86D4-4107-BE74-1A2A863C74BA}"/>
                 </a:ext>
               </a:extLst>
             </p:cNvPr>
@@ -11207,7 +11207,7 @@
             <p:cNvPr id="9" name="직선 연결선 8">
               <a:extLst>
                 <a:ext uri="{FF2B5EF4-FFF2-40B4-BE49-F238E27FC236}">
-                  <a16:creationId xmlns:a16="http://schemas.microsoft.com/office/drawing/2014/main" xmlns="" id="{34B64C44-8612-4CDC-A475-0BF6E4F3CC84}"/>
+                  <a16:creationId xmlns="" xmlns:a16="http://schemas.microsoft.com/office/drawing/2014/main" id="{34B64C44-8612-4CDC-A475-0BF6E4F3CC84}"/>
                 </a:ext>
               </a:extLst>
             </p:cNvPr>
@@ -11251,7 +11251,7 @@
           <p:cNvPr id="11" name="그룹 10">
             <a:extLst>
               <a:ext uri="{FF2B5EF4-FFF2-40B4-BE49-F238E27FC236}">
-                <a16:creationId xmlns:a16="http://schemas.microsoft.com/office/drawing/2014/main" xmlns="" id="{5D9E95C4-9DC2-47C1-A898-9331DB6C5F48}"/>
+                <a16:creationId xmlns="" xmlns:a16="http://schemas.microsoft.com/office/drawing/2014/main" id="{5D9E95C4-9DC2-47C1-A898-9331DB6C5F48}"/>
               </a:ext>
             </a:extLst>
           </p:cNvPr>
@@ -11271,7 +11271,7 @@
             <p:cNvPr id="12" name="직선 연결선 11">
               <a:extLst>
                 <a:ext uri="{FF2B5EF4-FFF2-40B4-BE49-F238E27FC236}">
-                  <a16:creationId xmlns:a16="http://schemas.microsoft.com/office/drawing/2014/main" xmlns="" id="{CD696218-C6BA-41DE-B6E2-8416F856E018}"/>
+                  <a16:creationId xmlns="" xmlns:a16="http://schemas.microsoft.com/office/drawing/2014/main" id="{CD696218-C6BA-41DE-B6E2-8416F856E018}"/>
                 </a:ext>
               </a:extLst>
             </p:cNvPr>
@@ -11312,7 +11312,7 @@
             <p:cNvPr id="13" name="직선 연결선 12">
               <a:extLst>
                 <a:ext uri="{FF2B5EF4-FFF2-40B4-BE49-F238E27FC236}">
-                  <a16:creationId xmlns:a16="http://schemas.microsoft.com/office/drawing/2014/main" xmlns="" id="{15F30200-2129-40AA-8B9C-8ADC62F88473}"/>
+                  <a16:creationId xmlns="" xmlns:a16="http://schemas.microsoft.com/office/drawing/2014/main" id="{15F30200-2129-40AA-8B9C-8ADC62F88473}"/>
                 </a:ext>
               </a:extLst>
             </p:cNvPr>
@@ -11355,7 +11355,7 @@
             <p:cNvPr id="14" name="직선 연결선 13">
               <a:extLst>
                 <a:ext uri="{FF2B5EF4-FFF2-40B4-BE49-F238E27FC236}">
-                  <a16:creationId xmlns:a16="http://schemas.microsoft.com/office/drawing/2014/main" xmlns="" id="{19C29F19-1F66-40B5-98FB-E12B45B2D33A}"/>
+                  <a16:creationId xmlns="" xmlns:a16="http://schemas.microsoft.com/office/drawing/2014/main" id="{19C29F19-1F66-40B5-98FB-E12B45B2D33A}"/>
                 </a:ext>
               </a:extLst>
             </p:cNvPr>
@@ -11399,7 +11399,7 @@
           <p:cNvPr id="15" name="TextBox 14">
             <a:extLst>
               <a:ext uri="{FF2B5EF4-FFF2-40B4-BE49-F238E27FC236}">
-                <a16:creationId xmlns:a16="http://schemas.microsoft.com/office/drawing/2014/main" xmlns="" id="{14D14242-45C1-4883-AD5E-B74D7A88FC8C}"/>
+                <a16:creationId xmlns="" xmlns:a16="http://schemas.microsoft.com/office/drawing/2014/main" id="{14D14242-45C1-4883-AD5E-B74D7A88FC8C}"/>
               </a:ext>
             </a:extLst>
           </p:cNvPr>
@@ -11444,7 +11444,7 @@
           <p:cNvPr id="3" name="그룹 2">
             <a:extLst>
               <a:ext uri="{FF2B5EF4-FFF2-40B4-BE49-F238E27FC236}">
-                <a16:creationId xmlns:a16="http://schemas.microsoft.com/office/drawing/2014/main" xmlns="" id="{F732C5E4-FBB4-43B6-90A4-212CA4BE285E}"/>
+                <a16:creationId xmlns="" xmlns:a16="http://schemas.microsoft.com/office/drawing/2014/main" id="{F732C5E4-FBB4-43B6-90A4-212CA4BE285E}"/>
               </a:ext>
             </a:extLst>
           </p:cNvPr>
@@ -11464,7 +11464,7 @@
             <p:cNvPr id="18" name="TextBox 17">
               <a:extLst>
                 <a:ext uri="{FF2B5EF4-FFF2-40B4-BE49-F238E27FC236}">
-                  <a16:creationId xmlns:a16="http://schemas.microsoft.com/office/drawing/2014/main" xmlns="" id="{27BA7C30-DF34-4359-9E1C-1E8EF06E5E0D}"/>
+                  <a16:creationId xmlns="" xmlns:a16="http://schemas.microsoft.com/office/drawing/2014/main" id="{27BA7C30-DF34-4359-9E1C-1E8EF06E5E0D}"/>
                 </a:ext>
               </a:extLst>
             </p:cNvPr>
@@ -11541,7 +11541,7 @@
             <p:cNvPr id="19" name="TextBox 18">
               <a:extLst>
                 <a:ext uri="{FF2B5EF4-FFF2-40B4-BE49-F238E27FC236}">
-                  <a16:creationId xmlns:a16="http://schemas.microsoft.com/office/drawing/2014/main" xmlns="" id="{D333F9AB-550E-457A-9E2A-EB4B59F1AE5C}"/>
+                  <a16:creationId xmlns="" xmlns:a16="http://schemas.microsoft.com/office/drawing/2014/main" id="{D333F9AB-550E-457A-9E2A-EB4B59F1AE5C}"/>
                 </a:ext>
               </a:extLst>
             </p:cNvPr>
@@ -11590,7 +11590,7 @@
             <p:cNvPr id="20" name="TextBox 19">
               <a:extLst>
                 <a:ext uri="{FF2B5EF4-FFF2-40B4-BE49-F238E27FC236}">
-                  <a16:creationId xmlns:a16="http://schemas.microsoft.com/office/drawing/2014/main" xmlns="" id="{90F83336-D06B-4DA0-8AE2-7A59D3EEEAC5}"/>
+                  <a16:creationId xmlns="" xmlns:a16="http://schemas.microsoft.com/office/drawing/2014/main" id="{90F83336-D06B-4DA0-8AE2-7A59D3EEEAC5}"/>
                 </a:ext>
               </a:extLst>
             </p:cNvPr>
@@ -11632,7 +11632,7 @@
             <p:cNvPr id="21" name="TextBox 20">
               <a:extLst>
                 <a:ext uri="{FF2B5EF4-FFF2-40B4-BE49-F238E27FC236}">
-                  <a16:creationId xmlns:a16="http://schemas.microsoft.com/office/drawing/2014/main" xmlns="" id="{AC039DFB-3367-40DE-A89B-54AE36D9AC1A}"/>
+                  <a16:creationId xmlns="" xmlns:a16="http://schemas.microsoft.com/office/drawing/2014/main" id="{AC039DFB-3367-40DE-A89B-54AE36D9AC1A}"/>
                 </a:ext>
               </a:extLst>
             </p:cNvPr>
@@ -11681,7 +11681,7 @@
             <p:cNvPr id="22" name="TextBox 21">
               <a:extLst>
                 <a:ext uri="{FF2B5EF4-FFF2-40B4-BE49-F238E27FC236}">
-                  <a16:creationId xmlns:a16="http://schemas.microsoft.com/office/drawing/2014/main" xmlns="" id="{0404563D-EF9B-44EA-BC32-CD6A7057A38F}"/>
+                  <a16:creationId xmlns="" xmlns:a16="http://schemas.microsoft.com/office/drawing/2014/main" id="{0404563D-EF9B-44EA-BC32-CD6A7057A38F}"/>
                 </a:ext>
               </a:extLst>
             </p:cNvPr>
@@ -11730,7 +11730,7 @@
             <p:cNvPr id="23" name="TextBox 22">
               <a:extLst>
                 <a:ext uri="{FF2B5EF4-FFF2-40B4-BE49-F238E27FC236}">
-                  <a16:creationId xmlns:a16="http://schemas.microsoft.com/office/drawing/2014/main" xmlns="" id="{F55CE719-192C-4842-8D5E-6E8AAADD994F}"/>
+                  <a16:creationId xmlns="" xmlns:a16="http://schemas.microsoft.com/office/drawing/2014/main" id="{F55CE719-192C-4842-8D5E-6E8AAADD994F}"/>
                 </a:ext>
               </a:extLst>
             </p:cNvPr>
@@ -11786,7 +11786,7 @@
             <p:cNvPr id="24" name="TextBox 23">
               <a:extLst>
                 <a:ext uri="{FF2B5EF4-FFF2-40B4-BE49-F238E27FC236}">
-                  <a16:creationId xmlns:a16="http://schemas.microsoft.com/office/drawing/2014/main" xmlns="" id="{70A21014-4702-43BE-AA06-E59233C6B692}"/>
+                  <a16:creationId xmlns="" xmlns:a16="http://schemas.microsoft.com/office/drawing/2014/main" id="{70A21014-4702-43BE-AA06-E59233C6B692}"/>
                 </a:ext>
               </a:extLst>
             </p:cNvPr>
@@ -11864,7 +11864,7 @@
           <p:cNvPr id="26" name="그림 25">
             <a:extLst>
               <a:ext uri="{FF2B5EF4-FFF2-40B4-BE49-F238E27FC236}">
-                <a16:creationId xmlns:a16="http://schemas.microsoft.com/office/drawing/2014/main" xmlns="" id="{EFCA340C-0AE6-4F09-B1A0-C5B307D6B3D4}"/>
+                <a16:creationId xmlns="" xmlns:a16="http://schemas.microsoft.com/office/drawing/2014/main" id="{EFCA340C-0AE6-4F09-B1A0-C5B307D6B3D4}"/>
               </a:ext>
             </a:extLst>
           </p:cNvPr>
@@ -11924,7 +11924,7 @@
           <p:cNvPr id="36" name="직사각형 35">
             <a:extLst>
               <a:ext uri="{FF2B5EF4-FFF2-40B4-BE49-F238E27FC236}">
-                <a16:creationId xmlns:a16="http://schemas.microsoft.com/office/drawing/2014/main" xmlns="" id="{F3D0F8E4-CE1A-4FE5-B4D8-0E9A54D61F05}"/>
+                <a16:creationId xmlns="" xmlns:a16="http://schemas.microsoft.com/office/drawing/2014/main" id="{F3D0F8E4-CE1A-4FE5-B4D8-0E9A54D61F05}"/>
               </a:ext>
             </a:extLst>
           </p:cNvPr>
@@ -11983,7 +11983,7 @@
           <p:cNvPr id="10" name="그룹 9">
             <a:extLst>
               <a:ext uri="{FF2B5EF4-FFF2-40B4-BE49-F238E27FC236}">
-                <a16:creationId xmlns:a16="http://schemas.microsoft.com/office/drawing/2014/main" xmlns="" id="{8D674A83-BCB9-4E61-B483-99AA1C9EADCD}"/>
+                <a16:creationId xmlns="" xmlns:a16="http://schemas.microsoft.com/office/drawing/2014/main" id="{8D674A83-BCB9-4E61-B483-99AA1C9EADCD}"/>
               </a:ext>
             </a:extLst>
           </p:cNvPr>
@@ -12003,7 +12003,7 @@
             <p:cNvPr id="7" name="직선 연결선 6">
               <a:extLst>
                 <a:ext uri="{FF2B5EF4-FFF2-40B4-BE49-F238E27FC236}">
-                  <a16:creationId xmlns:a16="http://schemas.microsoft.com/office/drawing/2014/main" xmlns="" id="{00E67A09-8F5F-41D1-808B-763DF1C3C3AA}"/>
+                  <a16:creationId xmlns="" xmlns:a16="http://schemas.microsoft.com/office/drawing/2014/main" id="{00E67A09-8F5F-41D1-808B-763DF1C3C3AA}"/>
                 </a:ext>
               </a:extLst>
             </p:cNvPr>
@@ -12044,7 +12044,7 @@
             <p:cNvPr id="8" name="직선 연결선 7">
               <a:extLst>
                 <a:ext uri="{FF2B5EF4-FFF2-40B4-BE49-F238E27FC236}">
-                  <a16:creationId xmlns:a16="http://schemas.microsoft.com/office/drawing/2014/main" xmlns="" id="{30C79DEC-86D4-4107-BE74-1A2A863C74BA}"/>
+                  <a16:creationId xmlns="" xmlns:a16="http://schemas.microsoft.com/office/drawing/2014/main" id="{30C79DEC-86D4-4107-BE74-1A2A863C74BA}"/>
                 </a:ext>
               </a:extLst>
             </p:cNvPr>
@@ -12087,7 +12087,7 @@
             <p:cNvPr id="9" name="직선 연결선 8">
               <a:extLst>
                 <a:ext uri="{FF2B5EF4-FFF2-40B4-BE49-F238E27FC236}">
-                  <a16:creationId xmlns:a16="http://schemas.microsoft.com/office/drawing/2014/main" xmlns="" id="{34B64C44-8612-4CDC-A475-0BF6E4F3CC84}"/>
+                  <a16:creationId xmlns="" xmlns:a16="http://schemas.microsoft.com/office/drawing/2014/main" id="{34B64C44-8612-4CDC-A475-0BF6E4F3CC84}"/>
                 </a:ext>
               </a:extLst>
             </p:cNvPr>
@@ -12131,7 +12131,7 @@
           <p:cNvPr id="11" name="그룹 10">
             <a:extLst>
               <a:ext uri="{FF2B5EF4-FFF2-40B4-BE49-F238E27FC236}">
-                <a16:creationId xmlns:a16="http://schemas.microsoft.com/office/drawing/2014/main" xmlns="" id="{5D9E95C4-9DC2-47C1-A898-9331DB6C5F48}"/>
+                <a16:creationId xmlns="" xmlns:a16="http://schemas.microsoft.com/office/drawing/2014/main" id="{5D9E95C4-9DC2-47C1-A898-9331DB6C5F48}"/>
               </a:ext>
             </a:extLst>
           </p:cNvPr>
@@ -12151,7 +12151,7 @@
             <p:cNvPr id="12" name="직선 연결선 11">
               <a:extLst>
                 <a:ext uri="{FF2B5EF4-FFF2-40B4-BE49-F238E27FC236}">
-                  <a16:creationId xmlns:a16="http://schemas.microsoft.com/office/drawing/2014/main" xmlns="" id="{CD696218-C6BA-41DE-B6E2-8416F856E018}"/>
+                  <a16:creationId xmlns="" xmlns:a16="http://schemas.microsoft.com/office/drawing/2014/main" id="{CD696218-C6BA-41DE-B6E2-8416F856E018}"/>
                 </a:ext>
               </a:extLst>
             </p:cNvPr>
@@ -12192,7 +12192,7 @@
             <p:cNvPr id="13" name="직선 연결선 12">
               <a:extLst>
                 <a:ext uri="{FF2B5EF4-FFF2-40B4-BE49-F238E27FC236}">
-                  <a16:creationId xmlns:a16="http://schemas.microsoft.com/office/drawing/2014/main" xmlns="" id="{15F30200-2129-40AA-8B9C-8ADC62F88473}"/>
+                  <a16:creationId xmlns="" xmlns:a16="http://schemas.microsoft.com/office/drawing/2014/main" id="{15F30200-2129-40AA-8B9C-8ADC62F88473}"/>
                 </a:ext>
               </a:extLst>
             </p:cNvPr>
@@ -12235,7 +12235,7 @@
             <p:cNvPr id="14" name="직선 연결선 13">
               <a:extLst>
                 <a:ext uri="{FF2B5EF4-FFF2-40B4-BE49-F238E27FC236}">
-                  <a16:creationId xmlns:a16="http://schemas.microsoft.com/office/drawing/2014/main" xmlns="" id="{19C29F19-1F66-40B5-98FB-E12B45B2D33A}"/>
+                  <a16:creationId xmlns="" xmlns:a16="http://schemas.microsoft.com/office/drawing/2014/main" id="{19C29F19-1F66-40B5-98FB-E12B45B2D33A}"/>
                 </a:ext>
               </a:extLst>
             </p:cNvPr>
@@ -12279,7 +12279,7 @@
           <p:cNvPr id="15" name="TextBox 14">
             <a:extLst>
               <a:ext uri="{FF2B5EF4-FFF2-40B4-BE49-F238E27FC236}">
-                <a16:creationId xmlns:a16="http://schemas.microsoft.com/office/drawing/2014/main" xmlns="" id="{14D14242-45C1-4883-AD5E-B74D7A88FC8C}"/>
+                <a16:creationId xmlns="" xmlns:a16="http://schemas.microsoft.com/office/drawing/2014/main" id="{14D14242-45C1-4883-AD5E-B74D7A88FC8C}"/>
               </a:ext>
             </a:extLst>
           </p:cNvPr>
@@ -12324,7 +12324,7 @@
           <p:cNvPr id="28" name="표 27">
             <a:extLst>
               <a:ext uri="{FF2B5EF4-FFF2-40B4-BE49-F238E27FC236}">
-                <a16:creationId xmlns:a16="http://schemas.microsoft.com/office/drawing/2014/main" xmlns="" id="{1B8C520E-5F87-4DA4-83B6-D567C840E4A0}"/>
+                <a16:creationId xmlns="" xmlns:a16="http://schemas.microsoft.com/office/drawing/2014/main" id="{1B8C520E-5F87-4DA4-83B6-D567C840E4A0}"/>
               </a:ext>
             </a:extLst>
           </p:cNvPr>
@@ -12353,35 +12353,35 @@
                 <a:gridCol w="1986203">
                   <a:extLst>
                     <a:ext uri="{9D8B030D-6E8A-4147-A177-3AD203B41FA5}">
-                      <a16:colId xmlns:a16="http://schemas.microsoft.com/office/drawing/2014/main" xmlns="" val="2575353964"/>
+                      <a16:colId xmlns="" xmlns:a16="http://schemas.microsoft.com/office/drawing/2014/main" val="2575353964"/>
                     </a:ext>
                   </a:extLst>
                 </a:gridCol>
                 <a:gridCol w="1986203">
                   <a:extLst>
                     <a:ext uri="{9D8B030D-6E8A-4147-A177-3AD203B41FA5}">
-                      <a16:colId xmlns:a16="http://schemas.microsoft.com/office/drawing/2014/main" xmlns="" val="1420312147"/>
+                      <a16:colId xmlns="" xmlns:a16="http://schemas.microsoft.com/office/drawing/2014/main" val="1420312147"/>
                     </a:ext>
                   </a:extLst>
                 </a:gridCol>
                 <a:gridCol w="1986203">
                   <a:extLst>
                     <a:ext uri="{9D8B030D-6E8A-4147-A177-3AD203B41FA5}">
-                      <a16:colId xmlns:a16="http://schemas.microsoft.com/office/drawing/2014/main" xmlns="" val="970730218"/>
+                      <a16:colId xmlns="" xmlns:a16="http://schemas.microsoft.com/office/drawing/2014/main" val="970730218"/>
                     </a:ext>
                   </a:extLst>
                 </a:gridCol>
                 <a:gridCol w="1986203">
                   <a:extLst>
                     <a:ext uri="{9D8B030D-6E8A-4147-A177-3AD203B41FA5}">
-                      <a16:colId xmlns:a16="http://schemas.microsoft.com/office/drawing/2014/main" xmlns="" val="3016258225"/>
+                      <a16:colId xmlns="" xmlns:a16="http://schemas.microsoft.com/office/drawing/2014/main" val="3016258225"/>
                     </a:ext>
                   </a:extLst>
                 </a:gridCol>
                 <a:gridCol w="1986203">
                   <a:extLst>
                     <a:ext uri="{9D8B030D-6E8A-4147-A177-3AD203B41FA5}">
-                      <a16:colId xmlns:a16="http://schemas.microsoft.com/office/drawing/2014/main" xmlns="" val="3341023494"/>
+                      <a16:colId xmlns="" xmlns:a16="http://schemas.microsoft.com/office/drawing/2014/main" val="3341023494"/>
                     </a:ext>
                   </a:extLst>
                 </a:gridCol>
@@ -12528,7 +12528,7 @@
                 </a:tc>
                 <a:extLst>
                   <a:ext uri="{0D108BD9-81ED-4DB2-BD59-A6C34878D82A}">
-                    <a16:rowId xmlns:a16="http://schemas.microsoft.com/office/drawing/2014/main" xmlns="" val="3211176118"/>
+                    <a16:rowId xmlns="" xmlns:a16="http://schemas.microsoft.com/office/drawing/2014/main" val="3211176118"/>
                   </a:ext>
                 </a:extLst>
               </a:tr>
@@ -12781,7 +12781,7 @@
                 </a:tc>
                 <a:extLst>
                   <a:ext uri="{0D108BD9-81ED-4DB2-BD59-A6C34878D82A}">
-                    <a16:rowId xmlns:a16="http://schemas.microsoft.com/office/drawing/2014/main" xmlns="" val="1948181719"/>
+                    <a16:rowId xmlns="" xmlns:a16="http://schemas.microsoft.com/office/drawing/2014/main" val="1948181719"/>
                   </a:ext>
                 </a:extLst>
               </a:tr>
@@ -13004,7 +13004,7 @@
                 </a:tc>
                 <a:extLst>
                   <a:ext uri="{0D108BD9-81ED-4DB2-BD59-A6C34878D82A}">
-                    <a16:rowId xmlns:a16="http://schemas.microsoft.com/office/drawing/2014/main" xmlns="" val="168867912"/>
+                    <a16:rowId xmlns="" xmlns:a16="http://schemas.microsoft.com/office/drawing/2014/main" val="168867912"/>
                   </a:ext>
                 </a:extLst>
               </a:tr>
@@ -13131,7 +13131,7 @@
                 </a:tc>
                 <a:extLst>
                   <a:ext uri="{0D108BD9-81ED-4DB2-BD59-A6C34878D82A}">
-                    <a16:rowId xmlns:a16="http://schemas.microsoft.com/office/drawing/2014/main" xmlns="" val="556451738"/>
+                    <a16:rowId xmlns="" xmlns:a16="http://schemas.microsoft.com/office/drawing/2014/main" val="556451738"/>
                   </a:ext>
                 </a:extLst>
               </a:tr>
@@ -13289,7 +13289,7 @@
                 </a:tc>
                 <a:extLst>
                   <a:ext uri="{0D108BD9-81ED-4DB2-BD59-A6C34878D82A}">
-                    <a16:rowId xmlns:a16="http://schemas.microsoft.com/office/drawing/2014/main" xmlns="" val="736829375"/>
+                    <a16:rowId xmlns="" xmlns:a16="http://schemas.microsoft.com/office/drawing/2014/main" val="736829375"/>
                   </a:ext>
                 </a:extLst>
               </a:tr>
@@ -13302,7 +13302,7 @@
           <p:cNvPr id="17" name="그림 16">
             <a:extLst>
               <a:ext uri="{FF2B5EF4-FFF2-40B4-BE49-F238E27FC236}">
-                <a16:creationId xmlns:a16="http://schemas.microsoft.com/office/drawing/2014/main" xmlns="" id="{EFCA340C-0AE6-4F09-B1A0-C5B307D6B3D4}"/>
+                <a16:creationId xmlns="" xmlns:a16="http://schemas.microsoft.com/office/drawing/2014/main" id="{EFCA340C-0AE6-4F09-B1A0-C5B307D6B3D4}"/>
               </a:ext>
             </a:extLst>
           </p:cNvPr>
@@ -13362,7 +13362,7 @@
           <p:cNvPr id="36" name="직사각형 35">
             <a:extLst>
               <a:ext uri="{FF2B5EF4-FFF2-40B4-BE49-F238E27FC236}">
-                <a16:creationId xmlns:a16="http://schemas.microsoft.com/office/drawing/2014/main" xmlns="" id="{F3D0F8E4-CE1A-4FE5-B4D8-0E9A54D61F05}"/>
+                <a16:creationId xmlns="" xmlns:a16="http://schemas.microsoft.com/office/drawing/2014/main" id="{F3D0F8E4-CE1A-4FE5-B4D8-0E9A54D61F05}"/>
               </a:ext>
             </a:extLst>
           </p:cNvPr>
@@ -13421,7 +13421,7 @@
           <p:cNvPr id="10" name="그룹 9">
             <a:extLst>
               <a:ext uri="{FF2B5EF4-FFF2-40B4-BE49-F238E27FC236}">
-                <a16:creationId xmlns:a16="http://schemas.microsoft.com/office/drawing/2014/main" xmlns="" id="{8D674A83-BCB9-4E61-B483-99AA1C9EADCD}"/>
+                <a16:creationId xmlns="" xmlns:a16="http://schemas.microsoft.com/office/drawing/2014/main" id="{8D674A83-BCB9-4E61-B483-99AA1C9EADCD}"/>
               </a:ext>
             </a:extLst>
           </p:cNvPr>
@@ -13441,7 +13441,7 @@
             <p:cNvPr id="7" name="직선 연결선 6">
               <a:extLst>
                 <a:ext uri="{FF2B5EF4-FFF2-40B4-BE49-F238E27FC236}">
-                  <a16:creationId xmlns:a16="http://schemas.microsoft.com/office/drawing/2014/main" xmlns="" id="{00E67A09-8F5F-41D1-808B-763DF1C3C3AA}"/>
+                  <a16:creationId xmlns="" xmlns:a16="http://schemas.microsoft.com/office/drawing/2014/main" id="{00E67A09-8F5F-41D1-808B-763DF1C3C3AA}"/>
                 </a:ext>
               </a:extLst>
             </p:cNvPr>
@@ -13482,7 +13482,7 @@
             <p:cNvPr id="8" name="직선 연결선 7">
               <a:extLst>
                 <a:ext uri="{FF2B5EF4-FFF2-40B4-BE49-F238E27FC236}">
-                  <a16:creationId xmlns:a16="http://schemas.microsoft.com/office/drawing/2014/main" xmlns="" id="{30C79DEC-86D4-4107-BE74-1A2A863C74BA}"/>
+                  <a16:creationId xmlns="" xmlns:a16="http://schemas.microsoft.com/office/drawing/2014/main" id="{30C79DEC-86D4-4107-BE74-1A2A863C74BA}"/>
                 </a:ext>
               </a:extLst>
             </p:cNvPr>
@@ -13525,7 +13525,7 @@
             <p:cNvPr id="9" name="직선 연결선 8">
               <a:extLst>
                 <a:ext uri="{FF2B5EF4-FFF2-40B4-BE49-F238E27FC236}">
-                  <a16:creationId xmlns:a16="http://schemas.microsoft.com/office/drawing/2014/main" xmlns="" id="{34B64C44-8612-4CDC-A475-0BF6E4F3CC84}"/>
+                  <a16:creationId xmlns="" xmlns:a16="http://schemas.microsoft.com/office/drawing/2014/main" id="{34B64C44-8612-4CDC-A475-0BF6E4F3CC84}"/>
                 </a:ext>
               </a:extLst>
             </p:cNvPr>
@@ -13569,7 +13569,7 @@
           <p:cNvPr id="11" name="그룹 10">
             <a:extLst>
               <a:ext uri="{FF2B5EF4-FFF2-40B4-BE49-F238E27FC236}">
-                <a16:creationId xmlns:a16="http://schemas.microsoft.com/office/drawing/2014/main" xmlns="" id="{5D9E95C4-9DC2-47C1-A898-9331DB6C5F48}"/>
+                <a16:creationId xmlns="" xmlns:a16="http://schemas.microsoft.com/office/drawing/2014/main" id="{5D9E95C4-9DC2-47C1-A898-9331DB6C5F48}"/>
               </a:ext>
             </a:extLst>
           </p:cNvPr>
@@ -13589,7 +13589,7 @@
             <p:cNvPr id="12" name="직선 연결선 11">
               <a:extLst>
                 <a:ext uri="{FF2B5EF4-FFF2-40B4-BE49-F238E27FC236}">
-                  <a16:creationId xmlns:a16="http://schemas.microsoft.com/office/drawing/2014/main" xmlns="" id="{CD696218-C6BA-41DE-B6E2-8416F856E018}"/>
+                  <a16:creationId xmlns="" xmlns:a16="http://schemas.microsoft.com/office/drawing/2014/main" id="{CD696218-C6BA-41DE-B6E2-8416F856E018}"/>
                 </a:ext>
               </a:extLst>
             </p:cNvPr>
@@ -13630,7 +13630,7 @@
             <p:cNvPr id="13" name="직선 연결선 12">
               <a:extLst>
                 <a:ext uri="{FF2B5EF4-FFF2-40B4-BE49-F238E27FC236}">
-                  <a16:creationId xmlns:a16="http://schemas.microsoft.com/office/drawing/2014/main" xmlns="" id="{15F30200-2129-40AA-8B9C-8ADC62F88473}"/>
+                  <a16:creationId xmlns="" xmlns:a16="http://schemas.microsoft.com/office/drawing/2014/main" id="{15F30200-2129-40AA-8B9C-8ADC62F88473}"/>
                 </a:ext>
               </a:extLst>
             </p:cNvPr>
@@ -13673,7 +13673,7 @@
             <p:cNvPr id="14" name="직선 연결선 13">
               <a:extLst>
                 <a:ext uri="{FF2B5EF4-FFF2-40B4-BE49-F238E27FC236}">
-                  <a16:creationId xmlns:a16="http://schemas.microsoft.com/office/drawing/2014/main" xmlns="" id="{19C29F19-1F66-40B5-98FB-E12B45B2D33A}"/>
+                  <a16:creationId xmlns="" xmlns:a16="http://schemas.microsoft.com/office/drawing/2014/main" id="{19C29F19-1F66-40B5-98FB-E12B45B2D33A}"/>
                 </a:ext>
               </a:extLst>
             </p:cNvPr>
@@ -13717,7 +13717,7 @@
           <p:cNvPr id="15" name="TextBox 14">
             <a:extLst>
               <a:ext uri="{FF2B5EF4-FFF2-40B4-BE49-F238E27FC236}">
-                <a16:creationId xmlns:a16="http://schemas.microsoft.com/office/drawing/2014/main" xmlns="" id="{14D14242-45C1-4883-AD5E-B74D7A88FC8C}"/>
+                <a16:creationId xmlns="" xmlns:a16="http://schemas.microsoft.com/office/drawing/2014/main" id="{14D14242-45C1-4883-AD5E-B74D7A88FC8C}"/>
               </a:ext>
             </a:extLst>
           </p:cNvPr>
@@ -13762,7 +13762,7 @@
           <p:cNvPr id="24" name="표 23">
             <a:extLst>
               <a:ext uri="{FF2B5EF4-FFF2-40B4-BE49-F238E27FC236}">
-                <a16:creationId xmlns:a16="http://schemas.microsoft.com/office/drawing/2014/main" xmlns="" id="{4C877C2E-73CB-476F-AC3B-1E356833CED0}"/>
+                <a16:creationId xmlns="" xmlns:a16="http://schemas.microsoft.com/office/drawing/2014/main" id="{4C877C2E-73CB-476F-AC3B-1E356833CED0}"/>
               </a:ext>
             </a:extLst>
           </p:cNvPr>
@@ -13791,70 +13791,70 @@
                 <a:gridCol w="2071688">
                   <a:extLst>
                     <a:ext uri="{9D8B030D-6E8A-4147-A177-3AD203B41FA5}">
-                      <a16:colId xmlns:a16="http://schemas.microsoft.com/office/drawing/2014/main" xmlns="" val="2575353964"/>
+                      <a16:colId xmlns="" xmlns:a16="http://schemas.microsoft.com/office/drawing/2014/main" val="2575353964"/>
                     </a:ext>
                   </a:extLst>
                 </a:gridCol>
                 <a:gridCol w="3343276">
                   <a:extLst>
                     <a:ext uri="{9D8B030D-6E8A-4147-A177-3AD203B41FA5}">
-                      <a16:colId xmlns:a16="http://schemas.microsoft.com/office/drawing/2014/main" xmlns="" val="1420312147"/>
+                      <a16:colId xmlns="" xmlns:a16="http://schemas.microsoft.com/office/drawing/2014/main" val="1420312147"/>
                     </a:ext>
                   </a:extLst>
                 </a:gridCol>
                 <a:gridCol w="857250">
                   <a:extLst>
                     <a:ext uri="{9D8B030D-6E8A-4147-A177-3AD203B41FA5}">
-                      <a16:colId xmlns:a16="http://schemas.microsoft.com/office/drawing/2014/main" xmlns="" val="970730218"/>
+                      <a16:colId xmlns="" xmlns:a16="http://schemas.microsoft.com/office/drawing/2014/main" val="970730218"/>
                     </a:ext>
                   </a:extLst>
                 </a:gridCol>
                 <a:gridCol w="814387">
                   <a:extLst>
                     <a:ext uri="{9D8B030D-6E8A-4147-A177-3AD203B41FA5}">
-                      <a16:colId xmlns:a16="http://schemas.microsoft.com/office/drawing/2014/main" xmlns="" val="2842109103"/>
+                      <a16:colId xmlns="" xmlns:a16="http://schemas.microsoft.com/office/drawing/2014/main" val="2842109103"/>
                     </a:ext>
                   </a:extLst>
                 </a:gridCol>
                 <a:gridCol w="885825">
                   <a:extLst>
                     <a:ext uri="{9D8B030D-6E8A-4147-A177-3AD203B41FA5}">
-                      <a16:colId xmlns:a16="http://schemas.microsoft.com/office/drawing/2014/main" xmlns="" val="3016258225"/>
+                      <a16:colId xmlns="" xmlns:a16="http://schemas.microsoft.com/office/drawing/2014/main" val="3016258225"/>
                     </a:ext>
                   </a:extLst>
                 </a:gridCol>
                 <a:gridCol w="771525">
                   <a:extLst>
                     <a:ext uri="{9D8B030D-6E8A-4147-A177-3AD203B41FA5}">
-                      <a16:colId xmlns:a16="http://schemas.microsoft.com/office/drawing/2014/main" xmlns="" val="998142073"/>
+                      <a16:colId xmlns="" xmlns:a16="http://schemas.microsoft.com/office/drawing/2014/main" val="998142073"/>
                     </a:ext>
                   </a:extLst>
                 </a:gridCol>
                 <a:gridCol w="871538">
                   <a:extLst>
                     <a:ext uri="{9D8B030D-6E8A-4147-A177-3AD203B41FA5}">
-                      <a16:colId xmlns:a16="http://schemas.microsoft.com/office/drawing/2014/main" xmlns="" val="1314686403"/>
+                      <a16:colId xmlns="" xmlns:a16="http://schemas.microsoft.com/office/drawing/2014/main" val="1314686403"/>
                     </a:ext>
                   </a:extLst>
                 </a:gridCol>
                 <a:gridCol w="842962">
                   <a:extLst>
                     <a:ext uri="{9D8B030D-6E8A-4147-A177-3AD203B41FA5}">
-                      <a16:colId xmlns:a16="http://schemas.microsoft.com/office/drawing/2014/main" xmlns="" val="4092976628"/>
+                      <a16:colId xmlns="" xmlns:a16="http://schemas.microsoft.com/office/drawing/2014/main" val="4092976628"/>
                     </a:ext>
                   </a:extLst>
                 </a:gridCol>
                 <a:gridCol w="800100">
                   <a:extLst>
                     <a:ext uri="{9D8B030D-6E8A-4147-A177-3AD203B41FA5}">
-                      <a16:colId xmlns:a16="http://schemas.microsoft.com/office/drawing/2014/main" xmlns="" val="3341023494"/>
+                      <a16:colId xmlns="" xmlns:a16="http://schemas.microsoft.com/office/drawing/2014/main" val="3341023494"/>
                     </a:ext>
                   </a:extLst>
                 </a:gridCol>
                 <a:gridCol w="933449">
                   <a:extLst>
                     <a:ext uri="{9D8B030D-6E8A-4147-A177-3AD203B41FA5}">
-                      <a16:colId xmlns:a16="http://schemas.microsoft.com/office/drawing/2014/main" xmlns="" val="1011785800"/>
+                      <a16:colId xmlns="" xmlns:a16="http://schemas.microsoft.com/office/drawing/2014/main" val="1011785800"/>
                     </a:ext>
                   </a:extLst>
                 </a:gridCol>
@@ -14212,7 +14212,7 @@
                 </a:tc>
                 <a:extLst>
                   <a:ext uri="{0D108BD9-81ED-4DB2-BD59-A6C34878D82A}">
-                    <a16:rowId xmlns:a16="http://schemas.microsoft.com/office/drawing/2014/main" xmlns="" val="3211176118"/>
+                    <a16:rowId xmlns="" xmlns:a16="http://schemas.microsoft.com/office/drawing/2014/main" val="3211176118"/>
                   </a:ext>
                 </a:extLst>
               </a:tr>
@@ -14479,7 +14479,7 @@
                 </a:tc>
                 <a:extLst>
                   <a:ext uri="{0D108BD9-81ED-4DB2-BD59-A6C34878D82A}">
-                    <a16:rowId xmlns:a16="http://schemas.microsoft.com/office/drawing/2014/main" xmlns="" val="1948181719"/>
+                    <a16:rowId xmlns="" xmlns:a16="http://schemas.microsoft.com/office/drawing/2014/main" val="1948181719"/>
                   </a:ext>
                 </a:extLst>
               </a:tr>
@@ -14726,7 +14726,7 @@
                 </a:tc>
                 <a:extLst>
                   <a:ext uri="{0D108BD9-81ED-4DB2-BD59-A6C34878D82A}">
-                    <a16:rowId xmlns:a16="http://schemas.microsoft.com/office/drawing/2014/main" xmlns="" val="107047745"/>
+                    <a16:rowId xmlns="" xmlns:a16="http://schemas.microsoft.com/office/drawing/2014/main" val="107047745"/>
                   </a:ext>
                 </a:extLst>
               </a:tr>
@@ -15041,7 +15041,7 @@
                 </a:tc>
                 <a:extLst>
                   <a:ext uri="{0D108BD9-81ED-4DB2-BD59-A6C34878D82A}">
-                    <a16:rowId xmlns:a16="http://schemas.microsoft.com/office/drawing/2014/main" xmlns="" val="168867912"/>
+                    <a16:rowId xmlns="" xmlns:a16="http://schemas.microsoft.com/office/drawing/2014/main" val="168867912"/>
                   </a:ext>
                 </a:extLst>
               </a:tr>
@@ -15330,7 +15330,7 @@
                 </a:tc>
                 <a:extLst>
                   <a:ext uri="{0D108BD9-81ED-4DB2-BD59-A6C34878D82A}">
-                    <a16:rowId xmlns:a16="http://schemas.microsoft.com/office/drawing/2014/main" xmlns="" val="556451738"/>
+                    <a16:rowId xmlns="" xmlns:a16="http://schemas.microsoft.com/office/drawing/2014/main" val="556451738"/>
                   </a:ext>
                 </a:extLst>
               </a:tr>
@@ -15579,7 +15579,7 @@
                 </a:tc>
                 <a:extLst>
                   <a:ext uri="{0D108BD9-81ED-4DB2-BD59-A6C34878D82A}">
-                    <a16:rowId xmlns:a16="http://schemas.microsoft.com/office/drawing/2014/main" xmlns="" val="736829375"/>
+                    <a16:rowId xmlns="" xmlns:a16="http://schemas.microsoft.com/office/drawing/2014/main" val="736829375"/>
                   </a:ext>
                 </a:extLst>
               </a:tr>
@@ -15852,7 +15852,7 @@
                 </a:tc>
                 <a:extLst>
                   <a:ext uri="{0D108BD9-81ED-4DB2-BD59-A6C34878D82A}">
-                    <a16:rowId xmlns:a16="http://schemas.microsoft.com/office/drawing/2014/main" xmlns="" val="1155918013"/>
+                    <a16:rowId xmlns="" xmlns:a16="http://schemas.microsoft.com/office/drawing/2014/main" val="1155918013"/>
                   </a:ext>
                 </a:extLst>
               </a:tr>
@@ -16123,7 +16123,7 @@
                 </a:tc>
                 <a:extLst>
                   <a:ext uri="{0D108BD9-81ED-4DB2-BD59-A6C34878D82A}">
-                    <a16:rowId xmlns:a16="http://schemas.microsoft.com/office/drawing/2014/main" xmlns="" val="2903201263"/>
+                    <a16:rowId xmlns="" xmlns:a16="http://schemas.microsoft.com/office/drawing/2014/main" val="2903201263"/>
                   </a:ext>
                 </a:extLst>
               </a:tr>
@@ -16136,7 +16136,7 @@
           <p:cNvPr id="17" name="그림 16">
             <a:extLst>
               <a:ext uri="{FF2B5EF4-FFF2-40B4-BE49-F238E27FC236}">
-                <a16:creationId xmlns:a16="http://schemas.microsoft.com/office/drawing/2014/main" xmlns="" id="{EFCA340C-0AE6-4F09-B1A0-C5B307D6B3D4}"/>
+                <a16:creationId xmlns="" xmlns:a16="http://schemas.microsoft.com/office/drawing/2014/main" id="{EFCA340C-0AE6-4F09-B1A0-C5B307D6B3D4}"/>
               </a:ext>
             </a:extLst>
           </p:cNvPr>
@@ -16196,7 +16196,7 @@
           <p:cNvPr id="36" name="직사각형 35">
             <a:extLst>
               <a:ext uri="{FF2B5EF4-FFF2-40B4-BE49-F238E27FC236}">
-                <a16:creationId xmlns:a16="http://schemas.microsoft.com/office/drawing/2014/main" xmlns="" id="{F3D0F8E4-CE1A-4FE5-B4D8-0E9A54D61F05}"/>
+                <a16:creationId xmlns="" xmlns:a16="http://schemas.microsoft.com/office/drawing/2014/main" id="{F3D0F8E4-CE1A-4FE5-B4D8-0E9A54D61F05}"/>
               </a:ext>
             </a:extLst>
           </p:cNvPr>
@@ -16252,7 +16252,7 @@
           <p:cNvPr id="10" name="그룹 9">
             <a:extLst>
               <a:ext uri="{FF2B5EF4-FFF2-40B4-BE49-F238E27FC236}">
-                <a16:creationId xmlns:a16="http://schemas.microsoft.com/office/drawing/2014/main" xmlns="" id="{8D674A83-BCB9-4E61-B483-99AA1C9EADCD}"/>
+                <a16:creationId xmlns="" xmlns:a16="http://schemas.microsoft.com/office/drawing/2014/main" id="{8D674A83-BCB9-4E61-B483-99AA1C9EADCD}"/>
               </a:ext>
             </a:extLst>
           </p:cNvPr>
@@ -16272,7 +16272,7 @@
             <p:cNvPr id="7" name="직선 연결선 6">
               <a:extLst>
                 <a:ext uri="{FF2B5EF4-FFF2-40B4-BE49-F238E27FC236}">
-                  <a16:creationId xmlns:a16="http://schemas.microsoft.com/office/drawing/2014/main" xmlns="" id="{00E67A09-8F5F-41D1-808B-763DF1C3C3AA}"/>
+                  <a16:creationId xmlns="" xmlns:a16="http://schemas.microsoft.com/office/drawing/2014/main" id="{00E67A09-8F5F-41D1-808B-763DF1C3C3AA}"/>
                 </a:ext>
               </a:extLst>
             </p:cNvPr>
@@ -16313,7 +16313,7 @@
             <p:cNvPr id="8" name="직선 연결선 7">
               <a:extLst>
                 <a:ext uri="{FF2B5EF4-FFF2-40B4-BE49-F238E27FC236}">
-                  <a16:creationId xmlns:a16="http://schemas.microsoft.com/office/drawing/2014/main" xmlns="" id="{30C79DEC-86D4-4107-BE74-1A2A863C74BA}"/>
+                  <a16:creationId xmlns="" xmlns:a16="http://schemas.microsoft.com/office/drawing/2014/main" id="{30C79DEC-86D4-4107-BE74-1A2A863C74BA}"/>
                 </a:ext>
               </a:extLst>
             </p:cNvPr>
@@ -16356,7 +16356,7 @@
             <p:cNvPr id="9" name="직선 연결선 8">
               <a:extLst>
                 <a:ext uri="{FF2B5EF4-FFF2-40B4-BE49-F238E27FC236}">
-                  <a16:creationId xmlns:a16="http://schemas.microsoft.com/office/drawing/2014/main" xmlns="" id="{34B64C44-8612-4CDC-A475-0BF6E4F3CC84}"/>
+                  <a16:creationId xmlns="" xmlns:a16="http://schemas.microsoft.com/office/drawing/2014/main" id="{34B64C44-8612-4CDC-A475-0BF6E4F3CC84}"/>
                 </a:ext>
               </a:extLst>
             </p:cNvPr>
@@ -16400,7 +16400,7 @@
           <p:cNvPr id="11" name="그룹 10">
             <a:extLst>
               <a:ext uri="{FF2B5EF4-FFF2-40B4-BE49-F238E27FC236}">
-                <a16:creationId xmlns:a16="http://schemas.microsoft.com/office/drawing/2014/main" xmlns="" id="{5D9E95C4-9DC2-47C1-A898-9331DB6C5F48}"/>
+                <a16:creationId xmlns="" xmlns:a16="http://schemas.microsoft.com/office/drawing/2014/main" id="{5D9E95C4-9DC2-47C1-A898-9331DB6C5F48}"/>
               </a:ext>
             </a:extLst>
           </p:cNvPr>
@@ -16420,7 +16420,7 @@
             <p:cNvPr id="12" name="직선 연결선 11">
               <a:extLst>
                 <a:ext uri="{FF2B5EF4-FFF2-40B4-BE49-F238E27FC236}">
-                  <a16:creationId xmlns:a16="http://schemas.microsoft.com/office/drawing/2014/main" xmlns="" id="{CD696218-C6BA-41DE-B6E2-8416F856E018}"/>
+                  <a16:creationId xmlns="" xmlns:a16="http://schemas.microsoft.com/office/drawing/2014/main" id="{CD696218-C6BA-41DE-B6E2-8416F856E018}"/>
                 </a:ext>
               </a:extLst>
             </p:cNvPr>
@@ -16461,7 +16461,7 @@
             <p:cNvPr id="13" name="직선 연결선 12">
               <a:extLst>
                 <a:ext uri="{FF2B5EF4-FFF2-40B4-BE49-F238E27FC236}">
-                  <a16:creationId xmlns:a16="http://schemas.microsoft.com/office/drawing/2014/main" xmlns="" id="{15F30200-2129-40AA-8B9C-8ADC62F88473}"/>
+                  <a16:creationId xmlns="" xmlns:a16="http://schemas.microsoft.com/office/drawing/2014/main" id="{15F30200-2129-40AA-8B9C-8ADC62F88473}"/>
                 </a:ext>
               </a:extLst>
             </p:cNvPr>
@@ -16504,7 +16504,7 @@
             <p:cNvPr id="14" name="직선 연결선 13">
               <a:extLst>
                 <a:ext uri="{FF2B5EF4-FFF2-40B4-BE49-F238E27FC236}">
-                  <a16:creationId xmlns:a16="http://schemas.microsoft.com/office/drawing/2014/main" xmlns="" id="{19C29F19-1F66-40B5-98FB-E12B45B2D33A}"/>
+                  <a16:creationId xmlns="" xmlns:a16="http://schemas.microsoft.com/office/drawing/2014/main" id="{19C29F19-1F66-40B5-98FB-E12B45B2D33A}"/>
                 </a:ext>
               </a:extLst>
             </p:cNvPr>
@@ -16548,7 +16548,7 @@
           <p:cNvPr id="15" name="TextBox 14">
             <a:extLst>
               <a:ext uri="{FF2B5EF4-FFF2-40B4-BE49-F238E27FC236}">
-                <a16:creationId xmlns:a16="http://schemas.microsoft.com/office/drawing/2014/main" xmlns="" id="{14D14242-45C1-4883-AD5E-B74D7A88FC8C}"/>
+                <a16:creationId xmlns="" xmlns:a16="http://schemas.microsoft.com/office/drawing/2014/main" id="{14D14242-45C1-4883-AD5E-B74D7A88FC8C}"/>
               </a:ext>
             </a:extLst>
           </p:cNvPr>
@@ -16593,7 +16593,7 @@
           <p:cNvPr id="3" name="직사각형 2">
             <a:extLst>
               <a:ext uri="{FF2B5EF4-FFF2-40B4-BE49-F238E27FC236}">
-                <a16:creationId xmlns:a16="http://schemas.microsoft.com/office/drawing/2014/main" xmlns="" id="{3C9E0D8E-A518-47C2-A9DF-3C985B41A7E1}"/>
+                <a16:creationId xmlns="" xmlns:a16="http://schemas.microsoft.com/office/drawing/2014/main" id="{3C9E0D8E-A518-47C2-A9DF-3C985B41A7E1}"/>
               </a:ext>
             </a:extLst>
           </p:cNvPr>
@@ -16646,7 +16646,7 @@
           <p:cNvPr id="16" name="직사각형 15">
             <a:extLst>
               <a:ext uri="{FF2B5EF4-FFF2-40B4-BE49-F238E27FC236}">
-                <a16:creationId xmlns:a16="http://schemas.microsoft.com/office/drawing/2014/main" xmlns="" id="{C561365B-FF47-4DDC-8C0E-14187BB93E62}"/>
+                <a16:creationId xmlns="" xmlns:a16="http://schemas.microsoft.com/office/drawing/2014/main" id="{C561365B-FF47-4DDC-8C0E-14187BB93E62}"/>
               </a:ext>
             </a:extLst>
           </p:cNvPr>
@@ -16744,7 +16744,7 @@
           <p:cNvPr id="5" name="TextBox 4">
             <a:extLst>
               <a:ext uri="{FF2B5EF4-FFF2-40B4-BE49-F238E27FC236}">
-                <a16:creationId xmlns:a16="http://schemas.microsoft.com/office/drawing/2014/main" xmlns="" id="{FC8FF0CC-6D51-4E0B-B110-5E9C531046BD}"/>
+                <a16:creationId xmlns="" xmlns:a16="http://schemas.microsoft.com/office/drawing/2014/main" id="{FC8FF0CC-6D51-4E0B-B110-5E9C531046BD}"/>
               </a:ext>
             </a:extLst>
           </p:cNvPr>
@@ -16779,7 +16779,7 @@
           <p:cNvPr id="17" name="직사각형 16">
             <a:extLst>
               <a:ext uri="{FF2B5EF4-FFF2-40B4-BE49-F238E27FC236}">
-                <a16:creationId xmlns:a16="http://schemas.microsoft.com/office/drawing/2014/main" xmlns="" id="{2219FB5D-5002-43B4-9D3A-7DBAE5B296F2}"/>
+                <a16:creationId xmlns="" xmlns:a16="http://schemas.microsoft.com/office/drawing/2014/main" id="{2219FB5D-5002-43B4-9D3A-7DBAE5B296F2}"/>
               </a:ext>
             </a:extLst>
           </p:cNvPr>
@@ -16828,7 +16828,7 @@
           <p:cNvPr id="18" name="직사각형 17">
             <a:extLst>
               <a:ext uri="{FF2B5EF4-FFF2-40B4-BE49-F238E27FC236}">
-                <a16:creationId xmlns:a16="http://schemas.microsoft.com/office/drawing/2014/main" xmlns="" id="{5F48CD73-1B01-420F-894C-938BC512F851}"/>
+                <a16:creationId xmlns="" xmlns:a16="http://schemas.microsoft.com/office/drawing/2014/main" id="{5F48CD73-1B01-420F-894C-938BC512F851}"/>
               </a:ext>
             </a:extLst>
           </p:cNvPr>
@@ -16877,7 +16877,7 @@
           <p:cNvPr id="19" name="직사각형 18">
             <a:extLst>
               <a:ext uri="{FF2B5EF4-FFF2-40B4-BE49-F238E27FC236}">
-                <a16:creationId xmlns:a16="http://schemas.microsoft.com/office/drawing/2014/main" xmlns="" id="{296EFA3A-78D0-41FA-A76A-EFEA1626D3EE}"/>
+                <a16:creationId xmlns="" xmlns:a16="http://schemas.microsoft.com/office/drawing/2014/main" id="{296EFA3A-78D0-41FA-A76A-EFEA1626D3EE}"/>
               </a:ext>
             </a:extLst>
           </p:cNvPr>
@@ -16926,7 +16926,7 @@
           <p:cNvPr id="20" name="직사각형 19">
             <a:extLst>
               <a:ext uri="{FF2B5EF4-FFF2-40B4-BE49-F238E27FC236}">
-                <a16:creationId xmlns:a16="http://schemas.microsoft.com/office/drawing/2014/main" xmlns="" id="{FF108C98-8AE7-4437-81F3-D641119962A9}"/>
+                <a16:creationId xmlns="" xmlns:a16="http://schemas.microsoft.com/office/drawing/2014/main" id="{FF108C98-8AE7-4437-81F3-D641119962A9}"/>
               </a:ext>
             </a:extLst>
           </p:cNvPr>
@@ -16975,7 +16975,7 @@
           <p:cNvPr id="22" name="그림 21">
             <a:extLst>
               <a:ext uri="{FF2B5EF4-FFF2-40B4-BE49-F238E27FC236}">
-                <a16:creationId xmlns:a16="http://schemas.microsoft.com/office/drawing/2014/main" xmlns="" id="{EFCA340C-0AE6-4F09-B1A0-C5B307D6B3D4}"/>
+                <a16:creationId xmlns="" xmlns:a16="http://schemas.microsoft.com/office/drawing/2014/main" id="{EFCA340C-0AE6-4F09-B1A0-C5B307D6B3D4}"/>
               </a:ext>
             </a:extLst>
           </p:cNvPr>
@@ -17035,7 +17035,7 @@
           <p:cNvPr id="36" name="직사각형 35">
             <a:extLst>
               <a:ext uri="{FF2B5EF4-FFF2-40B4-BE49-F238E27FC236}">
-                <a16:creationId xmlns:a16="http://schemas.microsoft.com/office/drawing/2014/main" xmlns="" id="{F3D0F8E4-CE1A-4FE5-B4D8-0E9A54D61F05}"/>
+                <a16:creationId xmlns="" xmlns:a16="http://schemas.microsoft.com/office/drawing/2014/main" id="{F3D0F8E4-CE1A-4FE5-B4D8-0E9A54D61F05}"/>
               </a:ext>
             </a:extLst>
           </p:cNvPr>
@@ -17101,7 +17101,7 @@
           <p:cNvPr id="10" name="그룹 9">
             <a:extLst>
               <a:ext uri="{FF2B5EF4-FFF2-40B4-BE49-F238E27FC236}">
-                <a16:creationId xmlns:a16="http://schemas.microsoft.com/office/drawing/2014/main" xmlns="" id="{8D674A83-BCB9-4E61-B483-99AA1C9EADCD}"/>
+                <a16:creationId xmlns="" xmlns:a16="http://schemas.microsoft.com/office/drawing/2014/main" id="{8D674A83-BCB9-4E61-B483-99AA1C9EADCD}"/>
               </a:ext>
             </a:extLst>
           </p:cNvPr>
@@ -17121,7 +17121,7 @@
             <p:cNvPr id="7" name="직선 연결선 6">
               <a:extLst>
                 <a:ext uri="{FF2B5EF4-FFF2-40B4-BE49-F238E27FC236}">
-                  <a16:creationId xmlns:a16="http://schemas.microsoft.com/office/drawing/2014/main" xmlns="" id="{00E67A09-8F5F-41D1-808B-763DF1C3C3AA}"/>
+                  <a16:creationId xmlns="" xmlns:a16="http://schemas.microsoft.com/office/drawing/2014/main" id="{00E67A09-8F5F-41D1-808B-763DF1C3C3AA}"/>
                 </a:ext>
               </a:extLst>
             </p:cNvPr>
@@ -17162,7 +17162,7 @@
             <p:cNvPr id="8" name="직선 연결선 7">
               <a:extLst>
                 <a:ext uri="{FF2B5EF4-FFF2-40B4-BE49-F238E27FC236}">
-                  <a16:creationId xmlns:a16="http://schemas.microsoft.com/office/drawing/2014/main" xmlns="" id="{30C79DEC-86D4-4107-BE74-1A2A863C74BA}"/>
+                  <a16:creationId xmlns="" xmlns:a16="http://schemas.microsoft.com/office/drawing/2014/main" id="{30C79DEC-86D4-4107-BE74-1A2A863C74BA}"/>
                 </a:ext>
               </a:extLst>
             </p:cNvPr>
@@ -17205,7 +17205,7 @@
             <p:cNvPr id="9" name="직선 연결선 8">
               <a:extLst>
                 <a:ext uri="{FF2B5EF4-FFF2-40B4-BE49-F238E27FC236}">
-                  <a16:creationId xmlns:a16="http://schemas.microsoft.com/office/drawing/2014/main" xmlns="" id="{34B64C44-8612-4CDC-A475-0BF6E4F3CC84}"/>
+                  <a16:creationId xmlns="" xmlns:a16="http://schemas.microsoft.com/office/drawing/2014/main" id="{34B64C44-8612-4CDC-A475-0BF6E4F3CC84}"/>
                 </a:ext>
               </a:extLst>
             </p:cNvPr>
@@ -17249,7 +17249,7 @@
           <p:cNvPr id="11" name="그룹 10">
             <a:extLst>
               <a:ext uri="{FF2B5EF4-FFF2-40B4-BE49-F238E27FC236}">
-                <a16:creationId xmlns:a16="http://schemas.microsoft.com/office/drawing/2014/main" xmlns="" id="{5D9E95C4-9DC2-47C1-A898-9331DB6C5F48}"/>
+                <a16:creationId xmlns="" xmlns:a16="http://schemas.microsoft.com/office/drawing/2014/main" id="{5D9E95C4-9DC2-47C1-A898-9331DB6C5F48}"/>
               </a:ext>
             </a:extLst>
           </p:cNvPr>
@@ -17269,7 +17269,7 @@
             <p:cNvPr id="12" name="직선 연결선 11">
               <a:extLst>
                 <a:ext uri="{FF2B5EF4-FFF2-40B4-BE49-F238E27FC236}">
-                  <a16:creationId xmlns:a16="http://schemas.microsoft.com/office/drawing/2014/main" xmlns="" id="{CD696218-C6BA-41DE-B6E2-8416F856E018}"/>
+                  <a16:creationId xmlns="" xmlns:a16="http://schemas.microsoft.com/office/drawing/2014/main" id="{CD696218-C6BA-41DE-B6E2-8416F856E018}"/>
                 </a:ext>
               </a:extLst>
             </p:cNvPr>
@@ -17310,7 +17310,7 @@
             <p:cNvPr id="13" name="직선 연결선 12">
               <a:extLst>
                 <a:ext uri="{FF2B5EF4-FFF2-40B4-BE49-F238E27FC236}">
-                  <a16:creationId xmlns:a16="http://schemas.microsoft.com/office/drawing/2014/main" xmlns="" id="{15F30200-2129-40AA-8B9C-8ADC62F88473}"/>
+                  <a16:creationId xmlns="" xmlns:a16="http://schemas.microsoft.com/office/drawing/2014/main" id="{15F30200-2129-40AA-8B9C-8ADC62F88473}"/>
                 </a:ext>
               </a:extLst>
             </p:cNvPr>
@@ -17353,7 +17353,7 @@
             <p:cNvPr id="14" name="직선 연결선 13">
               <a:extLst>
                 <a:ext uri="{FF2B5EF4-FFF2-40B4-BE49-F238E27FC236}">
-                  <a16:creationId xmlns:a16="http://schemas.microsoft.com/office/drawing/2014/main" xmlns="" id="{19C29F19-1F66-40B5-98FB-E12B45B2D33A}"/>
+                  <a16:creationId xmlns="" xmlns:a16="http://schemas.microsoft.com/office/drawing/2014/main" id="{19C29F19-1F66-40B5-98FB-E12B45B2D33A}"/>
                 </a:ext>
               </a:extLst>
             </p:cNvPr>
@@ -17397,7 +17397,7 @@
           <p:cNvPr id="15" name="TextBox 14">
             <a:extLst>
               <a:ext uri="{FF2B5EF4-FFF2-40B4-BE49-F238E27FC236}">
-                <a16:creationId xmlns:a16="http://schemas.microsoft.com/office/drawing/2014/main" xmlns="" id="{14D14242-45C1-4883-AD5E-B74D7A88FC8C}"/>
+                <a16:creationId xmlns="" xmlns:a16="http://schemas.microsoft.com/office/drawing/2014/main" id="{14D14242-45C1-4883-AD5E-B74D7A88FC8C}"/>
               </a:ext>
             </a:extLst>
           </p:cNvPr>
@@ -17439,7 +17439,7 @@
           <p:cNvPr id="25" name="그림 24">
             <a:extLst>
               <a:ext uri="{FF2B5EF4-FFF2-40B4-BE49-F238E27FC236}">
-                <a16:creationId xmlns:a16="http://schemas.microsoft.com/office/drawing/2014/main" xmlns="" id="{D895B8C2-32FE-40C0-B36C-2B2A13C44360}"/>
+                <a16:creationId xmlns="" xmlns:a16="http://schemas.microsoft.com/office/drawing/2014/main" id="{D895B8C2-32FE-40C0-B36C-2B2A13C44360}"/>
               </a:ext>
             </a:extLst>
           </p:cNvPr>
@@ -17469,7 +17469,7 @@
           <p:cNvPr id="2" name="직사각형 1">
             <a:extLst>
               <a:ext uri="{FF2B5EF4-FFF2-40B4-BE49-F238E27FC236}">
-                <a16:creationId xmlns:a16="http://schemas.microsoft.com/office/drawing/2014/main" xmlns="" id="{D72B8847-47D0-483C-83AA-CF6DF784F973}"/>
+                <a16:creationId xmlns="" xmlns:a16="http://schemas.microsoft.com/office/drawing/2014/main" id="{D72B8847-47D0-483C-83AA-CF6DF784F973}"/>
               </a:ext>
             </a:extLst>
           </p:cNvPr>
@@ -17503,7 +17503,7 @@
           <p:cNvPr id="17" name="그림 16">
             <a:extLst>
               <a:ext uri="{FF2B5EF4-FFF2-40B4-BE49-F238E27FC236}">
-                <a16:creationId xmlns:a16="http://schemas.microsoft.com/office/drawing/2014/main" xmlns="" id="{EFCA340C-0AE6-4F09-B1A0-C5B307D6B3D4}"/>
+                <a16:creationId xmlns="" xmlns:a16="http://schemas.microsoft.com/office/drawing/2014/main" id="{EFCA340C-0AE6-4F09-B1A0-C5B307D6B3D4}"/>
               </a:ext>
             </a:extLst>
           </p:cNvPr>
@@ -17563,7 +17563,7 @@
           <p:cNvPr id="35" name="그룹 34">
             <a:extLst>
               <a:ext uri="{FF2B5EF4-FFF2-40B4-BE49-F238E27FC236}">
-                <a16:creationId xmlns:a16="http://schemas.microsoft.com/office/drawing/2014/main" xmlns="" id="{D3521537-A7F4-4222-9EF6-07FB77593558}"/>
+                <a16:creationId xmlns="" xmlns:a16="http://schemas.microsoft.com/office/drawing/2014/main" id="{D3521537-A7F4-4222-9EF6-07FB77593558}"/>
               </a:ext>
             </a:extLst>
           </p:cNvPr>
@@ -17583,7 +17583,7 @@
             <p:cNvPr id="11" name="TextBox 10">
               <a:extLst>
                 <a:ext uri="{FF2B5EF4-FFF2-40B4-BE49-F238E27FC236}">
-                  <a16:creationId xmlns:a16="http://schemas.microsoft.com/office/drawing/2014/main" xmlns="" id="{C343E81E-579E-40D2-9E1E-2FE80FEFC0F2}"/>
+                  <a16:creationId xmlns="" xmlns:a16="http://schemas.microsoft.com/office/drawing/2014/main" id="{C343E81E-579E-40D2-9E1E-2FE80FEFC0F2}"/>
                 </a:ext>
               </a:extLst>
             </p:cNvPr>
@@ -17618,7 +17618,7 @@
             <p:cNvPr id="24" name="그룹 23">
               <a:extLst>
                 <a:ext uri="{FF2B5EF4-FFF2-40B4-BE49-F238E27FC236}">
-                  <a16:creationId xmlns:a16="http://schemas.microsoft.com/office/drawing/2014/main" xmlns="" id="{055D7F91-5F5F-4976-8FB2-2840E65E288E}"/>
+                  <a16:creationId xmlns="" xmlns:a16="http://schemas.microsoft.com/office/drawing/2014/main" id="{055D7F91-5F5F-4976-8FB2-2840E65E288E}"/>
                 </a:ext>
               </a:extLst>
             </p:cNvPr>
@@ -17638,7 +17638,7 @@
               <p:cNvPr id="5" name="직사각형 4">
                 <a:extLst>
                   <a:ext uri="{FF2B5EF4-FFF2-40B4-BE49-F238E27FC236}">
-                    <a16:creationId xmlns:a16="http://schemas.microsoft.com/office/drawing/2014/main" xmlns="" id="{EFABF0CE-3953-4C12-B668-4BE1FFCA524F}"/>
+                    <a16:creationId xmlns="" xmlns:a16="http://schemas.microsoft.com/office/drawing/2014/main" id="{EFABF0CE-3953-4C12-B668-4BE1FFCA524F}"/>
                   </a:ext>
                 </a:extLst>
               </p:cNvPr>
@@ -17697,7 +17697,7 @@
               <p:cNvPr id="19" name="그룹 18">
                 <a:extLst>
                   <a:ext uri="{FF2B5EF4-FFF2-40B4-BE49-F238E27FC236}">
-                    <a16:creationId xmlns:a16="http://schemas.microsoft.com/office/drawing/2014/main" xmlns="" id="{9BFB318B-3BC8-46F4-B8C3-E287711C016B}"/>
+                    <a16:creationId xmlns="" xmlns:a16="http://schemas.microsoft.com/office/drawing/2014/main" id="{9BFB318B-3BC8-46F4-B8C3-E287711C016B}"/>
                   </a:ext>
                 </a:extLst>
               </p:cNvPr>
@@ -17717,7 +17717,7 @@
                 <p:cNvPr id="15" name="직선 연결선 14">
                   <a:extLst>
                     <a:ext uri="{FF2B5EF4-FFF2-40B4-BE49-F238E27FC236}">
-                      <a16:creationId xmlns:a16="http://schemas.microsoft.com/office/drawing/2014/main" xmlns="" id="{A5DB4413-11FF-479B-9B71-C05B8B5593A1}"/>
+                      <a16:creationId xmlns="" xmlns:a16="http://schemas.microsoft.com/office/drawing/2014/main" id="{A5DB4413-11FF-479B-9B71-C05B8B5593A1}"/>
                     </a:ext>
                   </a:extLst>
                 </p:cNvPr>
@@ -17758,7 +17758,7 @@
                 <p:cNvPr id="16" name="직선 연결선 15">
                   <a:extLst>
                     <a:ext uri="{FF2B5EF4-FFF2-40B4-BE49-F238E27FC236}">
-                      <a16:creationId xmlns:a16="http://schemas.microsoft.com/office/drawing/2014/main" xmlns="" id="{807E40D7-53D1-49E9-8B83-610B3E0ABDBF}"/>
+                      <a16:creationId xmlns="" xmlns:a16="http://schemas.microsoft.com/office/drawing/2014/main" id="{807E40D7-53D1-49E9-8B83-610B3E0ABDBF}"/>
                     </a:ext>
                   </a:extLst>
                 </p:cNvPr>
@@ -17801,7 +17801,7 @@
                 <p:cNvPr id="17" name="직선 연결선 16">
                   <a:extLst>
                     <a:ext uri="{FF2B5EF4-FFF2-40B4-BE49-F238E27FC236}">
-                      <a16:creationId xmlns:a16="http://schemas.microsoft.com/office/drawing/2014/main" xmlns="" id="{D1D3AB44-6D00-4693-80E4-2B6F9510EE3E}"/>
+                      <a16:creationId xmlns="" xmlns:a16="http://schemas.microsoft.com/office/drawing/2014/main" id="{D1D3AB44-6D00-4693-80E4-2B6F9510EE3E}"/>
                     </a:ext>
                   </a:extLst>
                 </p:cNvPr>
@@ -17845,7 +17845,7 @@
               <p:cNvPr id="20" name="그룹 19">
                 <a:extLst>
                   <a:ext uri="{FF2B5EF4-FFF2-40B4-BE49-F238E27FC236}">
-                    <a16:creationId xmlns:a16="http://schemas.microsoft.com/office/drawing/2014/main" xmlns="" id="{E7D4C699-488F-4A2D-B142-EBB76E893779}"/>
+                    <a16:creationId xmlns="" xmlns:a16="http://schemas.microsoft.com/office/drawing/2014/main" id="{E7D4C699-488F-4A2D-B142-EBB76E893779}"/>
                   </a:ext>
                 </a:extLst>
               </p:cNvPr>
@@ -17865,7 +17865,7 @@
                 <p:cNvPr id="21" name="직선 연결선 20">
                   <a:extLst>
                     <a:ext uri="{FF2B5EF4-FFF2-40B4-BE49-F238E27FC236}">
-                      <a16:creationId xmlns:a16="http://schemas.microsoft.com/office/drawing/2014/main" xmlns="" id="{B943D2A2-61E9-4B12-A0C1-DD5EE0D32B7B}"/>
+                      <a16:creationId xmlns="" xmlns:a16="http://schemas.microsoft.com/office/drawing/2014/main" id="{B943D2A2-61E9-4B12-A0C1-DD5EE0D32B7B}"/>
                     </a:ext>
                   </a:extLst>
                 </p:cNvPr>
@@ -17906,7 +17906,7 @@
                 <p:cNvPr id="22" name="직선 연결선 21">
                   <a:extLst>
                     <a:ext uri="{FF2B5EF4-FFF2-40B4-BE49-F238E27FC236}">
-                      <a16:creationId xmlns:a16="http://schemas.microsoft.com/office/drawing/2014/main" xmlns="" id="{C5CD616F-BE19-462F-8479-3FF30D8C8EC4}"/>
+                      <a16:creationId xmlns="" xmlns:a16="http://schemas.microsoft.com/office/drawing/2014/main" id="{C5CD616F-BE19-462F-8479-3FF30D8C8EC4}"/>
                     </a:ext>
                   </a:extLst>
                 </p:cNvPr>
@@ -17949,7 +17949,7 @@
                 <p:cNvPr id="23" name="직선 연결선 22">
                   <a:extLst>
                     <a:ext uri="{FF2B5EF4-FFF2-40B4-BE49-F238E27FC236}">
-                      <a16:creationId xmlns:a16="http://schemas.microsoft.com/office/drawing/2014/main" xmlns="" id="{7A3282E7-34C8-427B-8F0A-C8A7F0FDE04B}"/>
+                      <a16:creationId xmlns="" xmlns:a16="http://schemas.microsoft.com/office/drawing/2014/main" id="{7A3282E7-34C8-427B-8F0A-C8A7F0FDE04B}"/>
                     </a:ext>
                   </a:extLst>
                 </p:cNvPr>
@@ -17994,7 +17994,7 @@
             <p:cNvPr id="25" name="TextBox 24">
               <a:extLst>
                 <a:ext uri="{FF2B5EF4-FFF2-40B4-BE49-F238E27FC236}">
-                  <a16:creationId xmlns:a16="http://schemas.microsoft.com/office/drawing/2014/main" xmlns="" id="{4415C399-CC7F-48A9-9CB8-9331B93C70C1}"/>
+                  <a16:creationId xmlns="" xmlns:a16="http://schemas.microsoft.com/office/drawing/2014/main" id="{4415C399-CC7F-48A9-9CB8-9331B93C70C1}"/>
                 </a:ext>
               </a:extLst>
             </p:cNvPr>
@@ -18032,7 +18032,7 @@
             <p:cNvPr id="27" name="TextBox 26">
               <a:extLst>
                 <a:ext uri="{FF2B5EF4-FFF2-40B4-BE49-F238E27FC236}">
-                  <a16:creationId xmlns:a16="http://schemas.microsoft.com/office/drawing/2014/main" xmlns="" id="{AC3B4DA4-71A9-43B4-AD72-7CF58D877796}"/>
+                  <a16:creationId xmlns="" xmlns:a16="http://schemas.microsoft.com/office/drawing/2014/main" id="{AC3B4DA4-71A9-43B4-AD72-7CF58D877796}"/>
                 </a:ext>
               </a:extLst>
             </p:cNvPr>
@@ -18063,11 +18063,18 @@
                 <a:t>1. </a:t>
               </a:r>
               <a:r>
+                <a:rPr lang="ko-KR" altLang="en-US" sz="2400" b="1" dirty="0" smtClean="0">
+                  <a:latin typeface="+mj-ea"/>
+                  <a:ea typeface="+mj-ea"/>
+                </a:rPr>
+                <a:t>종합설계 </a:t>
+              </a:r>
+              <a:r>
                 <a:rPr lang="ko-KR" altLang="en-US" sz="2400" b="1" dirty="0">
                   <a:latin typeface="+mj-ea"/>
                   <a:ea typeface="+mj-ea"/>
                 </a:rPr>
-                <a:t>종합설계 개요</a:t>
+                <a:t>개요</a:t>
               </a:r>
             </a:p>
           </p:txBody>
@@ -18077,7 +18084,7 @@
             <p:cNvPr id="29" name="TextBox 28">
               <a:extLst>
                 <a:ext uri="{FF2B5EF4-FFF2-40B4-BE49-F238E27FC236}">
-                  <a16:creationId xmlns:a16="http://schemas.microsoft.com/office/drawing/2014/main" xmlns="" id="{CDE22234-D882-4FF7-8C64-07CF55184CDB}"/>
+                  <a16:creationId xmlns="" xmlns:a16="http://schemas.microsoft.com/office/drawing/2014/main" id="{CDE22234-D882-4FF7-8C64-07CF55184CDB}"/>
                 </a:ext>
               </a:extLst>
             </p:cNvPr>
@@ -18122,7 +18129,7 @@
             <p:cNvPr id="30" name="TextBox 29">
               <a:extLst>
                 <a:ext uri="{FF2B5EF4-FFF2-40B4-BE49-F238E27FC236}">
-                  <a16:creationId xmlns:a16="http://schemas.microsoft.com/office/drawing/2014/main" xmlns="" id="{495CD1B8-AB84-4058-B070-3B3712BDBC5D}"/>
+                  <a16:creationId xmlns="" xmlns:a16="http://schemas.microsoft.com/office/drawing/2014/main" id="{495CD1B8-AB84-4058-B070-3B3712BDBC5D}"/>
                 </a:ext>
               </a:extLst>
             </p:cNvPr>
@@ -18167,7 +18174,7 @@
             <p:cNvPr id="31" name="TextBox 30">
               <a:extLst>
                 <a:ext uri="{FF2B5EF4-FFF2-40B4-BE49-F238E27FC236}">
-                  <a16:creationId xmlns:a16="http://schemas.microsoft.com/office/drawing/2014/main" xmlns="" id="{B3B8C555-456D-48C3-8602-6F8327A6ABD9}"/>
+                  <a16:creationId xmlns="" xmlns:a16="http://schemas.microsoft.com/office/drawing/2014/main" id="{B3B8C555-456D-48C3-8602-6F8327A6ABD9}"/>
                 </a:ext>
               </a:extLst>
             </p:cNvPr>
@@ -18212,7 +18219,7 @@
             <p:cNvPr id="32" name="TextBox 31">
               <a:extLst>
                 <a:ext uri="{FF2B5EF4-FFF2-40B4-BE49-F238E27FC236}">
-                  <a16:creationId xmlns:a16="http://schemas.microsoft.com/office/drawing/2014/main" xmlns="" id="{79134A9C-AF36-43B7-9714-2237DACC1067}"/>
+                  <a16:creationId xmlns="" xmlns:a16="http://schemas.microsoft.com/office/drawing/2014/main" id="{79134A9C-AF36-43B7-9714-2237DACC1067}"/>
                 </a:ext>
               </a:extLst>
             </p:cNvPr>
@@ -18257,7 +18264,7 @@
             <p:cNvPr id="33" name="TextBox 32">
               <a:extLst>
                 <a:ext uri="{FF2B5EF4-FFF2-40B4-BE49-F238E27FC236}">
-                  <a16:creationId xmlns:a16="http://schemas.microsoft.com/office/drawing/2014/main" xmlns="" id="{5E5EC293-C53B-4837-83D9-D71B78D2F264}"/>
+                  <a16:creationId xmlns="" xmlns:a16="http://schemas.microsoft.com/office/drawing/2014/main" id="{5E5EC293-C53B-4837-83D9-D71B78D2F264}"/>
                 </a:ext>
               </a:extLst>
             </p:cNvPr>
@@ -18267,7 +18274,7 @@
           <p:spPr>
             <a:xfrm>
               <a:off x="3671652" y="3860878"/>
-              <a:ext cx="1782860" cy="461665"/>
+              <a:ext cx="1891865" cy="461665"/>
             </a:xfrm>
             <a:prstGeom prst="rect">
               <a:avLst/>
@@ -18288,12 +18295,16 @@
                 <a:t>5. </a:t>
               </a:r>
               <a:r>
-                <a:rPr lang="ko-KR" altLang="en-US" sz="2400" b="1" dirty="0">
+                <a:rPr lang="ko-KR" altLang="en-US" sz="2400" b="1" dirty="0" smtClean="0">
                   <a:latin typeface="+mj-ea"/>
                   <a:ea typeface="+mj-ea"/>
                 </a:rPr>
-                <a:t>업무분담</a:t>
+                <a:t>업무 분담</a:t>
               </a:r>
+              <a:endParaRPr lang="ko-KR" altLang="en-US" sz="2400" b="1" dirty="0">
+                <a:latin typeface="+mj-ea"/>
+                <a:ea typeface="+mj-ea"/>
+              </a:endParaRPr>
             </a:p>
           </p:txBody>
         </p:sp>
@@ -18302,7 +18313,7 @@
             <p:cNvPr id="34" name="TextBox 33">
               <a:extLst>
                 <a:ext uri="{FF2B5EF4-FFF2-40B4-BE49-F238E27FC236}">
-                  <a16:creationId xmlns:a16="http://schemas.microsoft.com/office/drawing/2014/main" xmlns="" id="{025F19A3-2BA4-4FDA-AACA-909F4054039E}"/>
+                  <a16:creationId xmlns="" xmlns:a16="http://schemas.microsoft.com/office/drawing/2014/main" id="{025F19A3-2BA4-4FDA-AACA-909F4054039E}"/>
                 </a:ext>
               </a:extLst>
             </p:cNvPr>
@@ -18348,7 +18359,7 @@
           <p:cNvPr id="28" name="그림 27">
             <a:extLst>
               <a:ext uri="{FF2B5EF4-FFF2-40B4-BE49-F238E27FC236}">
-                <a16:creationId xmlns:a16="http://schemas.microsoft.com/office/drawing/2014/main" xmlns="" id="{EFCA340C-0AE6-4F09-B1A0-C5B307D6B3D4}"/>
+                <a16:creationId xmlns="" xmlns:a16="http://schemas.microsoft.com/office/drawing/2014/main" id="{EFCA340C-0AE6-4F09-B1A0-C5B307D6B3D4}"/>
               </a:ext>
             </a:extLst>
           </p:cNvPr>
@@ -18408,7 +18419,7 @@
           <p:cNvPr id="36" name="직사각형 35">
             <a:extLst>
               <a:ext uri="{FF2B5EF4-FFF2-40B4-BE49-F238E27FC236}">
-                <a16:creationId xmlns:a16="http://schemas.microsoft.com/office/drawing/2014/main" xmlns="" id="{F3D0F8E4-CE1A-4FE5-B4D8-0E9A54D61F05}"/>
+                <a16:creationId xmlns="" xmlns:a16="http://schemas.microsoft.com/office/drawing/2014/main" id="{F3D0F8E4-CE1A-4FE5-B4D8-0E9A54D61F05}"/>
               </a:ext>
             </a:extLst>
           </p:cNvPr>
@@ -18467,7 +18478,7 @@
           <p:cNvPr id="10" name="그룹 9">
             <a:extLst>
               <a:ext uri="{FF2B5EF4-FFF2-40B4-BE49-F238E27FC236}">
-                <a16:creationId xmlns:a16="http://schemas.microsoft.com/office/drawing/2014/main" xmlns="" id="{8D674A83-BCB9-4E61-B483-99AA1C9EADCD}"/>
+                <a16:creationId xmlns="" xmlns:a16="http://schemas.microsoft.com/office/drawing/2014/main" id="{8D674A83-BCB9-4E61-B483-99AA1C9EADCD}"/>
               </a:ext>
             </a:extLst>
           </p:cNvPr>
@@ -18487,7 +18498,7 @@
             <p:cNvPr id="7" name="직선 연결선 6">
               <a:extLst>
                 <a:ext uri="{FF2B5EF4-FFF2-40B4-BE49-F238E27FC236}">
-                  <a16:creationId xmlns:a16="http://schemas.microsoft.com/office/drawing/2014/main" xmlns="" id="{00E67A09-8F5F-41D1-808B-763DF1C3C3AA}"/>
+                  <a16:creationId xmlns="" xmlns:a16="http://schemas.microsoft.com/office/drawing/2014/main" id="{00E67A09-8F5F-41D1-808B-763DF1C3C3AA}"/>
                 </a:ext>
               </a:extLst>
             </p:cNvPr>
@@ -18528,7 +18539,7 @@
             <p:cNvPr id="8" name="직선 연결선 7">
               <a:extLst>
                 <a:ext uri="{FF2B5EF4-FFF2-40B4-BE49-F238E27FC236}">
-                  <a16:creationId xmlns:a16="http://schemas.microsoft.com/office/drawing/2014/main" xmlns="" id="{30C79DEC-86D4-4107-BE74-1A2A863C74BA}"/>
+                  <a16:creationId xmlns="" xmlns:a16="http://schemas.microsoft.com/office/drawing/2014/main" id="{30C79DEC-86D4-4107-BE74-1A2A863C74BA}"/>
                 </a:ext>
               </a:extLst>
             </p:cNvPr>
@@ -18571,7 +18582,7 @@
             <p:cNvPr id="9" name="직선 연결선 8">
               <a:extLst>
                 <a:ext uri="{FF2B5EF4-FFF2-40B4-BE49-F238E27FC236}">
-                  <a16:creationId xmlns:a16="http://schemas.microsoft.com/office/drawing/2014/main" xmlns="" id="{34B64C44-8612-4CDC-A475-0BF6E4F3CC84}"/>
+                  <a16:creationId xmlns="" xmlns:a16="http://schemas.microsoft.com/office/drawing/2014/main" id="{34B64C44-8612-4CDC-A475-0BF6E4F3CC84}"/>
                 </a:ext>
               </a:extLst>
             </p:cNvPr>
@@ -18615,7 +18626,7 @@
           <p:cNvPr id="11" name="그룹 10">
             <a:extLst>
               <a:ext uri="{FF2B5EF4-FFF2-40B4-BE49-F238E27FC236}">
-                <a16:creationId xmlns:a16="http://schemas.microsoft.com/office/drawing/2014/main" xmlns="" id="{5D9E95C4-9DC2-47C1-A898-9331DB6C5F48}"/>
+                <a16:creationId xmlns="" xmlns:a16="http://schemas.microsoft.com/office/drawing/2014/main" id="{5D9E95C4-9DC2-47C1-A898-9331DB6C5F48}"/>
               </a:ext>
             </a:extLst>
           </p:cNvPr>
@@ -18635,7 +18646,7 @@
             <p:cNvPr id="12" name="직선 연결선 11">
               <a:extLst>
                 <a:ext uri="{FF2B5EF4-FFF2-40B4-BE49-F238E27FC236}">
-                  <a16:creationId xmlns:a16="http://schemas.microsoft.com/office/drawing/2014/main" xmlns="" id="{CD696218-C6BA-41DE-B6E2-8416F856E018}"/>
+                  <a16:creationId xmlns="" xmlns:a16="http://schemas.microsoft.com/office/drawing/2014/main" id="{CD696218-C6BA-41DE-B6E2-8416F856E018}"/>
                 </a:ext>
               </a:extLst>
             </p:cNvPr>
@@ -18676,7 +18687,7 @@
             <p:cNvPr id="13" name="직선 연결선 12">
               <a:extLst>
                 <a:ext uri="{FF2B5EF4-FFF2-40B4-BE49-F238E27FC236}">
-                  <a16:creationId xmlns:a16="http://schemas.microsoft.com/office/drawing/2014/main" xmlns="" id="{15F30200-2129-40AA-8B9C-8ADC62F88473}"/>
+                  <a16:creationId xmlns="" xmlns:a16="http://schemas.microsoft.com/office/drawing/2014/main" id="{15F30200-2129-40AA-8B9C-8ADC62F88473}"/>
                 </a:ext>
               </a:extLst>
             </p:cNvPr>
@@ -18719,7 +18730,7 @@
             <p:cNvPr id="14" name="직선 연결선 13">
               <a:extLst>
                 <a:ext uri="{FF2B5EF4-FFF2-40B4-BE49-F238E27FC236}">
-                  <a16:creationId xmlns:a16="http://schemas.microsoft.com/office/drawing/2014/main" xmlns="" id="{19C29F19-1F66-40B5-98FB-E12B45B2D33A}"/>
+                  <a16:creationId xmlns="" xmlns:a16="http://schemas.microsoft.com/office/drawing/2014/main" id="{19C29F19-1F66-40B5-98FB-E12B45B2D33A}"/>
                 </a:ext>
               </a:extLst>
             </p:cNvPr>
@@ -18763,7 +18774,7 @@
           <p:cNvPr id="15" name="TextBox 14">
             <a:extLst>
               <a:ext uri="{FF2B5EF4-FFF2-40B4-BE49-F238E27FC236}">
-                <a16:creationId xmlns:a16="http://schemas.microsoft.com/office/drawing/2014/main" xmlns="" id="{14D14242-45C1-4883-AD5E-B74D7A88FC8C}"/>
+                <a16:creationId xmlns="" xmlns:a16="http://schemas.microsoft.com/office/drawing/2014/main" id="{14D14242-45C1-4883-AD5E-B74D7A88FC8C}"/>
               </a:ext>
             </a:extLst>
           </p:cNvPr>
@@ -18822,7 +18833,7 @@
           <p:cNvPr id="44" name="TextBox 43">
             <a:extLst>
               <a:ext uri="{FF2B5EF4-FFF2-40B4-BE49-F238E27FC236}">
-                <a16:creationId xmlns:a16="http://schemas.microsoft.com/office/drawing/2014/main" xmlns="" id="{9E1553B4-9E1A-4F88-8663-A44748B9127E}"/>
+                <a16:creationId xmlns="" xmlns:a16="http://schemas.microsoft.com/office/drawing/2014/main" id="{9E1553B4-9E1A-4F88-8663-A44748B9127E}"/>
               </a:ext>
             </a:extLst>
           </p:cNvPr>
@@ -18864,7 +18875,7 @@
           <p:cNvPr id="5" name="그림 4">
             <a:extLst>
               <a:ext uri="{FF2B5EF4-FFF2-40B4-BE49-F238E27FC236}">
-                <a16:creationId xmlns:a16="http://schemas.microsoft.com/office/drawing/2014/main" xmlns="" id="{8584657C-B327-4806-9073-FDD2FE37C854}"/>
+                <a16:creationId xmlns="" xmlns:a16="http://schemas.microsoft.com/office/drawing/2014/main" id="{8584657C-B327-4806-9073-FDD2FE37C854}"/>
               </a:ext>
             </a:extLst>
           </p:cNvPr>
@@ -18900,7 +18911,7 @@
           <p:cNvPr id="16" name="그림 15">
             <a:extLst>
               <a:ext uri="{FF2B5EF4-FFF2-40B4-BE49-F238E27FC236}">
-                <a16:creationId xmlns:a16="http://schemas.microsoft.com/office/drawing/2014/main" xmlns="" id="{45E0694C-B358-401D-B907-955997B9E380}"/>
+                <a16:creationId xmlns="" xmlns:a16="http://schemas.microsoft.com/office/drawing/2014/main" id="{45E0694C-B358-401D-B907-955997B9E380}"/>
               </a:ext>
             </a:extLst>
           </p:cNvPr>
@@ -18936,7 +18947,7 @@
           <p:cNvPr id="17" name="이등변 삼각형 16">
             <a:extLst>
               <a:ext uri="{FF2B5EF4-FFF2-40B4-BE49-F238E27FC236}">
-                <a16:creationId xmlns:a16="http://schemas.microsoft.com/office/drawing/2014/main" xmlns="" id="{85F427A3-BF9F-4731-BAB8-DBDC0F1B4954}"/>
+                <a16:creationId xmlns="" xmlns:a16="http://schemas.microsoft.com/office/drawing/2014/main" id="{85F427A3-BF9F-4731-BAB8-DBDC0F1B4954}"/>
               </a:ext>
             </a:extLst>
           </p:cNvPr>
@@ -18990,7 +19001,7 @@
           <p:cNvPr id="26" name="TextBox 25">
             <a:extLst>
               <a:ext uri="{FF2B5EF4-FFF2-40B4-BE49-F238E27FC236}">
-                <a16:creationId xmlns:a16="http://schemas.microsoft.com/office/drawing/2014/main" xmlns="" id="{A6272C87-ABB6-4912-AD02-32DC44CB089D}"/>
+                <a16:creationId xmlns="" xmlns:a16="http://schemas.microsoft.com/office/drawing/2014/main" id="{A6272C87-ABB6-4912-AD02-32DC44CB089D}"/>
               </a:ext>
             </a:extLst>
           </p:cNvPr>
@@ -19046,7 +19057,7 @@
           <p:cNvPr id="29" name="TextBox 28">
             <a:extLst>
               <a:ext uri="{FF2B5EF4-FFF2-40B4-BE49-F238E27FC236}">
-                <a16:creationId xmlns:a16="http://schemas.microsoft.com/office/drawing/2014/main" xmlns="" id="{FD153C32-B63A-4CDB-905C-4A4CDAF3ACC6}"/>
+                <a16:creationId xmlns="" xmlns:a16="http://schemas.microsoft.com/office/drawing/2014/main" id="{FD153C32-B63A-4CDB-905C-4A4CDAF3ACC6}"/>
               </a:ext>
             </a:extLst>
           </p:cNvPr>
@@ -19156,7 +19167,7 @@
           <p:cNvPr id="32" name="TextBox 31">
             <a:extLst>
               <a:ext uri="{FF2B5EF4-FFF2-40B4-BE49-F238E27FC236}">
-                <a16:creationId xmlns:a16="http://schemas.microsoft.com/office/drawing/2014/main" xmlns="" id="{0C9E6D9D-56BB-4EC5-8F79-B60DBDF243E1}"/>
+                <a16:creationId xmlns="" xmlns:a16="http://schemas.microsoft.com/office/drawing/2014/main" id="{0C9E6D9D-56BB-4EC5-8F79-B60DBDF243E1}"/>
               </a:ext>
             </a:extLst>
           </p:cNvPr>
@@ -19208,7 +19219,7 @@
           <p:cNvPr id="23" name="이등변 삼각형 22">
             <a:extLst>
               <a:ext uri="{FF2B5EF4-FFF2-40B4-BE49-F238E27FC236}">
-                <a16:creationId xmlns:a16="http://schemas.microsoft.com/office/drawing/2014/main" xmlns="" id="{D4042949-46BB-448F-8BF4-A003703EF7FB}"/>
+                <a16:creationId xmlns="" xmlns:a16="http://schemas.microsoft.com/office/drawing/2014/main" id="{D4042949-46BB-448F-8BF4-A003703EF7FB}"/>
               </a:ext>
             </a:extLst>
           </p:cNvPr>
@@ -19262,7 +19273,7 @@
           <p:cNvPr id="24" name="이등변 삼각형 23">
             <a:extLst>
               <a:ext uri="{FF2B5EF4-FFF2-40B4-BE49-F238E27FC236}">
-                <a16:creationId xmlns:a16="http://schemas.microsoft.com/office/drawing/2014/main" xmlns="" id="{554A59CF-B5DB-433D-B4BE-D1B59F5503CC}"/>
+                <a16:creationId xmlns="" xmlns:a16="http://schemas.microsoft.com/office/drawing/2014/main" id="{554A59CF-B5DB-433D-B4BE-D1B59F5503CC}"/>
               </a:ext>
             </a:extLst>
           </p:cNvPr>
@@ -19316,7 +19327,7 @@
           <p:cNvPr id="27" name="그림 26">
             <a:extLst>
               <a:ext uri="{FF2B5EF4-FFF2-40B4-BE49-F238E27FC236}">
-                <a16:creationId xmlns:a16="http://schemas.microsoft.com/office/drawing/2014/main" xmlns="" id="{EFCA340C-0AE6-4F09-B1A0-C5B307D6B3D4}"/>
+                <a16:creationId xmlns="" xmlns:a16="http://schemas.microsoft.com/office/drawing/2014/main" id="{EFCA340C-0AE6-4F09-B1A0-C5B307D6B3D4}"/>
               </a:ext>
             </a:extLst>
           </p:cNvPr>
@@ -19376,7 +19387,7 @@
           <p:cNvPr id="36" name="직사각형 35">
             <a:extLst>
               <a:ext uri="{FF2B5EF4-FFF2-40B4-BE49-F238E27FC236}">
-                <a16:creationId xmlns:a16="http://schemas.microsoft.com/office/drawing/2014/main" xmlns="" id="{F3D0F8E4-CE1A-4FE5-B4D8-0E9A54D61F05}"/>
+                <a16:creationId xmlns="" xmlns:a16="http://schemas.microsoft.com/office/drawing/2014/main" id="{F3D0F8E4-CE1A-4FE5-B4D8-0E9A54D61F05}"/>
               </a:ext>
             </a:extLst>
           </p:cNvPr>
@@ -19435,7 +19446,7 @@
           <p:cNvPr id="10" name="그룹 9">
             <a:extLst>
               <a:ext uri="{FF2B5EF4-FFF2-40B4-BE49-F238E27FC236}">
-                <a16:creationId xmlns:a16="http://schemas.microsoft.com/office/drawing/2014/main" xmlns="" id="{8D674A83-BCB9-4E61-B483-99AA1C9EADCD}"/>
+                <a16:creationId xmlns="" xmlns:a16="http://schemas.microsoft.com/office/drawing/2014/main" id="{8D674A83-BCB9-4E61-B483-99AA1C9EADCD}"/>
               </a:ext>
             </a:extLst>
           </p:cNvPr>
@@ -19455,7 +19466,7 @@
             <p:cNvPr id="7" name="직선 연결선 6">
               <a:extLst>
                 <a:ext uri="{FF2B5EF4-FFF2-40B4-BE49-F238E27FC236}">
-                  <a16:creationId xmlns:a16="http://schemas.microsoft.com/office/drawing/2014/main" xmlns="" id="{00E67A09-8F5F-41D1-808B-763DF1C3C3AA}"/>
+                  <a16:creationId xmlns="" xmlns:a16="http://schemas.microsoft.com/office/drawing/2014/main" id="{00E67A09-8F5F-41D1-808B-763DF1C3C3AA}"/>
                 </a:ext>
               </a:extLst>
             </p:cNvPr>
@@ -19496,7 +19507,7 @@
             <p:cNvPr id="8" name="직선 연결선 7">
               <a:extLst>
                 <a:ext uri="{FF2B5EF4-FFF2-40B4-BE49-F238E27FC236}">
-                  <a16:creationId xmlns:a16="http://schemas.microsoft.com/office/drawing/2014/main" xmlns="" id="{30C79DEC-86D4-4107-BE74-1A2A863C74BA}"/>
+                  <a16:creationId xmlns="" xmlns:a16="http://schemas.microsoft.com/office/drawing/2014/main" id="{30C79DEC-86D4-4107-BE74-1A2A863C74BA}"/>
                 </a:ext>
               </a:extLst>
             </p:cNvPr>
@@ -19539,7 +19550,7 @@
             <p:cNvPr id="9" name="직선 연결선 8">
               <a:extLst>
                 <a:ext uri="{FF2B5EF4-FFF2-40B4-BE49-F238E27FC236}">
-                  <a16:creationId xmlns:a16="http://schemas.microsoft.com/office/drawing/2014/main" xmlns="" id="{34B64C44-8612-4CDC-A475-0BF6E4F3CC84}"/>
+                  <a16:creationId xmlns="" xmlns:a16="http://schemas.microsoft.com/office/drawing/2014/main" id="{34B64C44-8612-4CDC-A475-0BF6E4F3CC84}"/>
                 </a:ext>
               </a:extLst>
             </p:cNvPr>
@@ -19583,7 +19594,7 @@
           <p:cNvPr id="11" name="그룹 10">
             <a:extLst>
               <a:ext uri="{FF2B5EF4-FFF2-40B4-BE49-F238E27FC236}">
-                <a16:creationId xmlns:a16="http://schemas.microsoft.com/office/drawing/2014/main" xmlns="" id="{5D9E95C4-9DC2-47C1-A898-9331DB6C5F48}"/>
+                <a16:creationId xmlns="" xmlns:a16="http://schemas.microsoft.com/office/drawing/2014/main" id="{5D9E95C4-9DC2-47C1-A898-9331DB6C5F48}"/>
               </a:ext>
             </a:extLst>
           </p:cNvPr>
@@ -19603,7 +19614,7 @@
             <p:cNvPr id="12" name="직선 연결선 11">
               <a:extLst>
                 <a:ext uri="{FF2B5EF4-FFF2-40B4-BE49-F238E27FC236}">
-                  <a16:creationId xmlns:a16="http://schemas.microsoft.com/office/drawing/2014/main" xmlns="" id="{CD696218-C6BA-41DE-B6E2-8416F856E018}"/>
+                  <a16:creationId xmlns="" xmlns:a16="http://schemas.microsoft.com/office/drawing/2014/main" id="{CD696218-C6BA-41DE-B6E2-8416F856E018}"/>
                 </a:ext>
               </a:extLst>
             </p:cNvPr>
@@ -19644,7 +19655,7 @@
             <p:cNvPr id="13" name="직선 연결선 12">
               <a:extLst>
                 <a:ext uri="{FF2B5EF4-FFF2-40B4-BE49-F238E27FC236}">
-                  <a16:creationId xmlns:a16="http://schemas.microsoft.com/office/drawing/2014/main" xmlns="" id="{15F30200-2129-40AA-8B9C-8ADC62F88473}"/>
+                  <a16:creationId xmlns="" xmlns:a16="http://schemas.microsoft.com/office/drawing/2014/main" id="{15F30200-2129-40AA-8B9C-8ADC62F88473}"/>
                 </a:ext>
               </a:extLst>
             </p:cNvPr>
@@ -19687,7 +19698,7 @@
             <p:cNvPr id="14" name="직선 연결선 13">
               <a:extLst>
                 <a:ext uri="{FF2B5EF4-FFF2-40B4-BE49-F238E27FC236}">
-                  <a16:creationId xmlns:a16="http://schemas.microsoft.com/office/drawing/2014/main" xmlns="" id="{19C29F19-1F66-40B5-98FB-E12B45B2D33A}"/>
+                  <a16:creationId xmlns="" xmlns:a16="http://schemas.microsoft.com/office/drawing/2014/main" id="{19C29F19-1F66-40B5-98FB-E12B45B2D33A}"/>
                 </a:ext>
               </a:extLst>
             </p:cNvPr>
@@ -19731,7 +19742,7 @@
           <p:cNvPr id="15" name="TextBox 14">
             <a:extLst>
               <a:ext uri="{FF2B5EF4-FFF2-40B4-BE49-F238E27FC236}">
-                <a16:creationId xmlns:a16="http://schemas.microsoft.com/office/drawing/2014/main" xmlns="" id="{14D14242-45C1-4883-AD5E-B74D7A88FC8C}"/>
+                <a16:creationId xmlns="" xmlns:a16="http://schemas.microsoft.com/office/drawing/2014/main" id="{14D14242-45C1-4883-AD5E-B74D7A88FC8C}"/>
               </a:ext>
             </a:extLst>
           </p:cNvPr>
@@ -19790,7 +19801,7 @@
           <p:cNvPr id="2" name="그림 1">
             <a:extLst>
               <a:ext uri="{FF2B5EF4-FFF2-40B4-BE49-F238E27FC236}">
-                <a16:creationId xmlns:a16="http://schemas.microsoft.com/office/drawing/2014/main" xmlns="" id="{5529B419-D401-4E0C-A7DF-B538A568321F}"/>
+                <a16:creationId xmlns="" xmlns:a16="http://schemas.microsoft.com/office/drawing/2014/main" id="{5529B419-D401-4E0C-A7DF-B538A568321F}"/>
               </a:ext>
             </a:extLst>
           </p:cNvPr>
@@ -19820,7 +19831,7 @@
           <p:cNvPr id="33" name="TextBox 32">
             <a:extLst>
               <a:ext uri="{FF2B5EF4-FFF2-40B4-BE49-F238E27FC236}">
-                <a16:creationId xmlns:a16="http://schemas.microsoft.com/office/drawing/2014/main" xmlns="" id="{4FFB2002-C347-4254-9F01-CEB6A2228BF3}"/>
+                <a16:creationId xmlns="" xmlns:a16="http://schemas.microsoft.com/office/drawing/2014/main" id="{4FFB2002-C347-4254-9F01-CEB6A2228BF3}"/>
               </a:ext>
             </a:extLst>
           </p:cNvPr>
@@ -19862,7 +19873,7 @@
           <p:cNvPr id="34" name="이등변 삼각형 33">
             <a:extLst>
               <a:ext uri="{FF2B5EF4-FFF2-40B4-BE49-F238E27FC236}">
-                <a16:creationId xmlns:a16="http://schemas.microsoft.com/office/drawing/2014/main" xmlns="" id="{E1936F3C-11D8-49DA-B566-1BAF9EB0E1B7}"/>
+                <a16:creationId xmlns="" xmlns:a16="http://schemas.microsoft.com/office/drawing/2014/main" id="{E1936F3C-11D8-49DA-B566-1BAF9EB0E1B7}"/>
               </a:ext>
             </a:extLst>
           </p:cNvPr>
@@ -19916,7 +19927,7 @@
           <p:cNvPr id="35" name="이등변 삼각형 34">
             <a:extLst>
               <a:ext uri="{FF2B5EF4-FFF2-40B4-BE49-F238E27FC236}">
-                <a16:creationId xmlns:a16="http://schemas.microsoft.com/office/drawing/2014/main" xmlns="" id="{554A59CF-B5DB-433D-B4BE-D1B59F5503CC}"/>
+                <a16:creationId xmlns="" xmlns:a16="http://schemas.microsoft.com/office/drawing/2014/main" id="{554A59CF-B5DB-433D-B4BE-D1B59F5503CC}"/>
               </a:ext>
             </a:extLst>
           </p:cNvPr>
@@ -19970,7 +19981,7 @@
           <p:cNvPr id="37" name="TextBox 36">
             <a:extLst>
               <a:ext uri="{FF2B5EF4-FFF2-40B4-BE49-F238E27FC236}">
-                <a16:creationId xmlns:a16="http://schemas.microsoft.com/office/drawing/2014/main" xmlns="" id="{C41D524F-A639-4F70-BA4C-944710B9714E}"/>
+                <a16:creationId xmlns="" xmlns:a16="http://schemas.microsoft.com/office/drawing/2014/main" id="{C41D524F-A639-4F70-BA4C-944710B9714E}"/>
               </a:ext>
             </a:extLst>
           </p:cNvPr>
@@ -20021,7 +20032,7 @@
           <p:cNvPr id="38" name="이등변 삼각형 37">
             <a:extLst>
               <a:ext uri="{FF2B5EF4-FFF2-40B4-BE49-F238E27FC236}">
-                <a16:creationId xmlns:a16="http://schemas.microsoft.com/office/drawing/2014/main" xmlns="" id="{D4042949-46BB-448F-8BF4-A003703EF7FB}"/>
+                <a16:creationId xmlns="" xmlns:a16="http://schemas.microsoft.com/office/drawing/2014/main" id="{D4042949-46BB-448F-8BF4-A003703EF7FB}"/>
               </a:ext>
             </a:extLst>
           </p:cNvPr>
@@ -20075,7 +20086,7 @@
           <p:cNvPr id="39" name="TextBox 38">
             <a:extLst>
               <a:ext uri="{FF2B5EF4-FFF2-40B4-BE49-F238E27FC236}">
-                <a16:creationId xmlns:a16="http://schemas.microsoft.com/office/drawing/2014/main" xmlns="" id="{86013DA4-C5B4-48D6-B2E5-39C0B1D564DA}"/>
+                <a16:creationId xmlns="" xmlns:a16="http://schemas.microsoft.com/office/drawing/2014/main" id="{86013DA4-C5B4-48D6-B2E5-39C0B1D564DA}"/>
               </a:ext>
             </a:extLst>
           </p:cNvPr>
@@ -20130,7 +20141,7 @@
           <p:cNvPr id="40" name="TextBox 39">
             <a:extLst>
               <a:ext uri="{FF2B5EF4-FFF2-40B4-BE49-F238E27FC236}">
-                <a16:creationId xmlns:a16="http://schemas.microsoft.com/office/drawing/2014/main" xmlns="" id="{E5E57E36-1A2B-4743-818F-A13AB55973C4}"/>
+                <a16:creationId xmlns="" xmlns:a16="http://schemas.microsoft.com/office/drawing/2014/main" id="{E5E57E36-1A2B-4743-818F-A13AB55973C4}"/>
               </a:ext>
             </a:extLst>
           </p:cNvPr>
@@ -20185,7 +20196,7 @@
           <p:cNvPr id="22" name="그림 21">
             <a:extLst>
               <a:ext uri="{FF2B5EF4-FFF2-40B4-BE49-F238E27FC236}">
-                <a16:creationId xmlns:a16="http://schemas.microsoft.com/office/drawing/2014/main" xmlns="" id="{EFCA340C-0AE6-4F09-B1A0-C5B307D6B3D4}"/>
+                <a16:creationId xmlns="" xmlns:a16="http://schemas.microsoft.com/office/drawing/2014/main" id="{EFCA340C-0AE6-4F09-B1A0-C5B307D6B3D4}"/>
               </a:ext>
             </a:extLst>
           </p:cNvPr>
@@ -20245,7 +20256,7 @@
           <p:cNvPr id="36" name="직사각형 35">
             <a:extLst>
               <a:ext uri="{FF2B5EF4-FFF2-40B4-BE49-F238E27FC236}">
-                <a16:creationId xmlns:a16="http://schemas.microsoft.com/office/drawing/2014/main" xmlns="" id="{F3D0F8E4-CE1A-4FE5-B4D8-0E9A54D61F05}"/>
+                <a16:creationId xmlns="" xmlns:a16="http://schemas.microsoft.com/office/drawing/2014/main" id="{F3D0F8E4-CE1A-4FE5-B4D8-0E9A54D61F05}"/>
               </a:ext>
             </a:extLst>
           </p:cNvPr>
@@ -20304,7 +20315,7 @@
           <p:cNvPr id="10" name="그룹 9">
             <a:extLst>
               <a:ext uri="{FF2B5EF4-FFF2-40B4-BE49-F238E27FC236}">
-                <a16:creationId xmlns:a16="http://schemas.microsoft.com/office/drawing/2014/main" xmlns="" id="{8D674A83-BCB9-4E61-B483-99AA1C9EADCD}"/>
+                <a16:creationId xmlns="" xmlns:a16="http://schemas.microsoft.com/office/drawing/2014/main" id="{8D674A83-BCB9-4E61-B483-99AA1C9EADCD}"/>
               </a:ext>
             </a:extLst>
           </p:cNvPr>
@@ -20324,7 +20335,7 @@
             <p:cNvPr id="7" name="직선 연결선 6">
               <a:extLst>
                 <a:ext uri="{FF2B5EF4-FFF2-40B4-BE49-F238E27FC236}">
-                  <a16:creationId xmlns:a16="http://schemas.microsoft.com/office/drawing/2014/main" xmlns="" id="{00E67A09-8F5F-41D1-808B-763DF1C3C3AA}"/>
+                  <a16:creationId xmlns="" xmlns:a16="http://schemas.microsoft.com/office/drawing/2014/main" id="{00E67A09-8F5F-41D1-808B-763DF1C3C3AA}"/>
                 </a:ext>
               </a:extLst>
             </p:cNvPr>
@@ -20365,7 +20376,7 @@
             <p:cNvPr id="8" name="직선 연결선 7">
               <a:extLst>
                 <a:ext uri="{FF2B5EF4-FFF2-40B4-BE49-F238E27FC236}">
-                  <a16:creationId xmlns:a16="http://schemas.microsoft.com/office/drawing/2014/main" xmlns="" id="{30C79DEC-86D4-4107-BE74-1A2A863C74BA}"/>
+                  <a16:creationId xmlns="" xmlns:a16="http://schemas.microsoft.com/office/drawing/2014/main" id="{30C79DEC-86D4-4107-BE74-1A2A863C74BA}"/>
                 </a:ext>
               </a:extLst>
             </p:cNvPr>
@@ -20408,7 +20419,7 @@
             <p:cNvPr id="9" name="직선 연결선 8">
               <a:extLst>
                 <a:ext uri="{FF2B5EF4-FFF2-40B4-BE49-F238E27FC236}">
-                  <a16:creationId xmlns:a16="http://schemas.microsoft.com/office/drawing/2014/main" xmlns="" id="{34B64C44-8612-4CDC-A475-0BF6E4F3CC84}"/>
+                  <a16:creationId xmlns="" xmlns:a16="http://schemas.microsoft.com/office/drawing/2014/main" id="{34B64C44-8612-4CDC-A475-0BF6E4F3CC84}"/>
                 </a:ext>
               </a:extLst>
             </p:cNvPr>
@@ -20452,7 +20463,7 @@
           <p:cNvPr id="11" name="그룹 10">
             <a:extLst>
               <a:ext uri="{FF2B5EF4-FFF2-40B4-BE49-F238E27FC236}">
-                <a16:creationId xmlns:a16="http://schemas.microsoft.com/office/drawing/2014/main" xmlns="" id="{5D9E95C4-9DC2-47C1-A898-9331DB6C5F48}"/>
+                <a16:creationId xmlns="" xmlns:a16="http://schemas.microsoft.com/office/drawing/2014/main" id="{5D9E95C4-9DC2-47C1-A898-9331DB6C5F48}"/>
               </a:ext>
             </a:extLst>
           </p:cNvPr>
@@ -20472,7 +20483,7 @@
             <p:cNvPr id="12" name="직선 연결선 11">
               <a:extLst>
                 <a:ext uri="{FF2B5EF4-FFF2-40B4-BE49-F238E27FC236}">
-                  <a16:creationId xmlns:a16="http://schemas.microsoft.com/office/drawing/2014/main" xmlns="" id="{CD696218-C6BA-41DE-B6E2-8416F856E018}"/>
+                  <a16:creationId xmlns="" xmlns:a16="http://schemas.microsoft.com/office/drawing/2014/main" id="{CD696218-C6BA-41DE-B6E2-8416F856E018}"/>
                 </a:ext>
               </a:extLst>
             </p:cNvPr>
@@ -20513,7 +20524,7 @@
             <p:cNvPr id="13" name="직선 연결선 12">
               <a:extLst>
                 <a:ext uri="{FF2B5EF4-FFF2-40B4-BE49-F238E27FC236}">
-                  <a16:creationId xmlns:a16="http://schemas.microsoft.com/office/drawing/2014/main" xmlns="" id="{15F30200-2129-40AA-8B9C-8ADC62F88473}"/>
+                  <a16:creationId xmlns="" xmlns:a16="http://schemas.microsoft.com/office/drawing/2014/main" id="{15F30200-2129-40AA-8B9C-8ADC62F88473}"/>
                 </a:ext>
               </a:extLst>
             </p:cNvPr>
@@ -20556,7 +20567,7 @@
             <p:cNvPr id="14" name="직선 연결선 13">
               <a:extLst>
                 <a:ext uri="{FF2B5EF4-FFF2-40B4-BE49-F238E27FC236}">
-                  <a16:creationId xmlns:a16="http://schemas.microsoft.com/office/drawing/2014/main" xmlns="" id="{19C29F19-1F66-40B5-98FB-E12B45B2D33A}"/>
+                  <a16:creationId xmlns="" xmlns:a16="http://schemas.microsoft.com/office/drawing/2014/main" id="{19C29F19-1F66-40B5-98FB-E12B45B2D33A}"/>
                 </a:ext>
               </a:extLst>
             </p:cNvPr>
@@ -20600,7 +20611,7 @@
           <p:cNvPr id="15" name="TextBox 14">
             <a:extLst>
               <a:ext uri="{FF2B5EF4-FFF2-40B4-BE49-F238E27FC236}">
-                <a16:creationId xmlns:a16="http://schemas.microsoft.com/office/drawing/2014/main" xmlns="" id="{14D14242-45C1-4883-AD5E-B74D7A88FC8C}"/>
+                <a16:creationId xmlns="" xmlns:a16="http://schemas.microsoft.com/office/drawing/2014/main" id="{14D14242-45C1-4883-AD5E-B74D7A88FC8C}"/>
               </a:ext>
             </a:extLst>
           </p:cNvPr>
@@ -20645,7 +20656,7 @@
           <p:cNvPr id="2" name="표 1">
             <a:extLst>
               <a:ext uri="{FF2B5EF4-FFF2-40B4-BE49-F238E27FC236}">
-                <a16:creationId xmlns:a16="http://schemas.microsoft.com/office/drawing/2014/main" xmlns="" id="{4C7D4855-A391-48EA-A0EE-B4E633DF9D17}"/>
+                <a16:creationId xmlns="" xmlns:a16="http://schemas.microsoft.com/office/drawing/2014/main" id="{4C7D4855-A391-48EA-A0EE-B4E633DF9D17}"/>
               </a:ext>
             </a:extLst>
           </p:cNvPr>
@@ -20674,21 +20685,21 @@
                 <a:gridCol w="3324583">
                   <a:extLst>
                     <a:ext uri="{9D8B030D-6E8A-4147-A177-3AD203B41FA5}">
-                      <a16:colId xmlns:a16="http://schemas.microsoft.com/office/drawing/2014/main" xmlns="" val="2575353964"/>
+                      <a16:colId xmlns="" xmlns:a16="http://schemas.microsoft.com/office/drawing/2014/main" val="2575353964"/>
                     </a:ext>
                   </a:extLst>
                 </a:gridCol>
                 <a:gridCol w="3324583">
                   <a:extLst>
                     <a:ext uri="{9D8B030D-6E8A-4147-A177-3AD203B41FA5}">
-                      <a16:colId xmlns:a16="http://schemas.microsoft.com/office/drawing/2014/main" xmlns="" val="1420312147"/>
+                      <a16:colId xmlns="" xmlns:a16="http://schemas.microsoft.com/office/drawing/2014/main" val="1420312147"/>
                     </a:ext>
                   </a:extLst>
                 </a:gridCol>
                 <a:gridCol w="3324583">
                   <a:extLst>
                     <a:ext uri="{9D8B030D-6E8A-4147-A177-3AD203B41FA5}">
-                      <a16:colId xmlns:a16="http://schemas.microsoft.com/office/drawing/2014/main" xmlns="" val="970730218"/>
+                      <a16:colId xmlns="" xmlns:a16="http://schemas.microsoft.com/office/drawing/2014/main" val="970730218"/>
                     </a:ext>
                   </a:extLst>
                 </a:gridCol>
@@ -20777,7 +20788,7 @@
                 </a:tc>
                 <a:extLst>
                   <a:ext uri="{0D108BD9-81ED-4DB2-BD59-A6C34878D82A}">
-                    <a16:rowId xmlns:a16="http://schemas.microsoft.com/office/drawing/2014/main" xmlns="" val="3211176118"/>
+                    <a16:rowId xmlns="" xmlns:a16="http://schemas.microsoft.com/office/drawing/2014/main" val="3211176118"/>
                   </a:ext>
                 </a:extLst>
               </a:tr>
@@ -20998,7 +21009,7 @@
                 </a:tc>
                 <a:extLst>
                   <a:ext uri="{0D108BD9-81ED-4DB2-BD59-A6C34878D82A}">
-                    <a16:rowId xmlns:a16="http://schemas.microsoft.com/office/drawing/2014/main" xmlns="" val="1948181719"/>
+                    <a16:rowId xmlns="" xmlns:a16="http://schemas.microsoft.com/office/drawing/2014/main" val="1948181719"/>
                   </a:ext>
                 </a:extLst>
               </a:tr>
@@ -21238,7 +21249,7 @@
                 </a:tc>
                 <a:extLst>
                   <a:ext uri="{0D108BD9-81ED-4DB2-BD59-A6C34878D82A}">
-                    <a16:rowId xmlns:a16="http://schemas.microsoft.com/office/drawing/2014/main" xmlns="" val="556451738"/>
+                    <a16:rowId xmlns="" xmlns:a16="http://schemas.microsoft.com/office/drawing/2014/main" val="556451738"/>
                   </a:ext>
                 </a:extLst>
               </a:tr>
@@ -21461,7 +21472,7 @@
                 </a:tc>
                 <a:extLst>
                   <a:ext uri="{0D108BD9-81ED-4DB2-BD59-A6C34878D82A}">
-                    <a16:rowId xmlns:a16="http://schemas.microsoft.com/office/drawing/2014/main" xmlns="" val="736829375"/>
+                    <a16:rowId xmlns="" xmlns:a16="http://schemas.microsoft.com/office/drawing/2014/main" val="736829375"/>
                   </a:ext>
                 </a:extLst>
               </a:tr>
@@ -21474,7 +21485,7 @@
           <p:cNvPr id="3" name="그림 2">
             <a:extLst>
               <a:ext uri="{FF2B5EF4-FFF2-40B4-BE49-F238E27FC236}">
-                <a16:creationId xmlns:a16="http://schemas.microsoft.com/office/drawing/2014/main" xmlns="" id="{000FA820-D8A2-40AE-AE25-EDFC48223FC2}"/>
+                <a16:creationId xmlns="" xmlns:a16="http://schemas.microsoft.com/office/drawing/2014/main" id="{000FA820-D8A2-40AE-AE25-EDFC48223FC2}"/>
               </a:ext>
             </a:extLst>
           </p:cNvPr>
@@ -21504,7 +21515,7 @@
           <p:cNvPr id="5" name="그림 4">
             <a:extLst>
               <a:ext uri="{FF2B5EF4-FFF2-40B4-BE49-F238E27FC236}">
-                <a16:creationId xmlns:a16="http://schemas.microsoft.com/office/drawing/2014/main" xmlns="" id="{8CCF500C-97E4-4CD2-AA09-16C6CFAF3036}"/>
+                <a16:creationId xmlns="" xmlns:a16="http://schemas.microsoft.com/office/drawing/2014/main" id="{8CCF500C-97E4-4CD2-AA09-16C6CFAF3036}"/>
               </a:ext>
             </a:extLst>
           </p:cNvPr>
@@ -21534,7 +21545,7 @@
           <p:cNvPr id="6" name="그림 5">
             <a:extLst>
               <a:ext uri="{FF2B5EF4-FFF2-40B4-BE49-F238E27FC236}">
-                <a16:creationId xmlns:a16="http://schemas.microsoft.com/office/drawing/2014/main" xmlns="" id="{39F094FD-ED39-4854-B9EF-4659BAC14DFA}"/>
+                <a16:creationId xmlns="" xmlns:a16="http://schemas.microsoft.com/office/drawing/2014/main" id="{39F094FD-ED39-4854-B9EF-4659BAC14DFA}"/>
               </a:ext>
             </a:extLst>
           </p:cNvPr>
@@ -21564,7 +21575,7 @@
           <p:cNvPr id="16" name="TextBox 15">
             <a:extLst>
               <a:ext uri="{FF2B5EF4-FFF2-40B4-BE49-F238E27FC236}">
-                <a16:creationId xmlns:a16="http://schemas.microsoft.com/office/drawing/2014/main" xmlns="" id="{488D9E3F-D9D8-4BBB-BE9F-D49148D8F0D1}"/>
+                <a16:creationId xmlns="" xmlns:a16="http://schemas.microsoft.com/office/drawing/2014/main" id="{488D9E3F-D9D8-4BBB-BE9F-D49148D8F0D1}"/>
               </a:ext>
             </a:extLst>
           </p:cNvPr>
@@ -21596,7 +21607,7 @@
           <p:cNvPr id="19" name="그림 18">
             <a:extLst>
               <a:ext uri="{FF2B5EF4-FFF2-40B4-BE49-F238E27FC236}">
-                <a16:creationId xmlns:a16="http://schemas.microsoft.com/office/drawing/2014/main" xmlns="" id="{EFCA340C-0AE6-4F09-B1A0-C5B307D6B3D4}"/>
+                <a16:creationId xmlns="" xmlns:a16="http://schemas.microsoft.com/office/drawing/2014/main" id="{EFCA340C-0AE6-4F09-B1A0-C5B307D6B3D4}"/>
               </a:ext>
             </a:extLst>
           </p:cNvPr>
@@ -21656,7 +21667,7 @@
           <p:cNvPr id="36" name="직사각형 35">
             <a:extLst>
               <a:ext uri="{FF2B5EF4-FFF2-40B4-BE49-F238E27FC236}">
-                <a16:creationId xmlns:a16="http://schemas.microsoft.com/office/drawing/2014/main" xmlns="" id="{F3D0F8E4-CE1A-4FE5-B4D8-0E9A54D61F05}"/>
+                <a16:creationId xmlns="" xmlns:a16="http://schemas.microsoft.com/office/drawing/2014/main" id="{F3D0F8E4-CE1A-4FE5-B4D8-0E9A54D61F05}"/>
               </a:ext>
             </a:extLst>
           </p:cNvPr>
@@ -21715,7 +21726,7 @@
           <p:cNvPr id="10" name="그룹 9">
             <a:extLst>
               <a:ext uri="{FF2B5EF4-FFF2-40B4-BE49-F238E27FC236}">
-                <a16:creationId xmlns:a16="http://schemas.microsoft.com/office/drawing/2014/main" xmlns="" id="{8D674A83-BCB9-4E61-B483-99AA1C9EADCD}"/>
+                <a16:creationId xmlns="" xmlns:a16="http://schemas.microsoft.com/office/drawing/2014/main" id="{8D674A83-BCB9-4E61-B483-99AA1C9EADCD}"/>
               </a:ext>
             </a:extLst>
           </p:cNvPr>
@@ -21735,7 +21746,7 @@
             <p:cNvPr id="7" name="직선 연결선 6">
               <a:extLst>
                 <a:ext uri="{FF2B5EF4-FFF2-40B4-BE49-F238E27FC236}">
-                  <a16:creationId xmlns:a16="http://schemas.microsoft.com/office/drawing/2014/main" xmlns="" id="{00E67A09-8F5F-41D1-808B-763DF1C3C3AA}"/>
+                  <a16:creationId xmlns="" xmlns:a16="http://schemas.microsoft.com/office/drawing/2014/main" id="{00E67A09-8F5F-41D1-808B-763DF1C3C3AA}"/>
                 </a:ext>
               </a:extLst>
             </p:cNvPr>
@@ -21776,7 +21787,7 @@
             <p:cNvPr id="8" name="직선 연결선 7">
               <a:extLst>
                 <a:ext uri="{FF2B5EF4-FFF2-40B4-BE49-F238E27FC236}">
-                  <a16:creationId xmlns:a16="http://schemas.microsoft.com/office/drawing/2014/main" xmlns="" id="{30C79DEC-86D4-4107-BE74-1A2A863C74BA}"/>
+                  <a16:creationId xmlns="" xmlns:a16="http://schemas.microsoft.com/office/drawing/2014/main" id="{30C79DEC-86D4-4107-BE74-1A2A863C74BA}"/>
                 </a:ext>
               </a:extLst>
             </p:cNvPr>
@@ -21819,7 +21830,7 @@
             <p:cNvPr id="9" name="직선 연결선 8">
               <a:extLst>
                 <a:ext uri="{FF2B5EF4-FFF2-40B4-BE49-F238E27FC236}">
-                  <a16:creationId xmlns:a16="http://schemas.microsoft.com/office/drawing/2014/main" xmlns="" id="{34B64C44-8612-4CDC-A475-0BF6E4F3CC84}"/>
+                  <a16:creationId xmlns="" xmlns:a16="http://schemas.microsoft.com/office/drawing/2014/main" id="{34B64C44-8612-4CDC-A475-0BF6E4F3CC84}"/>
                 </a:ext>
               </a:extLst>
             </p:cNvPr>
@@ -21863,7 +21874,7 @@
           <p:cNvPr id="11" name="그룹 10">
             <a:extLst>
               <a:ext uri="{FF2B5EF4-FFF2-40B4-BE49-F238E27FC236}">
-                <a16:creationId xmlns:a16="http://schemas.microsoft.com/office/drawing/2014/main" xmlns="" id="{5D9E95C4-9DC2-47C1-A898-9331DB6C5F48}"/>
+                <a16:creationId xmlns="" xmlns:a16="http://schemas.microsoft.com/office/drawing/2014/main" id="{5D9E95C4-9DC2-47C1-A898-9331DB6C5F48}"/>
               </a:ext>
             </a:extLst>
           </p:cNvPr>
@@ -21883,7 +21894,7 @@
             <p:cNvPr id="12" name="직선 연결선 11">
               <a:extLst>
                 <a:ext uri="{FF2B5EF4-FFF2-40B4-BE49-F238E27FC236}">
-                  <a16:creationId xmlns:a16="http://schemas.microsoft.com/office/drawing/2014/main" xmlns="" id="{CD696218-C6BA-41DE-B6E2-8416F856E018}"/>
+                  <a16:creationId xmlns="" xmlns:a16="http://schemas.microsoft.com/office/drawing/2014/main" id="{CD696218-C6BA-41DE-B6E2-8416F856E018}"/>
                 </a:ext>
               </a:extLst>
             </p:cNvPr>
@@ -21924,7 +21935,7 @@
             <p:cNvPr id="13" name="직선 연결선 12">
               <a:extLst>
                 <a:ext uri="{FF2B5EF4-FFF2-40B4-BE49-F238E27FC236}">
-                  <a16:creationId xmlns:a16="http://schemas.microsoft.com/office/drawing/2014/main" xmlns="" id="{15F30200-2129-40AA-8B9C-8ADC62F88473}"/>
+                  <a16:creationId xmlns="" xmlns:a16="http://schemas.microsoft.com/office/drawing/2014/main" id="{15F30200-2129-40AA-8B9C-8ADC62F88473}"/>
                 </a:ext>
               </a:extLst>
             </p:cNvPr>
@@ -21967,7 +21978,7 @@
             <p:cNvPr id="14" name="직선 연결선 13">
               <a:extLst>
                 <a:ext uri="{FF2B5EF4-FFF2-40B4-BE49-F238E27FC236}">
-                  <a16:creationId xmlns:a16="http://schemas.microsoft.com/office/drawing/2014/main" xmlns="" id="{19C29F19-1F66-40B5-98FB-E12B45B2D33A}"/>
+                  <a16:creationId xmlns="" xmlns:a16="http://schemas.microsoft.com/office/drawing/2014/main" id="{19C29F19-1F66-40B5-98FB-E12B45B2D33A}"/>
                 </a:ext>
               </a:extLst>
             </p:cNvPr>
@@ -22011,7 +22022,7 @@
           <p:cNvPr id="15" name="TextBox 14">
             <a:extLst>
               <a:ext uri="{FF2B5EF4-FFF2-40B4-BE49-F238E27FC236}">
-                <a16:creationId xmlns:a16="http://schemas.microsoft.com/office/drawing/2014/main" xmlns="" id="{14D14242-45C1-4883-AD5E-B74D7A88FC8C}"/>
+                <a16:creationId xmlns="" xmlns:a16="http://schemas.microsoft.com/office/drawing/2014/main" id="{14D14242-45C1-4883-AD5E-B74D7A88FC8C}"/>
               </a:ext>
             </a:extLst>
           </p:cNvPr>
@@ -22070,7 +22081,7 @@
           <p:cNvPr id="3" name="그림 2">
             <a:extLst>
               <a:ext uri="{FF2B5EF4-FFF2-40B4-BE49-F238E27FC236}">
-                <a16:creationId xmlns:a16="http://schemas.microsoft.com/office/drawing/2014/main" xmlns="" id="{000FA820-D8A2-40AE-AE25-EDFC48223FC2}"/>
+                <a16:creationId xmlns="" xmlns:a16="http://schemas.microsoft.com/office/drawing/2014/main" id="{000FA820-D8A2-40AE-AE25-EDFC48223FC2}"/>
               </a:ext>
             </a:extLst>
           </p:cNvPr>
@@ -22100,7 +22111,7 @@
           <p:cNvPr id="5" name="그림 4">
             <a:extLst>
               <a:ext uri="{FF2B5EF4-FFF2-40B4-BE49-F238E27FC236}">
-                <a16:creationId xmlns:a16="http://schemas.microsoft.com/office/drawing/2014/main" xmlns="" id="{8CCF500C-97E4-4CD2-AA09-16C6CFAF3036}"/>
+                <a16:creationId xmlns="" xmlns:a16="http://schemas.microsoft.com/office/drawing/2014/main" id="{8CCF500C-97E4-4CD2-AA09-16C6CFAF3036}"/>
               </a:ext>
             </a:extLst>
           </p:cNvPr>
@@ -22130,7 +22141,7 @@
           <p:cNvPr id="6" name="그림 5">
             <a:extLst>
               <a:ext uri="{FF2B5EF4-FFF2-40B4-BE49-F238E27FC236}">
-                <a16:creationId xmlns:a16="http://schemas.microsoft.com/office/drawing/2014/main" xmlns="" id="{39F094FD-ED39-4854-B9EF-4659BAC14DFA}"/>
+                <a16:creationId xmlns="" xmlns:a16="http://schemas.microsoft.com/office/drawing/2014/main" id="{39F094FD-ED39-4854-B9EF-4659BAC14DFA}"/>
               </a:ext>
             </a:extLst>
           </p:cNvPr>
@@ -22160,7 +22171,7 @@
           <p:cNvPr id="16" name="TextBox 15">
             <a:extLst>
               <a:ext uri="{FF2B5EF4-FFF2-40B4-BE49-F238E27FC236}">
-                <a16:creationId xmlns:a16="http://schemas.microsoft.com/office/drawing/2014/main" xmlns="" id="{488D9E3F-D9D8-4BBB-BE9F-D49148D8F0D1}"/>
+                <a16:creationId xmlns="" xmlns:a16="http://schemas.microsoft.com/office/drawing/2014/main" id="{488D9E3F-D9D8-4BBB-BE9F-D49148D8F0D1}"/>
               </a:ext>
             </a:extLst>
           </p:cNvPr>
@@ -22192,7 +22203,7 @@
           <p:cNvPr id="18" name="TextBox 17">
             <a:extLst>
               <a:ext uri="{FF2B5EF4-FFF2-40B4-BE49-F238E27FC236}">
-                <a16:creationId xmlns:a16="http://schemas.microsoft.com/office/drawing/2014/main" xmlns="" id="{81445CFC-485F-490D-AF3B-04429928B937}"/>
+                <a16:creationId xmlns="" xmlns:a16="http://schemas.microsoft.com/office/drawing/2014/main" id="{81445CFC-485F-490D-AF3B-04429928B937}"/>
               </a:ext>
             </a:extLst>
           </p:cNvPr>
@@ -22303,7 +22314,7 @@
           <p:cNvPr id="19" name="TextBox 18">
             <a:extLst>
               <a:ext uri="{FF2B5EF4-FFF2-40B4-BE49-F238E27FC236}">
-                <a16:creationId xmlns:a16="http://schemas.microsoft.com/office/drawing/2014/main" xmlns="" id="{328546B2-C3C9-46E5-9C52-352660788EF4}"/>
+                <a16:creationId xmlns="" xmlns:a16="http://schemas.microsoft.com/office/drawing/2014/main" id="{328546B2-C3C9-46E5-9C52-352660788EF4}"/>
               </a:ext>
             </a:extLst>
           </p:cNvPr>
@@ -22424,7 +22435,7 @@
           <p:cNvPr id="22" name="TextBox 21">
             <a:extLst>
               <a:ext uri="{FF2B5EF4-FFF2-40B4-BE49-F238E27FC236}">
-                <a16:creationId xmlns:a16="http://schemas.microsoft.com/office/drawing/2014/main" xmlns="" id="{5586186B-546E-48D2-A2F1-DDD38151E395}"/>
+                <a16:creationId xmlns="" xmlns:a16="http://schemas.microsoft.com/office/drawing/2014/main" id="{5586186B-546E-48D2-A2F1-DDD38151E395}"/>
               </a:ext>
             </a:extLst>
           </p:cNvPr>
@@ -22514,7 +22525,7 @@
           <p:cNvPr id="26" name="더하기 기호 25">
             <a:extLst>
               <a:ext uri="{FF2B5EF4-FFF2-40B4-BE49-F238E27FC236}">
-                <a16:creationId xmlns:a16="http://schemas.microsoft.com/office/drawing/2014/main" xmlns="" id="{D19C58BF-2DD8-458C-9BBC-128F75027BC2}"/>
+                <a16:creationId xmlns="" xmlns:a16="http://schemas.microsoft.com/office/drawing/2014/main" id="{D19C58BF-2DD8-458C-9BBC-128F75027BC2}"/>
               </a:ext>
             </a:extLst>
           </p:cNvPr>
@@ -22571,7 +22582,7 @@
           <p:cNvPr id="27" name="더하기 기호 26">
             <a:extLst>
               <a:ext uri="{FF2B5EF4-FFF2-40B4-BE49-F238E27FC236}">
-                <a16:creationId xmlns:a16="http://schemas.microsoft.com/office/drawing/2014/main" xmlns="" id="{33AD2591-A234-4F45-B520-5F348D73A66D}"/>
+                <a16:creationId xmlns="" xmlns:a16="http://schemas.microsoft.com/office/drawing/2014/main" id="{33AD2591-A234-4F45-B520-5F348D73A66D}"/>
               </a:ext>
             </a:extLst>
           </p:cNvPr>
@@ -22628,7 +22639,7 @@
           <p:cNvPr id="24" name="직사각형 23">
             <a:extLst>
               <a:ext uri="{FF2B5EF4-FFF2-40B4-BE49-F238E27FC236}">
-                <a16:creationId xmlns:a16="http://schemas.microsoft.com/office/drawing/2014/main" xmlns="" id="{63A22C29-1221-4D7B-BE5A-5699557C75F1}"/>
+                <a16:creationId xmlns="" xmlns:a16="http://schemas.microsoft.com/office/drawing/2014/main" id="{63A22C29-1221-4D7B-BE5A-5699557C75F1}"/>
               </a:ext>
             </a:extLst>
           </p:cNvPr>
@@ -22688,7 +22699,7 @@
           <p:cNvPr id="29" name="직사각형 28">
             <a:extLst>
               <a:ext uri="{FF2B5EF4-FFF2-40B4-BE49-F238E27FC236}">
-                <a16:creationId xmlns:a16="http://schemas.microsoft.com/office/drawing/2014/main" xmlns="" id="{F28681F8-6DD7-4BB3-89FD-E9A9FF8335D1}"/>
+                <a16:creationId xmlns="" xmlns:a16="http://schemas.microsoft.com/office/drawing/2014/main" id="{F28681F8-6DD7-4BB3-89FD-E9A9FF8335D1}"/>
               </a:ext>
             </a:extLst>
           </p:cNvPr>
@@ -22748,7 +22759,7 @@
           <p:cNvPr id="30" name="TextBox 29">
             <a:extLst>
               <a:ext uri="{FF2B5EF4-FFF2-40B4-BE49-F238E27FC236}">
-                <a16:creationId xmlns:a16="http://schemas.microsoft.com/office/drawing/2014/main" xmlns="" id="{C7E92E9C-E4CD-4CF2-ACB1-542CE812A63F}"/>
+                <a16:creationId xmlns="" xmlns:a16="http://schemas.microsoft.com/office/drawing/2014/main" id="{C7E92E9C-E4CD-4CF2-ACB1-542CE812A63F}"/>
               </a:ext>
             </a:extLst>
           </p:cNvPr>
@@ -22803,7 +22814,7 @@
           <p:cNvPr id="31" name="TextBox 30">
             <a:extLst>
               <a:ext uri="{FF2B5EF4-FFF2-40B4-BE49-F238E27FC236}">
-                <a16:creationId xmlns:a16="http://schemas.microsoft.com/office/drawing/2014/main" xmlns="" id="{86C8362F-5609-49B3-A87D-E23DDEB9B67E}"/>
+                <a16:creationId xmlns="" xmlns:a16="http://schemas.microsoft.com/office/drawing/2014/main" id="{86C8362F-5609-49B3-A87D-E23DDEB9B67E}"/>
               </a:ext>
             </a:extLst>
           </p:cNvPr>
@@ -22845,7 +22856,7 @@
           <p:cNvPr id="32" name="TextBox 31">
             <a:extLst>
               <a:ext uri="{FF2B5EF4-FFF2-40B4-BE49-F238E27FC236}">
-                <a16:creationId xmlns:a16="http://schemas.microsoft.com/office/drawing/2014/main" xmlns="" id="{609CAFF3-5469-40AE-8B77-D30F645457A3}"/>
+                <a16:creationId xmlns="" xmlns:a16="http://schemas.microsoft.com/office/drawing/2014/main" id="{609CAFF3-5469-40AE-8B77-D30F645457A3}"/>
               </a:ext>
             </a:extLst>
           </p:cNvPr>
@@ -22916,7 +22927,7 @@
           <p:cNvPr id="33" name="TextBox 32">
             <a:extLst>
               <a:ext uri="{FF2B5EF4-FFF2-40B4-BE49-F238E27FC236}">
-                <a16:creationId xmlns:a16="http://schemas.microsoft.com/office/drawing/2014/main" xmlns="" id="{6C1C7C47-6ACB-4C6E-A35C-2E638354D321}"/>
+                <a16:creationId xmlns="" xmlns:a16="http://schemas.microsoft.com/office/drawing/2014/main" id="{6C1C7C47-6ACB-4C6E-A35C-2E638354D321}"/>
               </a:ext>
             </a:extLst>
           </p:cNvPr>
@@ -22972,7 +22983,7 @@
           <p:cNvPr id="35" name="그림 34">
             <a:extLst>
               <a:ext uri="{FF2B5EF4-FFF2-40B4-BE49-F238E27FC236}">
-                <a16:creationId xmlns:a16="http://schemas.microsoft.com/office/drawing/2014/main" xmlns="" id="{EFCA340C-0AE6-4F09-B1A0-C5B307D6B3D4}"/>
+                <a16:creationId xmlns="" xmlns:a16="http://schemas.microsoft.com/office/drawing/2014/main" id="{EFCA340C-0AE6-4F09-B1A0-C5B307D6B3D4}"/>
               </a:ext>
             </a:extLst>
           </p:cNvPr>
@@ -23230,7 +23241,7 @@
           <p:cNvPr id="27" name="직사각형 26">
             <a:extLst>
               <a:ext uri="{FF2B5EF4-FFF2-40B4-BE49-F238E27FC236}">
-                <a16:creationId xmlns:a16="http://schemas.microsoft.com/office/drawing/2014/main" xmlns="" id="{DC192110-115E-4A8B-93F4-C1D393069DCF}"/>
+                <a16:creationId xmlns="" xmlns:a16="http://schemas.microsoft.com/office/drawing/2014/main" id="{DC192110-115E-4A8B-93F4-C1D393069DCF}"/>
               </a:ext>
             </a:extLst>
           </p:cNvPr>
@@ -23289,7 +23300,7 @@
           <p:cNvPr id="52" name="그림 51">
             <a:extLst>
               <a:ext uri="{FF2B5EF4-FFF2-40B4-BE49-F238E27FC236}">
-                <a16:creationId xmlns:a16="http://schemas.microsoft.com/office/drawing/2014/main" xmlns="" id="{10148D70-A723-4961-BFA6-6D46D6194A43}"/>
+                <a16:creationId xmlns="" xmlns:a16="http://schemas.microsoft.com/office/drawing/2014/main" id="{10148D70-A723-4961-BFA6-6D46D6194A43}"/>
               </a:ext>
             </a:extLst>
           </p:cNvPr>
@@ -23319,7 +23330,7 @@
           <p:cNvPr id="10" name="그룹 9">
             <a:extLst>
               <a:ext uri="{FF2B5EF4-FFF2-40B4-BE49-F238E27FC236}">
-                <a16:creationId xmlns:a16="http://schemas.microsoft.com/office/drawing/2014/main" xmlns="" id="{8D674A83-BCB9-4E61-B483-99AA1C9EADCD}"/>
+                <a16:creationId xmlns="" xmlns:a16="http://schemas.microsoft.com/office/drawing/2014/main" id="{8D674A83-BCB9-4E61-B483-99AA1C9EADCD}"/>
               </a:ext>
             </a:extLst>
           </p:cNvPr>
@@ -23339,7 +23350,7 @@
             <p:cNvPr id="7" name="직선 연결선 6">
               <a:extLst>
                 <a:ext uri="{FF2B5EF4-FFF2-40B4-BE49-F238E27FC236}">
-                  <a16:creationId xmlns:a16="http://schemas.microsoft.com/office/drawing/2014/main" xmlns="" id="{00E67A09-8F5F-41D1-808B-763DF1C3C3AA}"/>
+                  <a16:creationId xmlns="" xmlns:a16="http://schemas.microsoft.com/office/drawing/2014/main" id="{00E67A09-8F5F-41D1-808B-763DF1C3C3AA}"/>
                 </a:ext>
               </a:extLst>
             </p:cNvPr>
@@ -23380,7 +23391,7 @@
             <p:cNvPr id="8" name="직선 연결선 7">
               <a:extLst>
                 <a:ext uri="{FF2B5EF4-FFF2-40B4-BE49-F238E27FC236}">
-                  <a16:creationId xmlns:a16="http://schemas.microsoft.com/office/drawing/2014/main" xmlns="" id="{30C79DEC-86D4-4107-BE74-1A2A863C74BA}"/>
+                  <a16:creationId xmlns="" xmlns:a16="http://schemas.microsoft.com/office/drawing/2014/main" id="{30C79DEC-86D4-4107-BE74-1A2A863C74BA}"/>
                 </a:ext>
               </a:extLst>
             </p:cNvPr>
@@ -23423,7 +23434,7 @@
             <p:cNvPr id="9" name="직선 연결선 8">
               <a:extLst>
                 <a:ext uri="{FF2B5EF4-FFF2-40B4-BE49-F238E27FC236}">
-                  <a16:creationId xmlns:a16="http://schemas.microsoft.com/office/drawing/2014/main" xmlns="" id="{34B64C44-8612-4CDC-A475-0BF6E4F3CC84}"/>
+                  <a16:creationId xmlns="" xmlns:a16="http://schemas.microsoft.com/office/drawing/2014/main" id="{34B64C44-8612-4CDC-A475-0BF6E4F3CC84}"/>
                 </a:ext>
               </a:extLst>
             </p:cNvPr>
@@ -23467,7 +23478,7 @@
           <p:cNvPr id="11" name="그룹 10">
             <a:extLst>
               <a:ext uri="{FF2B5EF4-FFF2-40B4-BE49-F238E27FC236}">
-                <a16:creationId xmlns:a16="http://schemas.microsoft.com/office/drawing/2014/main" xmlns="" id="{5D9E95C4-9DC2-47C1-A898-9331DB6C5F48}"/>
+                <a16:creationId xmlns="" xmlns:a16="http://schemas.microsoft.com/office/drawing/2014/main" id="{5D9E95C4-9DC2-47C1-A898-9331DB6C5F48}"/>
               </a:ext>
             </a:extLst>
           </p:cNvPr>
@@ -23487,7 +23498,7 @@
             <p:cNvPr id="12" name="직선 연결선 11">
               <a:extLst>
                 <a:ext uri="{FF2B5EF4-FFF2-40B4-BE49-F238E27FC236}">
-                  <a16:creationId xmlns:a16="http://schemas.microsoft.com/office/drawing/2014/main" xmlns="" id="{CD696218-C6BA-41DE-B6E2-8416F856E018}"/>
+                  <a16:creationId xmlns="" xmlns:a16="http://schemas.microsoft.com/office/drawing/2014/main" id="{CD696218-C6BA-41DE-B6E2-8416F856E018}"/>
                 </a:ext>
               </a:extLst>
             </p:cNvPr>
@@ -23528,7 +23539,7 @@
             <p:cNvPr id="13" name="직선 연결선 12">
               <a:extLst>
                 <a:ext uri="{FF2B5EF4-FFF2-40B4-BE49-F238E27FC236}">
-                  <a16:creationId xmlns:a16="http://schemas.microsoft.com/office/drawing/2014/main" xmlns="" id="{15F30200-2129-40AA-8B9C-8ADC62F88473}"/>
+                  <a16:creationId xmlns="" xmlns:a16="http://schemas.microsoft.com/office/drawing/2014/main" id="{15F30200-2129-40AA-8B9C-8ADC62F88473}"/>
                 </a:ext>
               </a:extLst>
             </p:cNvPr>
@@ -23571,7 +23582,7 @@
             <p:cNvPr id="14" name="직선 연결선 13">
               <a:extLst>
                 <a:ext uri="{FF2B5EF4-FFF2-40B4-BE49-F238E27FC236}">
-                  <a16:creationId xmlns:a16="http://schemas.microsoft.com/office/drawing/2014/main" xmlns="" id="{19C29F19-1F66-40B5-98FB-E12B45B2D33A}"/>
+                  <a16:creationId xmlns="" xmlns:a16="http://schemas.microsoft.com/office/drawing/2014/main" id="{19C29F19-1F66-40B5-98FB-E12B45B2D33A}"/>
                 </a:ext>
               </a:extLst>
             </p:cNvPr>
@@ -23615,7 +23626,7 @@
           <p:cNvPr id="15" name="TextBox 14">
             <a:extLst>
               <a:ext uri="{FF2B5EF4-FFF2-40B4-BE49-F238E27FC236}">
-                <a16:creationId xmlns:a16="http://schemas.microsoft.com/office/drawing/2014/main" xmlns="" id="{14D14242-45C1-4883-AD5E-B74D7A88FC8C}"/>
+                <a16:creationId xmlns="" xmlns:a16="http://schemas.microsoft.com/office/drawing/2014/main" id="{14D14242-45C1-4883-AD5E-B74D7A88FC8C}"/>
               </a:ext>
             </a:extLst>
           </p:cNvPr>
@@ -23685,7 +23696,7 @@
           <p:cNvPr id="22" name="TextBox 21">
             <a:extLst>
               <a:ext uri="{FF2B5EF4-FFF2-40B4-BE49-F238E27FC236}">
-                <a16:creationId xmlns:a16="http://schemas.microsoft.com/office/drawing/2014/main" xmlns="" id="{39FD63E6-65F9-44A1-BB3E-2BDE20ED59B2}"/>
+                <a16:creationId xmlns="" xmlns:a16="http://schemas.microsoft.com/office/drawing/2014/main" id="{39FD63E6-65F9-44A1-BB3E-2BDE20ED59B2}"/>
               </a:ext>
             </a:extLst>
           </p:cNvPr>
@@ -23795,7 +23806,7 @@
           <p:cNvPr id="55" name="TextBox 54">
             <a:extLst>
               <a:ext uri="{FF2B5EF4-FFF2-40B4-BE49-F238E27FC236}">
-                <a16:creationId xmlns:a16="http://schemas.microsoft.com/office/drawing/2014/main" xmlns="" id="{586A168A-0810-48C9-A567-723E3FEE789D}"/>
+                <a16:creationId xmlns="" xmlns:a16="http://schemas.microsoft.com/office/drawing/2014/main" id="{586A168A-0810-48C9-A567-723E3FEE789D}"/>
               </a:ext>
             </a:extLst>
           </p:cNvPr>
@@ -23837,7 +23848,7 @@
           <p:cNvPr id="57" name="TextBox 56">
             <a:extLst>
               <a:ext uri="{FF2B5EF4-FFF2-40B4-BE49-F238E27FC236}">
-                <a16:creationId xmlns:a16="http://schemas.microsoft.com/office/drawing/2014/main" xmlns="" id="{EC9E6F08-86EF-487D-8B76-6D19DB1F0412}"/>
+                <a16:creationId xmlns="" xmlns:a16="http://schemas.microsoft.com/office/drawing/2014/main" id="{EC9E6F08-86EF-487D-8B76-6D19DB1F0412}"/>
               </a:ext>
             </a:extLst>
           </p:cNvPr>
@@ -23875,7 +23886,7 @@
           <p:cNvPr id="58" name="Picture 6" descr="C:\Users\yoo\AppData\Local\Microsoft\Windows\Temporary Internet Files\Content.IE5\ELTBIZ8P\computer-icons[1].png">
             <a:extLst>
               <a:ext uri="{FF2B5EF4-FFF2-40B4-BE49-F238E27FC236}">
-                <a16:creationId xmlns:a16="http://schemas.microsoft.com/office/drawing/2014/main" xmlns="" id="{5F6892C2-35A7-4245-B22C-9637C0DCA47C}"/>
+                <a16:creationId xmlns="" xmlns:a16="http://schemas.microsoft.com/office/drawing/2014/main" id="{5F6892C2-35A7-4245-B22C-9637C0DCA47C}"/>
               </a:ext>
             </a:extLst>
           </p:cNvPr>
@@ -23927,7 +23938,7 @@
           <p:cNvPr id="56" name="그림 55">
             <a:extLst>
               <a:ext uri="{FF2B5EF4-FFF2-40B4-BE49-F238E27FC236}">
-                <a16:creationId xmlns:a16="http://schemas.microsoft.com/office/drawing/2014/main" xmlns="" id="{17F9293B-C503-4AFE-B275-66186BA9C0AA}"/>
+                <a16:creationId xmlns="" xmlns:a16="http://schemas.microsoft.com/office/drawing/2014/main" id="{17F9293B-C503-4AFE-B275-66186BA9C0AA}"/>
               </a:ext>
             </a:extLst>
           </p:cNvPr>
@@ -23957,7 +23968,7 @@
           <p:cNvPr id="61" name="TextBox 60">
             <a:extLst>
               <a:ext uri="{FF2B5EF4-FFF2-40B4-BE49-F238E27FC236}">
-                <a16:creationId xmlns:a16="http://schemas.microsoft.com/office/drawing/2014/main" xmlns="" id="{B02E92B2-6597-47EE-B98F-48C85A197FF5}"/>
+                <a16:creationId xmlns="" xmlns:a16="http://schemas.microsoft.com/office/drawing/2014/main" id="{B02E92B2-6597-47EE-B98F-48C85A197FF5}"/>
               </a:ext>
             </a:extLst>
           </p:cNvPr>
@@ -24008,7 +24019,7 @@
           <p:cNvPr id="62" name="직선 화살표 연결선 61">
             <a:extLst>
               <a:ext uri="{FF2B5EF4-FFF2-40B4-BE49-F238E27FC236}">
-                <a16:creationId xmlns:a16="http://schemas.microsoft.com/office/drawing/2014/main" xmlns="" id="{A45073F5-46F7-49ED-A598-37485EED5774}"/>
+                <a16:creationId xmlns="" xmlns:a16="http://schemas.microsoft.com/office/drawing/2014/main" id="{A45073F5-46F7-49ED-A598-37485EED5774}"/>
               </a:ext>
             </a:extLst>
           </p:cNvPr>
@@ -24049,7 +24060,7 @@
           <p:cNvPr id="65" name="직선 화살표 연결선 64">
             <a:extLst>
               <a:ext uri="{FF2B5EF4-FFF2-40B4-BE49-F238E27FC236}">
-                <a16:creationId xmlns:a16="http://schemas.microsoft.com/office/drawing/2014/main" xmlns="" id="{409A83D2-D22C-40F2-AEA3-5540D3F39711}"/>
+                <a16:creationId xmlns="" xmlns:a16="http://schemas.microsoft.com/office/drawing/2014/main" id="{409A83D2-D22C-40F2-AEA3-5540D3F39711}"/>
               </a:ext>
             </a:extLst>
           </p:cNvPr>
@@ -24090,7 +24101,7 @@
           <p:cNvPr id="68" name="직선 화살표 연결선 67">
             <a:extLst>
               <a:ext uri="{FF2B5EF4-FFF2-40B4-BE49-F238E27FC236}">
-                <a16:creationId xmlns:a16="http://schemas.microsoft.com/office/drawing/2014/main" xmlns="" id="{27738969-6C47-47B8-B5FB-A3C934B2D319}"/>
+                <a16:creationId xmlns="" xmlns:a16="http://schemas.microsoft.com/office/drawing/2014/main" id="{27738969-6C47-47B8-B5FB-A3C934B2D319}"/>
               </a:ext>
             </a:extLst>
           </p:cNvPr>
@@ -24131,7 +24142,7 @@
           <p:cNvPr id="25" name="그룹 24">
             <a:extLst>
               <a:ext uri="{FF2B5EF4-FFF2-40B4-BE49-F238E27FC236}">
-                <a16:creationId xmlns:a16="http://schemas.microsoft.com/office/drawing/2014/main" xmlns="" id="{C0942101-BC45-4C9E-9166-19B907AFD2BB}"/>
+                <a16:creationId xmlns="" xmlns:a16="http://schemas.microsoft.com/office/drawing/2014/main" id="{C0942101-BC45-4C9E-9166-19B907AFD2BB}"/>
               </a:ext>
             </a:extLst>
           </p:cNvPr>
@@ -24151,7 +24162,7 @@
             <p:cNvPr id="26" name="Picture 2" descr="C:\Users\Owner\Desktop\icon.png">
               <a:extLst>
                 <a:ext uri="{FF2B5EF4-FFF2-40B4-BE49-F238E27FC236}">
-                  <a16:creationId xmlns:a16="http://schemas.microsoft.com/office/drawing/2014/main" xmlns="" id="{086C631F-2791-4817-AE79-D046E734D52F}"/>
+                  <a16:creationId xmlns="" xmlns:a16="http://schemas.microsoft.com/office/drawing/2014/main" id="{086C631F-2791-4817-AE79-D046E734D52F}"/>
                 </a:ext>
               </a:extLst>
             </p:cNvPr>
@@ -24198,7 +24209,7 @@
             <p:cNvPr id="28" name="Picture 4" descr="C:\Users\Owner\Desktop\pets-hotel-circular-symbol-with-a-dog-and-a-verification-sign-inside-a-heart.png">
               <a:extLst>
                 <a:ext uri="{FF2B5EF4-FFF2-40B4-BE49-F238E27FC236}">
-                  <a16:creationId xmlns:a16="http://schemas.microsoft.com/office/drawing/2014/main" xmlns="" id="{D102D72B-5232-41F0-95C5-910FB12AC3AC}"/>
+                  <a16:creationId xmlns="" xmlns:a16="http://schemas.microsoft.com/office/drawing/2014/main" id="{D102D72B-5232-41F0-95C5-910FB12AC3AC}"/>
                 </a:ext>
               </a:extLst>
             </p:cNvPr>
@@ -24245,7 +24256,7 @@
             <p:cNvPr id="29" name="TextBox 28">
               <a:extLst>
                 <a:ext uri="{FF2B5EF4-FFF2-40B4-BE49-F238E27FC236}">
-                  <a16:creationId xmlns:a16="http://schemas.microsoft.com/office/drawing/2014/main" xmlns="" id="{C39C8D4E-CBCE-4657-87A2-7B9215F6084D}"/>
+                  <a16:creationId xmlns="" xmlns:a16="http://schemas.microsoft.com/office/drawing/2014/main" id="{C39C8D4E-CBCE-4657-87A2-7B9215F6084D}"/>
                 </a:ext>
               </a:extLst>
             </p:cNvPr>
@@ -24301,7 +24312,7 @@
           <p:cNvPr id="30" name="그룹 29">
             <a:extLst>
               <a:ext uri="{FF2B5EF4-FFF2-40B4-BE49-F238E27FC236}">
-                <a16:creationId xmlns:a16="http://schemas.microsoft.com/office/drawing/2014/main" xmlns="" id="{F35FA5B7-F41F-4384-914D-7589C9B7CD22}"/>
+                <a16:creationId xmlns="" xmlns:a16="http://schemas.microsoft.com/office/drawing/2014/main" id="{F35FA5B7-F41F-4384-914D-7589C9B7CD22}"/>
               </a:ext>
             </a:extLst>
           </p:cNvPr>
@@ -24321,7 +24332,7 @@
             <p:cNvPr id="31" name="Picture 2" descr="C:\Users\Owner\Desktop\icon.png">
               <a:extLst>
                 <a:ext uri="{FF2B5EF4-FFF2-40B4-BE49-F238E27FC236}">
-                  <a16:creationId xmlns:a16="http://schemas.microsoft.com/office/drawing/2014/main" xmlns="" id="{27AACF33-BAA2-45ED-8151-B6EDAF376EFA}"/>
+                  <a16:creationId xmlns="" xmlns:a16="http://schemas.microsoft.com/office/drawing/2014/main" id="{27AACF33-BAA2-45ED-8151-B6EDAF376EFA}"/>
                 </a:ext>
               </a:extLst>
             </p:cNvPr>
@@ -24368,7 +24379,7 @@
             <p:cNvPr id="32" name="Picture 5" descr="C:\Users\Owner\Desktop\dog-food-bowl.png">
               <a:extLst>
                 <a:ext uri="{FF2B5EF4-FFF2-40B4-BE49-F238E27FC236}">
-                  <a16:creationId xmlns:a16="http://schemas.microsoft.com/office/drawing/2014/main" xmlns="" id="{3C642F77-4DEA-413B-BDE6-A94A33A67217}"/>
+                  <a16:creationId xmlns="" xmlns:a16="http://schemas.microsoft.com/office/drawing/2014/main" id="{3C642F77-4DEA-413B-BDE6-A94A33A67217}"/>
                 </a:ext>
               </a:extLst>
             </p:cNvPr>
@@ -24415,7 +24426,7 @@
             <p:cNvPr id="33" name="TextBox 32">
               <a:extLst>
                 <a:ext uri="{FF2B5EF4-FFF2-40B4-BE49-F238E27FC236}">
-                  <a16:creationId xmlns:a16="http://schemas.microsoft.com/office/drawing/2014/main" xmlns="" id="{EA32847B-677A-4CCC-ABFF-BD7735BF6800}"/>
+                  <a16:creationId xmlns="" xmlns:a16="http://schemas.microsoft.com/office/drawing/2014/main" id="{EA32847B-677A-4CCC-ABFF-BD7735BF6800}"/>
                 </a:ext>
               </a:extLst>
             </p:cNvPr>
@@ -24458,7 +24469,7 @@
           <p:cNvPr id="35" name="Picture 2" descr="animal, bowl, cat, eating, food, milk, pet icon">
             <a:extLst>
               <a:ext uri="{FF2B5EF4-FFF2-40B4-BE49-F238E27FC236}">
-                <a16:creationId xmlns:a16="http://schemas.microsoft.com/office/drawing/2014/main" xmlns="" id="{F4189CB4-1BCE-42FB-A1FD-8FE32AC9B60B}"/>
+                <a16:creationId xmlns="" xmlns:a16="http://schemas.microsoft.com/office/drawing/2014/main" id="{F4189CB4-1BCE-42FB-A1FD-8FE32AC9B60B}"/>
               </a:ext>
             </a:extLst>
           </p:cNvPr>
@@ -24505,7 +24516,7 @@
           <p:cNvPr id="36" name="직선 화살표 연결선 35">
             <a:extLst>
               <a:ext uri="{FF2B5EF4-FFF2-40B4-BE49-F238E27FC236}">
-                <a16:creationId xmlns:a16="http://schemas.microsoft.com/office/drawing/2014/main" xmlns="" id="{5AAC02B0-DC59-44FA-97CB-261BE5F7A234}"/>
+                <a16:creationId xmlns="" xmlns:a16="http://schemas.microsoft.com/office/drawing/2014/main" id="{5AAC02B0-DC59-44FA-97CB-261BE5F7A234}"/>
               </a:ext>
             </a:extLst>
           </p:cNvPr>
@@ -24546,7 +24557,7 @@
           <p:cNvPr id="37" name="TextBox 36">
             <a:extLst>
               <a:ext uri="{FF2B5EF4-FFF2-40B4-BE49-F238E27FC236}">
-                <a16:creationId xmlns:a16="http://schemas.microsoft.com/office/drawing/2014/main" xmlns="" id="{C9D2FC0B-CB7D-46EF-9F45-B3A7AA4AF92F}"/>
+                <a16:creationId xmlns="" xmlns:a16="http://schemas.microsoft.com/office/drawing/2014/main" id="{C9D2FC0B-CB7D-46EF-9F45-B3A7AA4AF92F}"/>
               </a:ext>
             </a:extLst>
           </p:cNvPr>
@@ -24584,7 +24595,7 @@
           <p:cNvPr id="40" name="그림 39">
             <a:extLst>
               <a:ext uri="{FF2B5EF4-FFF2-40B4-BE49-F238E27FC236}">
-                <a16:creationId xmlns:a16="http://schemas.microsoft.com/office/drawing/2014/main" xmlns="" id="{EFCA340C-0AE6-4F09-B1A0-C5B307D6B3D4}"/>
+                <a16:creationId xmlns="" xmlns:a16="http://schemas.microsoft.com/office/drawing/2014/main" id="{EFCA340C-0AE6-4F09-B1A0-C5B307D6B3D4}"/>
               </a:ext>
             </a:extLst>
           </p:cNvPr>
@@ -24644,7 +24655,7 @@
           <p:cNvPr id="53" name="그림 52">
             <a:extLst>
               <a:ext uri="{FF2B5EF4-FFF2-40B4-BE49-F238E27FC236}">
-                <a16:creationId xmlns:a16="http://schemas.microsoft.com/office/drawing/2014/main" xmlns="" id="{C8596943-58B3-47F9-865A-31BD5FB395A0}"/>
+                <a16:creationId xmlns="" xmlns:a16="http://schemas.microsoft.com/office/drawing/2014/main" id="{C8596943-58B3-47F9-865A-31BD5FB395A0}"/>
               </a:ext>
             </a:extLst>
           </p:cNvPr>
@@ -24674,7 +24685,7 @@
           <p:cNvPr id="45" name="직사각형 44">
             <a:extLst>
               <a:ext uri="{FF2B5EF4-FFF2-40B4-BE49-F238E27FC236}">
-                <a16:creationId xmlns:a16="http://schemas.microsoft.com/office/drawing/2014/main" xmlns="" id="{08103DA1-FEE5-40F3-8500-4DEA4FF40AF5}"/>
+                <a16:creationId xmlns="" xmlns:a16="http://schemas.microsoft.com/office/drawing/2014/main" id="{08103DA1-FEE5-40F3-8500-4DEA4FF40AF5}"/>
               </a:ext>
             </a:extLst>
           </p:cNvPr>
@@ -24733,7 +24744,7 @@
           <p:cNvPr id="10" name="그룹 9">
             <a:extLst>
               <a:ext uri="{FF2B5EF4-FFF2-40B4-BE49-F238E27FC236}">
-                <a16:creationId xmlns:a16="http://schemas.microsoft.com/office/drawing/2014/main" xmlns="" id="{8D674A83-BCB9-4E61-B483-99AA1C9EADCD}"/>
+                <a16:creationId xmlns="" xmlns:a16="http://schemas.microsoft.com/office/drawing/2014/main" id="{8D674A83-BCB9-4E61-B483-99AA1C9EADCD}"/>
               </a:ext>
             </a:extLst>
           </p:cNvPr>
@@ -24753,7 +24764,7 @@
             <p:cNvPr id="7" name="직선 연결선 6">
               <a:extLst>
                 <a:ext uri="{FF2B5EF4-FFF2-40B4-BE49-F238E27FC236}">
-                  <a16:creationId xmlns:a16="http://schemas.microsoft.com/office/drawing/2014/main" xmlns="" id="{00E67A09-8F5F-41D1-808B-763DF1C3C3AA}"/>
+                  <a16:creationId xmlns="" xmlns:a16="http://schemas.microsoft.com/office/drawing/2014/main" id="{00E67A09-8F5F-41D1-808B-763DF1C3C3AA}"/>
                 </a:ext>
               </a:extLst>
             </p:cNvPr>
@@ -24794,7 +24805,7 @@
             <p:cNvPr id="8" name="직선 연결선 7">
               <a:extLst>
                 <a:ext uri="{FF2B5EF4-FFF2-40B4-BE49-F238E27FC236}">
-                  <a16:creationId xmlns:a16="http://schemas.microsoft.com/office/drawing/2014/main" xmlns="" id="{30C79DEC-86D4-4107-BE74-1A2A863C74BA}"/>
+                  <a16:creationId xmlns="" xmlns:a16="http://schemas.microsoft.com/office/drawing/2014/main" id="{30C79DEC-86D4-4107-BE74-1A2A863C74BA}"/>
                 </a:ext>
               </a:extLst>
             </p:cNvPr>
@@ -24837,7 +24848,7 @@
             <p:cNvPr id="9" name="직선 연결선 8">
               <a:extLst>
                 <a:ext uri="{FF2B5EF4-FFF2-40B4-BE49-F238E27FC236}">
-                  <a16:creationId xmlns:a16="http://schemas.microsoft.com/office/drawing/2014/main" xmlns="" id="{34B64C44-8612-4CDC-A475-0BF6E4F3CC84}"/>
+                  <a16:creationId xmlns="" xmlns:a16="http://schemas.microsoft.com/office/drawing/2014/main" id="{34B64C44-8612-4CDC-A475-0BF6E4F3CC84}"/>
                 </a:ext>
               </a:extLst>
             </p:cNvPr>
@@ -24881,7 +24892,7 @@
           <p:cNvPr id="11" name="그룹 10">
             <a:extLst>
               <a:ext uri="{FF2B5EF4-FFF2-40B4-BE49-F238E27FC236}">
-                <a16:creationId xmlns:a16="http://schemas.microsoft.com/office/drawing/2014/main" xmlns="" id="{5D9E95C4-9DC2-47C1-A898-9331DB6C5F48}"/>
+                <a16:creationId xmlns="" xmlns:a16="http://schemas.microsoft.com/office/drawing/2014/main" id="{5D9E95C4-9DC2-47C1-A898-9331DB6C5F48}"/>
               </a:ext>
             </a:extLst>
           </p:cNvPr>
@@ -24901,7 +24912,7 @@
             <p:cNvPr id="12" name="직선 연결선 11">
               <a:extLst>
                 <a:ext uri="{FF2B5EF4-FFF2-40B4-BE49-F238E27FC236}">
-                  <a16:creationId xmlns:a16="http://schemas.microsoft.com/office/drawing/2014/main" xmlns="" id="{CD696218-C6BA-41DE-B6E2-8416F856E018}"/>
+                  <a16:creationId xmlns="" xmlns:a16="http://schemas.microsoft.com/office/drawing/2014/main" id="{CD696218-C6BA-41DE-B6E2-8416F856E018}"/>
                 </a:ext>
               </a:extLst>
             </p:cNvPr>
@@ -24942,7 +24953,7 @@
             <p:cNvPr id="13" name="직선 연결선 12">
               <a:extLst>
                 <a:ext uri="{FF2B5EF4-FFF2-40B4-BE49-F238E27FC236}">
-                  <a16:creationId xmlns:a16="http://schemas.microsoft.com/office/drawing/2014/main" xmlns="" id="{15F30200-2129-40AA-8B9C-8ADC62F88473}"/>
+                  <a16:creationId xmlns="" xmlns:a16="http://schemas.microsoft.com/office/drawing/2014/main" id="{15F30200-2129-40AA-8B9C-8ADC62F88473}"/>
                 </a:ext>
               </a:extLst>
             </p:cNvPr>
@@ -24985,7 +24996,7 @@
             <p:cNvPr id="14" name="직선 연결선 13">
               <a:extLst>
                 <a:ext uri="{FF2B5EF4-FFF2-40B4-BE49-F238E27FC236}">
-                  <a16:creationId xmlns:a16="http://schemas.microsoft.com/office/drawing/2014/main" xmlns="" id="{19C29F19-1F66-40B5-98FB-E12B45B2D33A}"/>
+                  <a16:creationId xmlns="" xmlns:a16="http://schemas.microsoft.com/office/drawing/2014/main" id="{19C29F19-1F66-40B5-98FB-E12B45B2D33A}"/>
                 </a:ext>
               </a:extLst>
             </p:cNvPr>
@@ -25029,7 +25040,7 @@
           <p:cNvPr id="15" name="TextBox 14">
             <a:extLst>
               <a:ext uri="{FF2B5EF4-FFF2-40B4-BE49-F238E27FC236}">
-                <a16:creationId xmlns:a16="http://schemas.microsoft.com/office/drawing/2014/main" xmlns="" id="{14D14242-45C1-4883-AD5E-B74D7A88FC8C}"/>
+                <a16:creationId xmlns="" xmlns:a16="http://schemas.microsoft.com/office/drawing/2014/main" id="{14D14242-45C1-4883-AD5E-B74D7A88FC8C}"/>
               </a:ext>
             </a:extLst>
           </p:cNvPr>
@@ -25099,7 +25110,7 @@
           <p:cNvPr id="16" name="TextBox 15">
             <a:extLst>
               <a:ext uri="{FF2B5EF4-FFF2-40B4-BE49-F238E27FC236}">
-                <a16:creationId xmlns:a16="http://schemas.microsoft.com/office/drawing/2014/main" xmlns="" id="{39FD63E6-65F9-44A1-BB3E-2BDE20ED59B2}"/>
+                <a16:creationId xmlns="" xmlns:a16="http://schemas.microsoft.com/office/drawing/2014/main" id="{39FD63E6-65F9-44A1-BB3E-2BDE20ED59B2}"/>
               </a:ext>
             </a:extLst>
           </p:cNvPr>
@@ -25137,7 +25148,7 @@
           <p:cNvPr id="29" name="Picture 2" descr="C:\Users\Owner\Desktop\icon.png">
             <a:extLst>
               <a:ext uri="{FF2B5EF4-FFF2-40B4-BE49-F238E27FC236}">
-                <a16:creationId xmlns:a16="http://schemas.microsoft.com/office/drawing/2014/main" xmlns="" id="{43239ADC-5882-4BBD-94A1-48EEA5F91864}"/>
+                <a16:creationId xmlns="" xmlns:a16="http://schemas.microsoft.com/office/drawing/2014/main" id="{43239ADC-5882-4BBD-94A1-48EEA5F91864}"/>
               </a:ext>
             </a:extLst>
           </p:cNvPr>
@@ -25184,7 +25195,7 @@
           <p:cNvPr id="22" name="TextBox 21">
             <a:extLst>
               <a:ext uri="{FF2B5EF4-FFF2-40B4-BE49-F238E27FC236}">
-                <a16:creationId xmlns:a16="http://schemas.microsoft.com/office/drawing/2014/main" xmlns="" id="{39FD63E6-65F9-44A1-BB3E-2BDE20ED59B2}"/>
+                <a16:creationId xmlns="" xmlns:a16="http://schemas.microsoft.com/office/drawing/2014/main" id="{39FD63E6-65F9-44A1-BB3E-2BDE20ED59B2}"/>
               </a:ext>
             </a:extLst>
           </p:cNvPr>
@@ -25263,7 +25274,7 @@
           <p:cNvPr id="24" name="TextBox 23">
             <a:extLst>
               <a:ext uri="{FF2B5EF4-FFF2-40B4-BE49-F238E27FC236}">
-                <a16:creationId xmlns:a16="http://schemas.microsoft.com/office/drawing/2014/main" xmlns="" id="{39FD63E6-65F9-44A1-BB3E-2BDE20ED59B2}"/>
+                <a16:creationId xmlns="" xmlns:a16="http://schemas.microsoft.com/office/drawing/2014/main" id="{39FD63E6-65F9-44A1-BB3E-2BDE20ED59B2}"/>
               </a:ext>
             </a:extLst>
           </p:cNvPr>
@@ -25353,7 +25364,7 @@
           <p:cNvPr id="25" name="그룹 24">
             <a:extLst>
               <a:ext uri="{FF2B5EF4-FFF2-40B4-BE49-F238E27FC236}">
-                <a16:creationId xmlns:a16="http://schemas.microsoft.com/office/drawing/2014/main" xmlns="" id="{79E97BA9-5D5E-476B-BA72-5AC335B837F5}"/>
+                <a16:creationId xmlns="" xmlns:a16="http://schemas.microsoft.com/office/drawing/2014/main" id="{79E97BA9-5D5E-476B-BA72-5AC335B837F5}"/>
               </a:ext>
             </a:extLst>
           </p:cNvPr>
@@ -25373,7 +25384,7 @@
             <p:cNvPr id="30" name="Picture 4" descr="C:\Users\Owner\Desktop\map-location.png">
               <a:extLst>
                 <a:ext uri="{FF2B5EF4-FFF2-40B4-BE49-F238E27FC236}">
-                  <a16:creationId xmlns:a16="http://schemas.microsoft.com/office/drawing/2014/main" xmlns="" id="{A8E82FF5-33C2-4049-94AA-42C0E0DD2089}"/>
+                  <a16:creationId xmlns="" xmlns:a16="http://schemas.microsoft.com/office/drawing/2014/main" id="{A8E82FF5-33C2-4049-94AA-42C0E0DD2089}"/>
                 </a:ext>
               </a:extLst>
             </p:cNvPr>
@@ -25420,7 +25431,7 @@
             <p:cNvPr id="31" name="Picture 6" descr="C:\Users\Owner\Desktop\back-arrow.png">
               <a:extLst>
                 <a:ext uri="{FF2B5EF4-FFF2-40B4-BE49-F238E27FC236}">
-                  <a16:creationId xmlns:a16="http://schemas.microsoft.com/office/drawing/2014/main" xmlns="" id="{A7B40C73-301B-45B3-AEBC-9D228ADFA554}"/>
+                  <a16:creationId xmlns="" xmlns:a16="http://schemas.microsoft.com/office/drawing/2014/main" id="{A7B40C73-301B-45B3-AEBC-9D228ADFA554}"/>
                 </a:ext>
               </a:extLst>
             </p:cNvPr>
@@ -25468,7 +25479,7 @@
           <p:cNvPr id="33" name="TextBox 32">
             <a:extLst>
               <a:ext uri="{FF2B5EF4-FFF2-40B4-BE49-F238E27FC236}">
-                <a16:creationId xmlns:a16="http://schemas.microsoft.com/office/drawing/2014/main" xmlns="" id="{39FD63E6-65F9-44A1-BB3E-2BDE20ED59B2}"/>
+                <a16:creationId xmlns="" xmlns:a16="http://schemas.microsoft.com/office/drawing/2014/main" id="{39FD63E6-65F9-44A1-BB3E-2BDE20ED59B2}"/>
               </a:ext>
             </a:extLst>
           </p:cNvPr>
@@ -25552,7 +25563,7 @@
           <p:cNvPr id="34" name="Picture 2" descr="C:\Users\Owner\Desktop\icon.png">
             <a:extLst>
               <a:ext uri="{FF2B5EF4-FFF2-40B4-BE49-F238E27FC236}">
-                <a16:creationId xmlns:a16="http://schemas.microsoft.com/office/drawing/2014/main" xmlns="" id="{43239ADC-5882-4BBD-94A1-48EEA5F91864}"/>
+                <a16:creationId xmlns="" xmlns:a16="http://schemas.microsoft.com/office/drawing/2014/main" id="{43239ADC-5882-4BBD-94A1-48EEA5F91864}"/>
               </a:ext>
             </a:extLst>
           </p:cNvPr>
@@ -25599,7 +25610,7 @@
           <p:cNvPr id="35" name="TextBox 34">
             <a:extLst>
               <a:ext uri="{FF2B5EF4-FFF2-40B4-BE49-F238E27FC236}">
-                <a16:creationId xmlns:a16="http://schemas.microsoft.com/office/drawing/2014/main" xmlns="" id="{39FD63E6-65F9-44A1-BB3E-2BDE20ED59B2}"/>
+                <a16:creationId xmlns="" xmlns:a16="http://schemas.microsoft.com/office/drawing/2014/main" id="{39FD63E6-65F9-44A1-BB3E-2BDE20ED59B2}"/>
               </a:ext>
             </a:extLst>
           </p:cNvPr>
@@ -25671,7 +25682,7 @@
           <p:cNvPr id="36" name="그룹 35">
             <a:extLst>
               <a:ext uri="{FF2B5EF4-FFF2-40B4-BE49-F238E27FC236}">
-                <a16:creationId xmlns:a16="http://schemas.microsoft.com/office/drawing/2014/main" xmlns="" id="{BB24638B-C37C-4614-B8C0-E963D9BBF6B0}"/>
+                <a16:creationId xmlns="" xmlns:a16="http://schemas.microsoft.com/office/drawing/2014/main" id="{BB24638B-C37C-4614-B8C0-E963D9BBF6B0}"/>
               </a:ext>
             </a:extLst>
           </p:cNvPr>
@@ -25691,7 +25702,7 @@
             <p:cNvPr id="37" name="그래픽 37" descr="개">
               <a:extLst>
                 <a:ext uri="{FF2B5EF4-FFF2-40B4-BE49-F238E27FC236}">
-                  <a16:creationId xmlns:a16="http://schemas.microsoft.com/office/drawing/2014/main" xmlns="" id="{9FD84FA7-A199-41F4-A6BC-DA38B20F690B}"/>
+                  <a16:creationId xmlns="" xmlns:a16="http://schemas.microsoft.com/office/drawing/2014/main" id="{9FD84FA7-A199-41F4-A6BC-DA38B20F690B}"/>
                 </a:ext>
               </a:extLst>
             </p:cNvPr>
@@ -25707,7 +25718,7 @@
                   <a14:useLocalDpi xmlns:a14="http://schemas.microsoft.com/office/drawing/2010/main" val="0"/>
                 </a:ext>
                 <a:ext uri="{96DAC541-7B7A-43D3-8B79-37D633B846F1}">
-                  <asvg:svgBlip xmlns:asvg="http://schemas.microsoft.com/office/drawing/2016/SVG/main" xmlns="" r:embed="rId9"/>
+                  <asvg:svgBlip xmlns="" xmlns:asvg="http://schemas.microsoft.com/office/drawing/2016/SVG/main" r:embed="rId9"/>
                 </a:ext>
               </a:extLst>
             </a:blip>
@@ -25730,7 +25741,7 @@
             <p:cNvPr id="38" name="그래픽 39" descr="남자 아이가 있는 가족">
               <a:extLst>
                 <a:ext uri="{FF2B5EF4-FFF2-40B4-BE49-F238E27FC236}">
-                  <a16:creationId xmlns:a16="http://schemas.microsoft.com/office/drawing/2014/main" xmlns="" id="{5783A586-1F3C-4826-ACD6-9143D6C56C6C}"/>
+                  <a16:creationId xmlns="" xmlns:a16="http://schemas.microsoft.com/office/drawing/2014/main" id="{5783A586-1F3C-4826-ACD6-9143D6C56C6C}"/>
                 </a:ext>
               </a:extLst>
             </p:cNvPr>
@@ -25746,7 +25757,7 @@
                   <a14:useLocalDpi xmlns:a14="http://schemas.microsoft.com/office/drawing/2010/main" val="0"/>
                 </a:ext>
                 <a:ext uri="{96DAC541-7B7A-43D3-8B79-37D633B846F1}">
-                  <asvg:svgBlip xmlns:asvg="http://schemas.microsoft.com/office/drawing/2016/SVG/main" xmlns="" r:embed="rId11"/>
+                  <asvg:svgBlip xmlns="" xmlns:asvg="http://schemas.microsoft.com/office/drawing/2016/SVG/main" r:embed="rId11"/>
                 </a:ext>
               </a:extLst>
             </a:blip>
@@ -25990,7 +26001,7 @@
           <p:cNvPr id="48" name="직선 화살표 연결선 47">
             <a:extLst>
               <a:ext uri="{FF2B5EF4-FFF2-40B4-BE49-F238E27FC236}">
-                <a16:creationId xmlns:a16="http://schemas.microsoft.com/office/drawing/2014/main" xmlns="" id="{E3DBFFED-2AB8-49D0-9D5E-50A0E2C9C47A}"/>
+                <a16:creationId xmlns="" xmlns:a16="http://schemas.microsoft.com/office/drawing/2014/main" id="{E3DBFFED-2AB8-49D0-9D5E-50A0E2C9C47A}"/>
               </a:ext>
             </a:extLst>
           </p:cNvPr>
@@ -26031,7 +26042,7 @@
           <p:cNvPr id="49" name="직선 화살표 연결선 48">
             <a:extLst>
               <a:ext uri="{FF2B5EF4-FFF2-40B4-BE49-F238E27FC236}">
-                <a16:creationId xmlns:a16="http://schemas.microsoft.com/office/drawing/2014/main" xmlns="" id="{82C1EDCD-FE36-4CE2-A297-F8D764DB9F43}"/>
+                <a16:creationId xmlns="" xmlns:a16="http://schemas.microsoft.com/office/drawing/2014/main" id="{82C1EDCD-FE36-4CE2-A297-F8D764DB9F43}"/>
               </a:ext>
             </a:extLst>
           </p:cNvPr>
@@ -26072,7 +26083,7 @@
           <p:cNvPr id="50" name="직선 화살표 연결선 49">
             <a:extLst>
               <a:ext uri="{FF2B5EF4-FFF2-40B4-BE49-F238E27FC236}">
-                <a16:creationId xmlns:a16="http://schemas.microsoft.com/office/drawing/2014/main" xmlns="" id="{0AF50B58-3DC9-474C-917F-A19178037CE1}"/>
+                <a16:creationId xmlns="" xmlns:a16="http://schemas.microsoft.com/office/drawing/2014/main" id="{0AF50B58-3DC9-474C-917F-A19178037CE1}"/>
               </a:ext>
             </a:extLst>
           </p:cNvPr>
@@ -26113,7 +26124,7 @@
           <p:cNvPr id="52" name="Picture 4" descr="avatar, dog, female, human, people, person, standing, user, woman icon">
             <a:extLst>
               <a:ext uri="{FF2B5EF4-FFF2-40B4-BE49-F238E27FC236}">
-                <a16:creationId xmlns:a16="http://schemas.microsoft.com/office/drawing/2014/main" xmlns="" id="{3DDFF627-1423-40E2-89AA-A48850C455AD}"/>
+                <a16:creationId xmlns="" xmlns:a16="http://schemas.microsoft.com/office/drawing/2014/main" id="{3DDFF627-1423-40E2-89AA-A48850C455AD}"/>
               </a:ext>
             </a:extLst>
           </p:cNvPr>
@@ -26160,7 +26171,7 @@
           <p:cNvPr id="54" name="TextBox 53">
             <a:extLst>
               <a:ext uri="{FF2B5EF4-FFF2-40B4-BE49-F238E27FC236}">
-                <a16:creationId xmlns:a16="http://schemas.microsoft.com/office/drawing/2014/main" xmlns="" id="{508D0E98-328F-4E33-A6ED-51D874A99B16}"/>
+                <a16:creationId xmlns="" xmlns:a16="http://schemas.microsoft.com/office/drawing/2014/main" id="{508D0E98-328F-4E33-A6ED-51D874A99B16}"/>
               </a:ext>
             </a:extLst>
           </p:cNvPr>
@@ -26202,7 +26213,7 @@
           <p:cNvPr id="55" name="Picture 2" descr="C:\Users\Owner\Desktop\icon.png">
             <a:extLst>
               <a:ext uri="{FF2B5EF4-FFF2-40B4-BE49-F238E27FC236}">
-                <a16:creationId xmlns:a16="http://schemas.microsoft.com/office/drawing/2014/main" xmlns="" id="{0CDBB07A-B14D-4680-A132-860A01533BB4}"/>
+                <a16:creationId xmlns="" xmlns:a16="http://schemas.microsoft.com/office/drawing/2014/main" id="{0CDBB07A-B14D-4680-A132-860A01533BB4}"/>
               </a:ext>
             </a:extLst>
           </p:cNvPr>
@@ -26249,7 +26260,7 @@
           <p:cNvPr id="56" name="Picture 4" descr="C:\Users\Owner\Desktop\map-location.png">
             <a:extLst>
               <a:ext uri="{FF2B5EF4-FFF2-40B4-BE49-F238E27FC236}">
-                <a16:creationId xmlns:a16="http://schemas.microsoft.com/office/drawing/2014/main" xmlns="" id="{A292939F-DA83-46D3-9243-5CDCC41B5723}"/>
+                <a16:creationId xmlns="" xmlns:a16="http://schemas.microsoft.com/office/drawing/2014/main" id="{A292939F-DA83-46D3-9243-5CDCC41B5723}"/>
               </a:ext>
             </a:extLst>
           </p:cNvPr>
@@ -26296,7 +26307,7 @@
           <p:cNvPr id="57" name="Picture 6" descr="C:\Users\Owner\Desktop\back-arrow.png">
             <a:extLst>
               <a:ext uri="{FF2B5EF4-FFF2-40B4-BE49-F238E27FC236}">
-                <a16:creationId xmlns:a16="http://schemas.microsoft.com/office/drawing/2014/main" xmlns="" id="{BAA63898-8E04-49E2-82EB-EBC5A7440E09}"/>
+                <a16:creationId xmlns="" xmlns:a16="http://schemas.microsoft.com/office/drawing/2014/main" id="{BAA63898-8E04-49E2-82EB-EBC5A7440E09}"/>
               </a:ext>
             </a:extLst>
           </p:cNvPr>
@@ -26343,7 +26354,7 @@
           <p:cNvPr id="58" name="TextBox 57">
             <a:extLst>
               <a:ext uri="{FF2B5EF4-FFF2-40B4-BE49-F238E27FC236}">
-                <a16:creationId xmlns:a16="http://schemas.microsoft.com/office/drawing/2014/main" xmlns="" id="{3800A376-21AA-438F-8CFA-D7C983C0130C}"/>
+                <a16:creationId xmlns="" xmlns:a16="http://schemas.microsoft.com/office/drawing/2014/main" id="{3800A376-21AA-438F-8CFA-D7C983C0130C}"/>
               </a:ext>
             </a:extLst>
           </p:cNvPr>
@@ -26440,7 +26451,7 @@
           <p:cNvPr id="59" name="그림 58">
             <a:extLst>
               <a:ext uri="{FF2B5EF4-FFF2-40B4-BE49-F238E27FC236}">
-                <a16:creationId xmlns:a16="http://schemas.microsoft.com/office/drawing/2014/main" xmlns="" id="{EFCA340C-0AE6-4F09-B1A0-C5B307D6B3D4}"/>
+                <a16:creationId xmlns="" xmlns:a16="http://schemas.microsoft.com/office/drawing/2014/main" id="{EFCA340C-0AE6-4F09-B1A0-C5B307D6B3D4}"/>
               </a:ext>
             </a:extLst>
           </p:cNvPr>
@@ -26470,7 +26481,7 @@
           <p:cNvPr id="60" name="직선 화살표 연결선 59">
             <a:extLst>
               <a:ext uri="{FF2B5EF4-FFF2-40B4-BE49-F238E27FC236}">
-                <a16:creationId xmlns:a16="http://schemas.microsoft.com/office/drawing/2014/main" xmlns="" id="{E3DBFFED-2AB8-49D0-9D5E-50A0E2C9C47A}"/>
+                <a16:creationId xmlns="" xmlns:a16="http://schemas.microsoft.com/office/drawing/2014/main" id="{E3DBFFED-2AB8-49D0-9D5E-50A0E2C9C47A}"/>
               </a:ext>
             </a:extLst>
           </p:cNvPr>
@@ -26511,7 +26522,7 @@
           <p:cNvPr id="61" name="직선 화살표 연결선 60">
             <a:extLst>
               <a:ext uri="{FF2B5EF4-FFF2-40B4-BE49-F238E27FC236}">
-                <a16:creationId xmlns:a16="http://schemas.microsoft.com/office/drawing/2014/main" xmlns="" id="{0AF50B58-3DC9-474C-917F-A19178037CE1}"/>
+                <a16:creationId xmlns="" xmlns:a16="http://schemas.microsoft.com/office/drawing/2014/main" id="{0AF50B58-3DC9-474C-917F-A19178037CE1}"/>
               </a:ext>
             </a:extLst>
           </p:cNvPr>
@@ -26582,7 +26593,7 @@
           <p:cNvPr id="5" name="그림 4">
             <a:extLst>
               <a:ext uri="{FF2B5EF4-FFF2-40B4-BE49-F238E27FC236}">
-                <a16:creationId xmlns:a16="http://schemas.microsoft.com/office/drawing/2014/main" xmlns="" id="{6C42A7F1-A266-4D92-A048-24EC860E1FDC}"/>
+                <a16:creationId xmlns="" xmlns:a16="http://schemas.microsoft.com/office/drawing/2014/main" id="{6C42A7F1-A266-4D92-A048-24EC860E1FDC}"/>
               </a:ext>
             </a:extLst>
           </p:cNvPr>
@@ -26612,7 +26623,7 @@
           <p:cNvPr id="45" name="직사각형 44">
             <a:extLst>
               <a:ext uri="{FF2B5EF4-FFF2-40B4-BE49-F238E27FC236}">
-                <a16:creationId xmlns:a16="http://schemas.microsoft.com/office/drawing/2014/main" xmlns="" id="{5FC8B9F9-BD2C-4BC1-A59B-5C108BAA84C3}"/>
+                <a16:creationId xmlns="" xmlns:a16="http://schemas.microsoft.com/office/drawing/2014/main" id="{5FC8B9F9-BD2C-4BC1-A59B-5C108BAA84C3}"/>
               </a:ext>
             </a:extLst>
           </p:cNvPr>
@@ -26671,7 +26682,7 @@
           <p:cNvPr id="6" name="그림 5">
             <a:extLst>
               <a:ext uri="{FF2B5EF4-FFF2-40B4-BE49-F238E27FC236}">
-                <a16:creationId xmlns:a16="http://schemas.microsoft.com/office/drawing/2014/main" xmlns="" id="{FC11DFCA-3DDE-4747-BB0C-806D9C6035E9}"/>
+                <a16:creationId xmlns="" xmlns:a16="http://schemas.microsoft.com/office/drawing/2014/main" id="{FC11DFCA-3DDE-4747-BB0C-806D9C6035E9}"/>
               </a:ext>
             </a:extLst>
           </p:cNvPr>
@@ -26701,7 +26712,7 @@
           <p:cNvPr id="10" name="그룹 9">
             <a:extLst>
               <a:ext uri="{FF2B5EF4-FFF2-40B4-BE49-F238E27FC236}">
-                <a16:creationId xmlns:a16="http://schemas.microsoft.com/office/drawing/2014/main" xmlns="" id="{8D674A83-BCB9-4E61-B483-99AA1C9EADCD}"/>
+                <a16:creationId xmlns="" xmlns:a16="http://schemas.microsoft.com/office/drawing/2014/main" id="{8D674A83-BCB9-4E61-B483-99AA1C9EADCD}"/>
               </a:ext>
             </a:extLst>
           </p:cNvPr>
@@ -26721,7 +26732,7 @@
             <p:cNvPr id="7" name="직선 연결선 6">
               <a:extLst>
                 <a:ext uri="{FF2B5EF4-FFF2-40B4-BE49-F238E27FC236}">
-                  <a16:creationId xmlns:a16="http://schemas.microsoft.com/office/drawing/2014/main" xmlns="" id="{00E67A09-8F5F-41D1-808B-763DF1C3C3AA}"/>
+                  <a16:creationId xmlns="" xmlns:a16="http://schemas.microsoft.com/office/drawing/2014/main" id="{00E67A09-8F5F-41D1-808B-763DF1C3C3AA}"/>
                 </a:ext>
               </a:extLst>
             </p:cNvPr>
@@ -26762,7 +26773,7 @@
             <p:cNvPr id="8" name="직선 연결선 7">
               <a:extLst>
                 <a:ext uri="{FF2B5EF4-FFF2-40B4-BE49-F238E27FC236}">
-                  <a16:creationId xmlns:a16="http://schemas.microsoft.com/office/drawing/2014/main" xmlns="" id="{30C79DEC-86D4-4107-BE74-1A2A863C74BA}"/>
+                  <a16:creationId xmlns="" xmlns:a16="http://schemas.microsoft.com/office/drawing/2014/main" id="{30C79DEC-86D4-4107-BE74-1A2A863C74BA}"/>
                 </a:ext>
               </a:extLst>
             </p:cNvPr>
@@ -26805,7 +26816,7 @@
             <p:cNvPr id="9" name="직선 연결선 8">
               <a:extLst>
                 <a:ext uri="{FF2B5EF4-FFF2-40B4-BE49-F238E27FC236}">
-                  <a16:creationId xmlns:a16="http://schemas.microsoft.com/office/drawing/2014/main" xmlns="" id="{34B64C44-8612-4CDC-A475-0BF6E4F3CC84}"/>
+                  <a16:creationId xmlns="" xmlns:a16="http://schemas.microsoft.com/office/drawing/2014/main" id="{34B64C44-8612-4CDC-A475-0BF6E4F3CC84}"/>
                 </a:ext>
               </a:extLst>
             </p:cNvPr>
@@ -26849,7 +26860,7 @@
           <p:cNvPr id="11" name="그룹 10">
             <a:extLst>
               <a:ext uri="{FF2B5EF4-FFF2-40B4-BE49-F238E27FC236}">
-                <a16:creationId xmlns:a16="http://schemas.microsoft.com/office/drawing/2014/main" xmlns="" id="{5D9E95C4-9DC2-47C1-A898-9331DB6C5F48}"/>
+                <a16:creationId xmlns="" xmlns:a16="http://schemas.microsoft.com/office/drawing/2014/main" id="{5D9E95C4-9DC2-47C1-A898-9331DB6C5F48}"/>
               </a:ext>
             </a:extLst>
           </p:cNvPr>
@@ -26869,7 +26880,7 @@
             <p:cNvPr id="12" name="직선 연결선 11">
               <a:extLst>
                 <a:ext uri="{FF2B5EF4-FFF2-40B4-BE49-F238E27FC236}">
-                  <a16:creationId xmlns:a16="http://schemas.microsoft.com/office/drawing/2014/main" xmlns="" id="{CD696218-C6BA-41DE-B6E2-8416F856E018}"/>
+                  <a16:creationId xmlns="" xmlns:a16="http://schemas.microsoft.com/office/drawing/2014/main" id="{CD696218-C6BA-41DE-B6E2-8416F856E018}"/>
                 </a:ext>
               </a:extLst>
             </p:cNvPr>
@@ -26910,7 +26921,7 @@
             <p:cNvPr id="13" name="직선 연결선 12">
               <a:extLst>
                 <a:ext uri="{FF2B5EF4-FFF2-40B4-BE49-F238E27FC236}">
-                  <a16:creationId xmlns:a16="http://schemas.microsoft.com/office/drawing/2014/main" xmlns="" id="{15F30200-2129-40AA-8B9C-8ADC62F88473}"/>
+                  <a16:creationId xmlns="" xmlns:a16="http://schemas.microsoft.com/office/drawing/2014/main" id="{15F30200-2129-40AA-8B9C-8ADC62F88473}"/>
                 </a:ext>
               </a:extLst>
             </p:cNvPr>
@@ -26953,7 +26964,7 @@
             <p:cNvPr id="14" name="직선 연결선 13">
               <a:extLst>
                 <a:ext uri="{FF2B5EF4-FFF2-40B4-BE49-F238E27FC236}">
-                  <a16:creationId xmlns:a16="http://schemas.microsoft.com/office/drawing/2014/main" xmlns="" id="{19C29F19-1F66-40B5-98FB-E12B45B2D33A}"/>
+                  <a16:creationId xmlns="" xmlns:a16="http://schemas.microsoft.com/office/drawing/2014/main" id="{19C29F19-1F66-40B5-98FB-E12B45B2D33A}"/>
                 </a:ext>
               </a:extLst>
             </p:cNvPr>
@@ -26997,7 +27008,7 @@
           <p:cNvPr id="15" name="TextBox 14">
             <a:extLst>
               <a:ext uri="{FF2B5EF4-FFF2-40B4-BE49-F238E27FC236}">
-                <a16:creationId xmlns:a16="http://schemas.microsoft.com/office/drawing/2014/main" xmlns="" id="{14D14242-45C1-4883-AD5E-B74D7A88FC8C}"/>
+                <a16:creationId xmlns="" xmlns:a16="http://schemas.microsoft.com/office/drawing/2014/main" id="{14D14242-45C1-4883-AD5E-B74D7A88FC8C}"/>
               </a:ext>
             </a:extLst>
           </p:cNvPr>
@@ -27074,7 +27085,7 @@
           <p:cNvPr id="16" name="TextBox 15">
             <a:extLst>
               <a:ext uri="{FF2B5EF4-FFF2-40B4-BE49-F238E27FC236}">
-                <a16:creationId xmlns:a16="http://schemas.microsoft.com/office/drawing/2014/main" xmlns="" id="{39FD63E6-65F9-44A1-BB3E-2BDE20ED59B2}"/>
+                <a16:creationId xmlns="" xmlns:a16="http://schemas.microsoft.com/office/drawing/2014/main" id="{39FD63E6-65F9-44A1-BB3E-2BDE20ED59B2}"/>
               </a:ext>
             </a:extLst>
           </p:cNvPr>
@@ -27112,7 +27123,7 @@
           <p:cNvPr id="26" name="TextBox 25">
             <a:extLst>
               <a:ext uri="{FF2B5EF4-FFF2-40B4-BE49-F238E27FC236}">
-                <a16:creationId xmlns:a16="http://schemas.microsoft.com/office/drawing/2014/main" xmlns="" id="{39FD63E6-65F9-44A1-BB3E-2BDE20ED59B2}"/>
+                <a16:creationId xmlns="" xmlns:a16="http://schemas.microsoft.com/office/drawing/2014/main" id="{39FD63E6-65F9-44A1-BB3E-2BDE20ED59B2}"/>
               </a:ext>
             </a:extLst>
           </p:cNvPr>
@@ -27192,7 +27203,7 @@
               <p:cNvPr id="28" name="Picture 3" descr="C:\Users\Owner\Desktop\dog.png">
                 <a:extLst>
                   <a:ext uri="{FF2B5EF4-FFF2-40B4-BE49-F238E27FC236}">
-                    <a16:creationId xmlns:a16="http://schemas.microsoft.com/office/drawing/2014/main" xmlns="" id="{07618D04-532C-44F5-A09C-F25CDACBE255}"/>
+                    <a16:creationId xmlns="" xmlns:a16="http://schemas.microsoft.com/office/drawing/2014/main" id="{07618D04-532C-44F5-A09C-F25CDACBE255}"/>
                   </a:ext>
                 </a:extLst>
               </p:cNvPr>
@@ -27281,7 +27292,7 @@
             <p:cNvPr id="29" name="Picture 2" descr="C:\Users\Owner\Desktop\icon.png">
               <a:extLst>
                 <a:ext uri="{FF2B5EF4-FFF2-40B4-BE49-F238E27FC236}">
-                  <a16:creationId xmlns:a16="http://schemas.microsoft.com/office/drawing/2014/main" xmlns="" id="{43239ADC-5882-4BBD-94A1-48EEA5F91864}"/>
+                  <a16:creationId xmlns="" xmlns:a16="http://schemas.microsoft.com/office/drawing/2014/main" id="{43239ADC-5882-4BBD-94A1-48EEA5F91864}"/>
                 </a:ext>
               </a:extLst>
             </p:cNvPr>
@@ -27329,7 +27340,7 @@
           <p:cNvPr id="22" name="TextBox 21">
             <a:extLst>
               <a:ext uri="{FF2B5EF4-FFF2-40B4-BE49-F238E27FC236}">
-                <a16:creationId xmlns:a16="http://schemas.microsoft.com/office/drawing/2014/main" xmlns="" id="{39FD63E6-65F9-44A1-BB3E-2BDE20ED59B2}"/>
+                <a16:creationId xmlns="" xmlns:a16="http://schemas.microsoft.com/office/drawing/2014/main" id="{39FD63E6-65F9-44A1-BB3E-2BDE20ED59B2}"/>
               </a:ext>
             </a:extLst>
           </p:cNvPr>
@@ -27357,14 +27368,7 @@
                 <a:latin typeface="+mj-ea"/>
                 <a:ea typeface="+mj-ea"/>
               </a:rPr>
-              <a:t>애</a:t>
-            </a:r>
-            <a:r>
-              <a:rPr lang="ko-KR" altLang="en-US" sz="1500" b="1" dirty="0" smtClean="0">
-                <a:latin typeface="+mj-ea"/>
-                <a:ea typeface="+mj-ea"/>
-              </a:rPr>
-              <a:t>플리케이션 내의 </a:t>
+              <a:t>애플리케이션 내의 </a:t>
             </a:r>
             <a:r>
               <a:rPr lang="ko-KR" altLang="en-US" sz="1500" b="1" dirty="0">
@@ -27449,7 +27453,7 @@
           <p:cNvPr id="47" name="TextBox 46">
             <a:extLst>
               <a:ext uri="{FF2B5EF4-FFF2-40B4-BE49-F238E27FC236}">
-                <a16:creationId xmlns:a16="http://schemas.microsoft.com/office/drawing/2014/main" xmlns="" id="{95F1D804-FBAB-4FA8-ABCA-60A6AA12F50A}"/>
+                <a16:creationId xmlns="" xmlns:a16="http://schemas.microsoft.com/office/drawing/2014/main" id="{95F1D804-FBAB-4FA8-ABCA-60A6AA12F50A}"/>
               </a:ext>
             </a:extLst>
           </p:cNvPr>
@@ -27586,7 +27590,7 @@
           <p:cNvPr id="48" name="TextBox 47">
             <a:extLst>
               <a:ext uri="{FF2B5EF4-FFF2-40B4-BE49-F238E27FC236}">
-                <a16:creationId xmlns:a16="http://schemas.microsoft.com/office/drawing/2014/main" xmlns="" id="{17A36EC6-44D8-4850-81AD-76AF5F4A68BA}"/>
+                <a16:creationId xmlns="" xmlns:a16="http://schemas.microsoft.com/office/drawing/2014/main" id="{17A36EC6-44D8-4850-81AD-76AF5F4A68BA}"/>
               </a:ext>
             </a:extLst>
           </p:cNvPr>
@@ -27676,7 +27680,7 @@
           <p:cNvPr id="18" name="직선 화살표 연결선 17">
             <a:extLst>
               <a:ext uri="{FF2B5EF4-FFF2-40B4-BE49-F238E27FC236}">
-                <a16:creationId xmlns:a16="http://schemas.microsoft.com/office/drawing/2014/main" xmlns="" id="{3AE14B2A-2064-452A-BFEE-E961C5FF95EB}"/>
+                <a16:creationId xmlns="" xmlns:a16="http://schemas.microsoft.com/office/drawing/2014/main" id="{3AE14B2A-2064-452A-BFEE-E961C5FF95EB}"/>
               </a:ext>
             </a:extLst>
           </p:cNvPr>
@@ -27717,7 +27721,7 @@
           <p:cNvPr id="49" name="직선 화살표 연결선 48">
             <a:extLst>
               <a:ext uri="{FF2B5EF4-FFF2-40B4-BE49-F238E27FC236}">
-                <a16:creationId xmlns:a16="http://schemas.microsoft.com/office/drawing/2014/main" xmlns="" id="{CDF974A8-4E46-4466-83D3-3F66A24D7217}"/>
+                <a16:creationId xmlns="" xmlns:a16="http://schemas.microsoft.com/office/drawing/2014/main" id="{CDF974A8-4E46-4466-83D3-3F66A24D7217}"/>
               </a:ext>
             </a:extLst>
           </p:cNvPr>
@@ -27758,7 +27762,7 @@
           <p:cNvPr id="50" name="직선 화살표 연결선 49">
             <a:extLst>
               <a:ext uri="{FF2B5EF4-FFF2-40B4-BE49-F238E27FC236}">
-                <a16:creationId xmlns:a16="http://schemas.microsoft.com/office/drawing/2014/main" xmlns="" id="{12DE0A14-5A4F-48DC-B4D1-620A612FCECA}"/>
+                <a16:creationId xmlns="" xmlns:a16="http://schemas.microsoft.com/office/drawing/2014/main" id="{12DE0A14-5A4F-48DC-B4D1-620A612FCECA}"/>
               </a:ext>
             </a:extLst>
           </p:cNvPr>
@@ -27799,7 +27803,7 @@
           <p:cNvPr id="31" name="그림 30">
             <a:extLst>
               <a:ext uri="{FF2B5EF4-FFF2-40B4-BE49-F238E27FC236}">
-                <a16:creationId xmlns:a16="http://schemas.microsoft.com/office/drawing/2014/main" xmlns="" id="{EFCA340C-0AE6-4F09-B1A0-C5B307D6B3D4}"/>
+                <a16:creationId xmlns="" xmlns:a16="http://schemas.microsoft.com/office/drawing/2014/main" id="{EFCA340C-0AE6-4F09-B1A0-C5B307D6B3D4}"/>
               </a:ext>
             </a:extLst>
           </p:cNvPr>
@@ -28126,7 +28130,7 @@
   <a:extraClrSchemeLst/>
   <a:extLst>
     <a:ext uri="{05A4C25C-085E-4340-85A3-A5531E510DB2}">
-      <thm15:themeFamily xmlns:thm15="http://schemas.microsoft.com/office/thememl/2012/main" xmlns="" name="Office Theme" id="{62F939B6-93AF-4DB8-9C6B-D6C7DFDC589F}" vid="{4A3C46E8-61CC-4603-A589-7422A47A8E4A}"/>
+      <thm15:themeFamily xmlns="" xmlns:thm15="http://schemas.microsoft.com/office/thememl/2012/main" name="Office Theme" id="{62F939B6-93AF-4DB8-9C6B-D6C7DFDC589F}" vid="{4A3C46E8-61CC-4603-A589-7422A47A8E4A}"/>
     </a:ext>
   </a:extLst>
 </a:theme>
